--- a/Slides/L5.1 The Relational Database Model_ 2.pptx
+++ b/Slides/L5.1 The Relational Database Model_ 2.pptx
@@ -65,7 +65,7 @@
         <a:solidFill>
           <a:schemeClr val="tx1"/>
         </a:solidFill>
-        <a:latin typeface="Helvetica" panose="020B0604020202020204" pitchFamily="34" charset="0"/>
+        <a:latin typeface="Helvetica" pitchFamily="34" charset="0"/>
         <a:ea typeface="MS PGothic" panose="020B0600070205080204" pitchFamily="34" charset="-128"/>
         <a:cs typeface="+mn-cs"/>
       </a:defRPr>
@@ -81,7 +81,7 @@
         <a:solidFill>
           <a:schemeClr val="tx1"/>
         </a:solidFill>
-        <a:latin typeface="Helvetica" panose="020B0604020202020204" pitchFamily="34" charset="0"/>
+        <a:latin typeface="Helvetica" pitchFamily="34" charset="0"/>
         <a:ea typeface="MS PGothic" panose="020B0600070205080204" pitchFamily="34" charset="-128"/>
         <a:cs typeface="+mn-cs"/>
       </a:defRPr>
@@ -97,7 +97,7 @@
         <a:solidFill>
           <a:schemeClr val="tx1"/>
         </a:solidFill>
-        <a:latin typeface="Helvetica" panose="020B0604020202020204" pitchFamily="34" charset="0"/>
+        <a:latin typeface="Helvetica" pitchFamily="34" charset="0"/>
         <a:ea typeface="MS PGothic" panose="020B0600070205080204" pitchFamily="34" charset="-128"/>
         <a:cs typeface="+mn-cs"/>
       </a:defRPr>
@@ -113,7 +113,7 @@
         <a:solidFill>
           <a:schemeClr val="tx1"/>
         </a:solidFill>
-        <a:latin typeface="Helvetica" panose="020B0604020202020204" pitchFamily="34" charset="0"/>
+        <a:latin typeface="Helvetica" pitchFamily="34" charset="0"/>
         <a:ea typeface="MS PGothic" panose="020B0600070205080204" pitchFamily="34" charset="-128"/>
         <a:cs typeface="+mn-cs"/>
       </a:defRPr>
@@ -129,7 +129,7 @@
         <a:solidFill>
           <a:schemeClr val="tx1"/>
         </a:solidFill>
-        <a:latin typeface="Helvetica" panose="020B0604020202020204" pitchFamily="34" charset="0"/>
+        <a:latin typeface="Helvetica" pitchFamily="34" charset="0"/>
         <a:ea typeface="MS PGothic" panose="020B0600070205080204" pitchFamily="34" charset="-128"/>
         <a:cs typeface="+mn-cs"/>
       </a:defRPr>
@@ -139,7 +139,7 @@
         <a:solidFill>
           <a:schemeClr val="tx1"/>
         </a:solidFill>
-        <a:latin typeface="Helvetica" panose="020B0604020202020204" pitchFamily="34" charset="0"/>
+        <a:latin typeface="Helvetica" pitchFamily="34" charset="0"/>
         <a:ea typeface="MS PGothic" panose="020B0600070205080204" pitchFamily="34" charset="-128"/>
         <a:cs typeface="+mn-cs"/>
       </a:defRPr>
@@ -149,7 +149,7 @@
         <a:solidFill>
           <a:schemeClr val="tx1"/>
         </a:solidFill>
-        <a:latin typeface="Helvetica" panose="020B0604020202020204" pitchFamily="34" charset="0"/>
+        <a:latin typeface="Helvetica" pitchFamily="34" charset="0"/>
         <a:ea typeface="MS PGothic" panose="020B0600070205080204" pitchFamily="34" charset="-128"/>
         <a:cs typeface="+mn-cs"/>
       </a:defRPr>
@@ -159,7 +159,7 @@
         <a:solidFill>
           <a:schemeClr val="tx1"/>
         </a:solidFill>
-        <a:latin typeface="Helvetica" panose="020B0604020202020204" pitchFamily="34" charset="0"/>
+        <a:latin typeface="Helvetica" pitchFamily="34" charset="0"/>
         <a:ea typeface="MS PGothic" panose="020B0600070205080204" pitchFamily="34" charset="-128"/>
         <a:cs typeface="+mn-cs"/>
       </a:defRPr>
@@ -169,28 +169,12 @@
         <a:solidFill>
           <a:schemeClr val="tx1"/>
         </a:solidFill>
-        <a:latin typeface="Helvetica" panose="020B0604020202020204" pitchFamily="34" charset="0"/>
+        <a:latin typeface="Helvetica" pitchFamily="34" charset="0"/>
         <a:ea typeface="MS PGothic" panose="020B0600070205080204" pitchFamily="34" charset="-128"/>
         <a:cs typeface="+mn-cs"/>
       </a:defRPr>
     </a:lvl9pPr>
   </p:defaultTextStyle>
-  <p:extLst>
-    <p:ext uri="{EFAFB233-063F-42B5-8137-9DF3F51BA10A}">
-      <p15:sldGuideLst xmlns:p15="http://schemas.microsoft.com/office/powerpoint/2012/main">
-        <p15:guide id="1" orient="horz" pos="679" userDrawn="1">
-          <p15:clr>
-            <a:srgbClr val="A4A3A4"/>
-          </p15:clr>
-        </p15:guide>
-        <p15:guide id="2" pos="576" userDrawn="1">
-          <p15:clr>
-            <a:srgbClr val="A4A3A4"/>
-          </p15:clr>
-        </p15:guide>
-      </p15:sldGuideLst>
-    </p:ext>
-  </p:extLst>
 </p:presentation>
 </file>
 
@@ -255,7 +239,7 @@
           <a:lstStyle>
             <a:lvl1pPr defTabSz="930275">
               <a:defRPr sz="1300">
-                <a:latin typeface="Helvetica" panose="020B0604020202020204" pitchFamily="34" charset="0"/>
+                <a:latin typeface="Helvetica" pitchFamily="34" charset="0"/>
                 <a:ea typeface="+mn-ea"/>
                 <a:cs typeface="+mn-cs"/>
               </a:defRPr>
@@ -299,7 +283,7 @@
           <a:lstStyle>
             <a:lvl1pPr algn="r" defTabSz="930275">
               <a:defRPr sz="1300">
-                <a:latin typeface="Helvetica" panose="020B0604020202020204" pitchFamily="34" charset="0"/>
+                <a:latin typeface="Helvetica" pitchFamily="34" charset="0"/>
                 <a:ea typeface="+mn-ea"/>
                 <a:cs typeface="+mn-cs"/>
               </a:defRPr>
@@ -343,7 +327,7 @@
           <a:lstStyle>
             <a:lvl1pPr defTabSz="930275">
               <a:defRPr sz="1300">
-                <a:latin typeface="Helvetica" panose="020B0604020202020204" pitchFamily="34" charset="0"/>
+                <a:latin typeface="Helvetica" pitchFamily="34" charset="0"/>
                 <a:ea typeface="+mn-ea"/>
                 <a:cs typeface="+mn-cs"/>
               </a:defRPr>
@@ -461,7 +445,7 @@
           <a:lstStyle>
             <a:lvl1pPr defTabSz="930275">
               <a:defRPr sz="1300">
-                <a:latin typeface="Helvetica" panose="020B0604020202020204" pitchFamily="34" charset="0"/>
+                <a:latin typeface="Helvetica" pitchFamily="34" charset="0"/>
                 <a:ea typeface="+mn-ea"/>
                 <a:cs typeface="+mn-cs"/>
               </a:defRPr>
@@ -505,7 +489,7 @@
           <a:lstStyle>
             <a:lvl1pPr algn="r" defTabSz="930275">
               <a:defRPr sz="1300">
-                <a:latin typeface="Helvetica" panose="020B0604020202020204" pitchFamily="34" charset="0"/>
+                <a:latin typeface="Helvetica" pitchFamily="34" charset="0"/>
                 <a:ea typeface="+mn-ea"/>
                 <a:cs typeface="+mn-cs"/>
               </a:defRPr>
@@ -655,7 +639,7 @@
           <a:lstStyle>
             <a:lvl1pPr defTabSz="930275">
               <a:defRPr sz="1300">
-                <a:latin typeface="Helvetica" panose="020B0604020202020204" pitchFamily="34" charset="0"/>
+                <a:latin typeface="Helvetica" pitchFamily="34" charset="0"/>
                 <a:ea typeface="+mn-ea"/>
                 <a:cs typeface="+mn-cs"/>
               </a:defRPr>
@@ -897,7 +881,7 @@
                 <a:solidFill>
                   <a:schemeClr val="tx1"/>
                 </a:solidFill>
-                <a:latin typeface="Helvetica" panose="020B0604020202020204" pitchFamily="34" charset="0"/>
+                <a:latin typeface="Helvetica" pitchFamily="34" charset="0"/>
                 <a:ea typeface="MS PGothic" panose="020B0600070205080204" pitchFamily="34" charset="-128"/>
               </a:defRPr>
             </a:lvl1pPr>
@@ -906,7 +890,7 @@
                 <a:solidFill>
                   <a:schemeClr val="tx1"/>
                 </a:solidFill>
-                <a:latin typeface="Helvetica" panose="020B0604020202020204" pitchFamily="34" charset="0"/>
+                <a:latin typeface="Helvetica" pitchFamily="34" charset="0"/>
                 <a:ea typeface="MS PGothic" panose="020B0600070205080204" pitchFamily="34" charset="-128"/>
               </a:defRPr>
             </a:lvl2pPr>
@@ -915,7 +899,7 @@
                 <a:solidFill>
                   <a:schemeClr val="tx1"/>
                 </a:solidFill>
-                <a:latin typeface="Helvetica" panose="020B0604020202020204" pitchFamily="34" charset="0"/>
+                <a:latin typeface="Helvetica" pitchFamily="34" charset="0"/>
                 <a:ea typeface="MS PGothic" panose="020B0600070205080204" pitchFamily="34" charset="-128"/>
               </a:defRPr>
             </a:lvl3pPr>
@@ -924,7 +908,7 @@
                 <a:solidFill>
                   <a:schemeClr val="tx1"/>
                 </a:solidFill>
-                <a:latin typeface="Helvetica" panose="020B0604020202020204" pitchFamily="34" charset="0"/>
+                <a:latin typeface="Helvetica" pitchFamily="34" charset="0"/>
                 <a:ea typeface="MS PGothic" panose="020B0600070205080204" pitchFamily="34" charset="-128"/>
               </a:defRPr>
             </a:lvl4pPr>
@@ -933,7 +917,7 @@
                 <a:solidFill>
                   <a:schemeClr val="tx1"/>
                 </a:solidFill>
-                <a:latin typeface="Helvetica" panose="020B0604020202020204" pitchFamily="34" charset="0"/>
+                <a:latin typeface="Helvetica" pitchFamily="34" charset="0"/>
                 <a:ea typeface="MS PGothic" panose="020B0600070205080204" pitchFamily="34" charset="-128"/>
               </a:defRPr>
             </a:lvl5pPr>
@@ -948,7 +932,7 @@
                 <a:solidFill>
                   <a:schemeClr val="tx1"/>
                 </a:solidFill>
-                <a:latin typeface="Helvetica" panose="020B0604020202020204" pitchFamily="34" charset="0"/>
+                <a:latin typeface="Helvetica" pitchFamily="34" charset="0"/>
                 <a:ea typeface="MS PGothic" panose="020B0600070205080204" pitchFamily="34" charset="-128"/>
               </a:defRPr>
             </a:lvl6pPr>
@@ -963,7 +947,7 @@
                 <a:solidFill>
                   <a:schemeClr val="tx1"/>
                 </a:solidFill>
-                <a:latin typeface="Helvetica" panose="020B0604020202020204" pitchFamily="34" charset="0"/>
+                <a:latin typeface="Helvetica" pitchFamily="34" charset="0"/>
                 <a:ea typeface="MS PGothic" panose="020B0600070205080204" pitchFamily="34" charset="-128"/>
               </a:defRPr>
             </a:lvl7pPr>
@@ -978,7 +962,7 @@
                 <a:solidFill>
                   <a:schemeClr val="tx1"/>
                 </a:solidFill>
-                <a:latin typeface="Helvetica" panose="020B0604020202020204" pitchFamily="34" charset="0"/>
+                <a:latin typeface="Helvetica" pitchFamily="34" charset="0"/>
                 <a:ea typeface="MS PGothic" panose="020B0600070205080204" pitchFamily="34" charset="-128"/>
               </a:defRPr>
             </a:lvl8pPr>
@@ -993,7 +977,7 @@
                 <a:solidFill>
                   <a:schemeClr val="tx1"/>
                 </a:solidFill>
-                <a:latin typeface="Helvetica" panose="020B0604020202020204" pitchFamily="34" charset="0"/>
+                <a:latin typeface="Helvetica" pitchFamily="34" charset="0"/>
                 <a:ea typeface="MS PGothic" panose="020B0600070205080204" pitchFamily="34" charset="-128"/>
               </a:defRPr>
             </a:lvl9pPr>
@@ -1125,7 +1109,7 @@
                 <a:solidFill>
                   <a:schemeClr val="tx1"/>
                 </a:solidFill>
-                <a:latin typeface="Helvetica" panose="020B0604020202020204" pitchFamily="34" charset="0"/>
+                <a:latin typeface="Helvetica" pitchFamily="34" charset="0"/>
                 <a:ea typeface="MS PGothic" panose="020B0600070205080204" pitchFamily="34" charset="-128"/>
               </a:defRPr>
             </a:lvl1pPr>
@@ -1134,7 +1118,7 @@
                 <a:solidFill>
                   <a:schemeClr val="tx1"/>
                 </a:solidFill>
-                <a:latin typeface="Helvetica" panose="020B0604020202020204" pitchFamily="34" charset="0"/>
+                <a:latin typeface="Helvetica" pitchFamily="34" charset="0"/>
                 <a:ea typeface="MS PGothic" panose="020B0600070205080204" pitchFamily="34" charset="-128"/>
               </a:defRPr>
             </a:lvl2pPr>
@@ -1143,7 +1127,7 @@
                 <a:solidFill>
                   <a:schemeClr val="tx1"/>
                 </a:solidFill>
-                <a:latin typeface="Helvetica" panose="020B0604020202020204" pitchFamily="34" charset="0"/>
+                <a:latin typeface="Helvetica" pitchFamily="34" charset="0"/>
                 <a:ea typeface="MS PGothic" panose="020B0600070205080204" pitchFamily="34" charset="-128"/>
               </a:defRPr>
             </a:lvl3pPr>
@@ -1152,7 +1136,7 @@
                 <a:solidFill>
                   <a:schemeClr val="tx1"/>
                 </a:solidFill>
-                <a:latin typeface="Helvetica" panose="020B0604020202020204" pitchFamily="34" charset="0"/>
+                <a:latin typeface="Helvetica" pitchFamily="34" charset="0"/>
                 <a:ea typeface="MS PGothic" panose="020B0600070205080204" pitchFamily="34" charset="-128"/>
               </a:defRPr>
             </a:lvl4pPr>
@@ -1161,7 +1145,7 @@
                 <a:solidFill>
                   <a:schemeClr val="tx1"/>
                 </a:solidFill>
-                <a:latin typeface="Helvetica" panose="020B0604020202020204" pitchFamily="34" charset="0"/>
+                <a:latin typeface="Helvetica" pitchFamily="34" charset="0"/>
                 <a:ea typeface="MS PGothic" panose="020B0600070205080204" pitchFamily="34" charset="-128"/>
               </a:defRPr>
             </a:lvl5pPr>
@@ -1176,7 +1160,7 @@
                 <a:solidFill>
                   <a:schemeClr val="tx1"/>
                 </a:solidFill>
-                <a:latin typeface="Helvetica" panose="020B0604020202020204" pitchFamily="34" charset="0"/>
+                <a:latin typeface="Helvetica" pitchFamily="34" charset="0"/>
                 <a:ea typeface="MS PGothic" panose="020B0600070205080204" pitchFamily="34" charset="-128"/>
               </a:defRPr>
             </a:lvl6pPr>
@@ -1191,7 +1175,7 @@
                 <a:solidFill>
                   <a:schemeClr val="tx1"/>
                 </a:solidFill>
-                <a:latin typeface="Helvetica" panose="020B0604020202020204" pitchFamily="34" charset="0"/>
+                <a:latin typeface="Helvetica" pitchFamily="34" charset="0"/>
                 <a:ea typeface="MS PGothic" panose="020B0600070205080204" pitchFamily="34" charset="-128"/>
               </a:defRPr>
             </a:lvl7pPr>
@@ -1206,7 +1190,7 @@
                 <a:solidFill>
                   <a:schemeClr val="tx1"/>
                 </a:solidFill>
-                <a:latin typeface="Helvetica" panose="020B0604020202020204" pitchFamily="34" charset="0"/>
+                <a:latin typeface="Helvetica" pitchFamily="34" charset="0"/>
                 <a:ea typeface="MS PGothic" panose="020B0600070205080204" pitchFamily="34" charset="-128"/>
               </a:defRPr>
             </a:lvl8pPr>
@@ -1221,7 +1205,7 @@
                 <a:solidFill>
                   <a:schemeClr val="tx1"/>
                 </a:solidFill>
-                <a:latin typeface="Helvetica" panose="020B0604020202020204" pitchFamily="34" charset="0"/>
+                <a:latin typeface="Helvetica" pitchFamily="34" charset="0"/>
                 <a:ea typeface="MS PGothic" panose="020B0600070205080204" pitchFamily="34" charset="-128"/>
               </a:defRPr>
             </a:lvl9pPr>
@@ -1355,7 +1339,7 @@
                 <a:solidFill>
                   <a:schemeClr val="tx1"/>
                 </a:solidFill>
-                <a:latin typeface="Helvetica" panose="020B0604020202020204" pitchFamily="34" charset="0"/>
+                <a:latin typeface="Helvetica" pitchFamily="34" charset="0"/>
                 <a:ea typeface="MS PGothic" panose="020B0600070205080204" pitchFamily="34" charset="-128"/>
               </a:defRPr>
             </a:lvl1pPr>
@@ -1364,7 +1348,7 @@
                 <a:solidFill>
                   <a:schemeClr val="tx1"/>
                 </a:solidFill>
-                <a:latin typeface="Helvetica" panose="020B0604020202020204" pitchFamily="34" charset="0"/>
+                <a:latin typeface="Helvetica" pitchFamily="34" charset="0"/>
                 <a:ea typeface="MS PGothic" panose="020B0600070205080204" pitchFamily="34" charset="-128"/>
               </a:defRPr>
             </a:lvl2pPr>
@@ -1373,7 +1357,7 @@
                 <a:solidFill>
                   <a:schemeClr val="tx1"/>
                 </a:solidFill>
-                <a:latin typeface="Helvetica" panose="020B0604020202020204" pitchFamily="34" charset="0"/>
+                <a:latin typeface="Helvetica" pitchFamily="34" charset="0"/>
                 <a:ea typeface="MS PGothic" panose="020B0600070205080204" pitchFamily="34" charset="-128"/>
               </a:defRPr>
             </a:lvl3pPr>
@@ -1382,7 +1366,7 @@
                 <a:solidFill>
                   <a:schemeClr val="tx1"/>
                 </a:solidFill>
-                <a:latin typeface="Helvetica" panose="020B0604020202020204" pitchFamily="34" charset="0"/>
+                <a:latin typeface="Helvetica" pitchFamily="34" charset="0"/>
                 <a:ea typeface="MS PGothic" panose="020B0600070205080204" pitchFamily="34" charset="-128"/>
               </a:defRPr>
             </a:lvl4pPr>
@@ -1391,7 +1375,7 @@
                 <a:solidFill>
                   <a:schemeClr val="tx1"/>
                 </a:solidFill>
-                <a:latin typeface="Helvetica" panose="020B0604020202020204" pitchFamily="34" charset="0"/>
+                <a:latin typeface="Helvetica" pitchFamily="34" charset="0"/>
                 <a:ea typeface="MS PGothic" panose="020B0600070205080204" pitchFamily="34" charset="-128"/>
               </a:defRPr>
             </a:lvl5pPr>
@@ -1406,7 +1390,7 @@
                 <a:solidFill>
                   <a:schemeClr val="tx1"/>
                 </a:solidFill>
-                <a:latin typeface="Helvetica" panose="020B0604020202020204" pitchFamily="34" charset="0"/>
+                <a:latin typeface="Helvetica" pitchFamily="34" charset="0"/>
                 <a:ea typeface="MS PGothic" panose="020B0600070205080204" pitchFamily="34" charset="-128"/>
               </a:defRPr>
             </a:lvl6pPr>
@@ -1421,7 +1405,7 @@
                 <a:solidFill>
                   <a:schemeClr val="tx1"/>
                 </a:solidFill>
-                <a:latin typeface="Helvetica" panose="020B0604020202020204" pitchFamily="34" charset="0"/>
+                <a:latin typeface="Helvetica" pitchFamily="34" charset="0"/>
                 <a:ea typeface="MS PGothic" panose="020B0600070205080204" pitchFamily="34" charset="-128"/>
               </a:defRPr>
             </a:lvl7pPr>
@@ -1436,7 +1420,7 @@
                 <a:solidFill>
                   <a:schemeClr val="tx1"/>
                 </a:solidFill>
-                <a:latin typeface="Helvetica" panose="020B0604020202020204" pitchFamily="34" charset="0"/>
+                <a:latin typeface="Helvetica" pitchFamily="34" charset="0"/>
                 <a:ea typeface="MS PGothic" panose="020B0600070205080204" pitchFamily="34" charset="-128"/>
               </a:defRPr>
             </a:lvl8pPr>
@@ -1451,7 +1435,7 @@
                 <a:solidFill>
                   <a:schemeClr val="tx1"/>
                 </a:solidFill>
-                <a:latin typeface="Helvetica" panose="020B0604020202020204" pitchFamily="34" charset="0"/>
+                <a:latin typeface="Helvetica" pitchFamily="34" charset="0"/>
                 <a:ea typeface="MS PGothic" panose="020B0600070205080204" pitchFamily="34" charset="-128"/>
               </a:defRPr>
             </a:lvl9pPr>
@@ -1585,7 +1569,7 @@
                 <a:solidFill>
                   <a:schemeClr val="tx1"/>
                 </a:solidFill>
-                <a:latin typeface="Helvetica" panose="020B0604020202020204" pitchFamily="34" charset="0"/>
+                <a:latin typeface="Helvetica" pitchFamily="34" charset="0"/>
                 <a:ea typeface="MS PGothic" panose="020B0600070205080204" pitchFamily="34" charset="-128"/>
               </a:defRPr>
             </a:lvl1pPr>
@@ -1594,7 +1578,7 @@
                 <a:solidFill>
                   <a:schemeClr val="tx1"/>
                 </a:solidFill>
-                <a:latin typeface="Helvetica" panose="020B0604020202020204" pitchFamily="34" charset="0"/>
+                <a:latin typeface="Helvetica" pitchFamily="34" charset="0"/>
                 <a:ea typeface="MS PGothic" panose="020B0600070205080204" pitchFamily="34" charset="-128"/>
               </a:defRPr>
             </a:lvl2pPr>
@@ -1603,7 +1587,7 @@
                 <a:solidFill>
                   <a:schemeClr val="tx1"/>
                 </a:solidFill>
-                <a:latin typeface="Helvetica" panose="020B0604020202020204" pitchFamily="34" charset="0"/>
+                <a:latin typeface="Helvetica" pitchFamily="34" charset="0"/>
                 <a:ea typeface="MS PGothic" panose="020B0600070205080204" pitchFamily="34" charset="-128"/>
               </a:defRPr>
             </a:lvl3pPr>
@@ -1612,7 +1596,7 @@
                 <a:solidFill>
                   <a:schemeClr val="tx1"/>
                 </a:solidFill>
-                <a:latin typeface="Helvetica" panose="020B0604020202020204" pitchFamily="34" charset="0"/>
+                <a:latin typeface="Helvetica" pitchFamily="34" charset="0"/>
                 <a:ea typeface="MS PGothic" panose="020B0600070205080204" pitchFamily="34" charset="-128"/>
               </a:defRPr>
             </a:lvl4pPr>
@@ -1621,7 +1605,7 @@
                 <a:solidFill>
                   <a:schemeClr val="tx1"/>
                 </a:solidFill>
-                <a:latin typeface="Helvetica" panose="020B0604020202020204" pitchFamily="34" charset="0"/>
+                <a:latin typeface="Helvetica" pitchFamily="34" charset="0"/>
                 <a:ea typeface="MS PGothic" panose="020B0600070205080204" pitchFamily="34" charset="-128"/>
               </a:defRPr>
             </a:lvl5pPr>
@@ -1636,7 +1620,7 @@
                 <a:solidFill>
                   <a:schemeClr val="tx1"/>
                 </a:solidFill>
-                <a:latin typeface="Helvetica" panose="020B0604020202020204" pitchFamily="34" charset="0"/>
+                <a:latin typeface="Helvetica" pitchFamily="34" charset="0"/>
                 <a:ea typeface="MS PGothic" panose="020B0600070205080204" pitchFamily="34" charset="-128"/>
               </a:defRPr>
             </a:lvl6pPr>
@@ -1651,7 +1635,7 @@
                 <a:solidFill>
                   <a:schemeClr val="tx1"/>
                 </a:solidFill>
-                <a:latin typeface="Helvetica" panose="020B0604020202020204" pitchFamily="34" charset="0"/>
+                <a:latin typeface="Helvetica" pitchFamily="34" charset="0"/>
                 <a:ea typeface="MS PGothic" panose="020B0600070205080204" pitchFamily="34" charset="-128"/>
               </a:defRPr>
             </a:lvl7pPr>
@@ -1666,7 +1650,7 @@
                 <a:solidFill>
                   <a:schemeClr val="tx1"/>
                 </a:solidFill>
-                <a:latin typeface="Helvetica" panose="020B0604020202020204" pitchFamily="34" charset="0"/>
+                <a:latin typeface="Helvetica" pitchFamily="34" charset="0"/>
                 <a:ea typeface="MS PGothic" panose="020B0600070205080204" pitchFamily="34" charset="-128"/>
               </a:defRPr>
             </a:lvl8pPr>
@@ -1681,7 +1665,7 @@
                 <a:solidFill>
                   <a:schemeClr val="tx1"/>
                 </a:solidFill>
-                <a:latin typeface="Helvetica" panose="020B0604020202020204" pitchFamily="34" charset="0"/>
+                <a:latin typeface="Helvetica" pitchFamily="34" charset="0"/>
                 <a:ea typeface="MS PGothic" panose="020B0600070205080204" pitchFamily="34" charset="-128"/>
               </a:defRPr>
             </a:lvl9pPr>
@@ -1815,7 +1799,7 @@
                 <a:solidFill>
                   <a:schemeClr val="tx1"/>
                 </a:solidFill>
-                <a:latin typeface="Helvetica" panose="020B0604020202020204" pitchFamily="34" charset="0"/>
+                <a:latin typeface="Helvetica" pitchFamily="34" charset="0"/>
                 <a:ea typeface="MS PGothic" panose="020B0600070205080204" pitchFamily="34" charset="-128"/>
               </a:defRPr>
             </a:lvl1pPr>
@@ -1824,7 +1808,7 @@
                 <a:solidFill>
                   <a:schemeClr val="tx1"/>
                 </a:solidFill>
-                <a:latin typeface="Helvetica" panose="020B0604020202020204" pitchFamily="34" charset="0"/>
+                <a:latin typeface="Helvetica" pitchFamily="34" charset="0"/>
                 <a:ea typeface="MS PGothic" panose="020B0600070205080204" pitchFamily="34" charset="-128"/>
               </a:defRPr>
             </a:lvl2pPr>
@@ -1833,7 +1817,7 @@
                 <a:solidFill>
                   <a:schemeClr val="tx1"/>
                 </a:solidFill>
-                <a:latin typeface="Helvetica" panose="020B0604020202020204" pitchFamily="34" charset="0"/>
+                <a:latin typeface="Helvetica" pitchFamily="34" charset="0"/>
                 <a:ea typeface="MS PGothic" panose="020B0600070205080204" pitchFamily="34" charset="-128"/>
               </a:defRPr>
             </a:lvl3pPr>
@@ -1842,7 +1826,7 @@
                 <a:solidFill>
                   <a:schemeClr val="tx1"/>
                 </a:solidFill>
-                <a:latin typeface="Helvetica" panose="020B0604020202020204" pitchFamily="34" charset="0"/>
+                <a:latin typeface="Helvetica" pitchFamily="34" charset="0"/>
                 <a:ea typeface="MS PGothic" panose="020B0600070205080204" pitchFamily="34" charset="-128"/>
               </a:defRPr>
             </a:lvl4pPr>
@@ -1851,7 +1835,7 @@
                 <a:solidFill>
                   <a:schemeClr val="tx1"/>
                 </a:solidFill>
-                <a:latin typeface="Helvetica" panose="020B0604020202020204" pitchFamily="34" charset="0"/>
+                <a:latin typeface="Helvetica" pitchFamily="34" charset="0"/>
                 <a:ea typeface="MS PGothic" panose="020B0600070205080204" pitchFamily="34" charset="-128"/>
               </a:defRPr>
             </a:lvl5pPr>
@@ -1866,7 +1850,7 @@
                 <a:solidFill>
                   <a:schemeClr val="tx1"/>
                 </a:solidFill>
-                <a:latin typeface="Helvetica" panose="020B0604020202020204" pitchFamily="34" charset="0"/>
+                <a:latin typeface="Helvetica" pitchFamily="34" charset="0"/>
                 <a:ea typeface="MS PGothic" panose="020B0600070205080204" pitchFamily="34" charset="-128"/>
               </a:defRPr>
             </a:lvl6pPr>
@@ -1881,7 +1865,7 @@
                 <a:solidFill>
                   <a:schemeClr val="tx1"/>
                 </a:solidFill>
-                <a:latin typeface="Helvetica" panose="020B0604020202020204" pitchFamily="34" charset="0"/>
+                <a:latin typeface="Helvetica" pitchFamily="34" charset="0"/>
                 <a:ea typeface="MS PGothic" panose="020B0600070205080204" pitchFamily="34" charset="-128"/>
               </a:defRPr>
             </a:lvl7pPr>
@@ -1896,7 +1880,7 @@
                 <a:solidFill>
                   <a:schemeClr val="tx1"/>
                 </a:solidFill>
-                <a:latin typeface="Helvetica" panose="020B0604020202020204" pitchFamily="34" charset="0"/>
+                <a:latin typeface="Helvetica" pitchFamily="34" charset="0"/>
                 <a:ea typeface="MS PGothic" panose="020B0600070205080204" pitchFamily="34" charset="-128"/>
               </a:defRPr>
             </a:lvl8pPr>
@@ -1911,7 +1895,7 @@
                 <a:solidFill>
                   <a:schemeClr val="tx1"/>
                 </a:solidFill>
-                <a:latin typeface="Helvetica" panose="020B0604020202020204" pitchFamily="34" charset="0"/>
+                <a:latin typeface="Helvetica" pitchFamily="34" charset="0"/>
                 <a:ea typeface="MS PGothic" panose="020B0600070205080204" pitchFamily="34" charset="-128"/>
               </a:defRPr>
             </a:lvl9pPr>
@@ -2045,7 +2029,7 @@
                 <a:solidFill>
                   <a:schemeClr val="tx1"/>
                 </a:solidFill>
-                <a:latin typeface="Helvetica" panose="020B0604020202020204" pitchFamily="34" charset="0"/>
+                <a:latin typeface="Helvetica" pitchFamily="34" charset="0"/>
                 <a:ea typeface="MS PGothic" panose="020B0600070205080204" pitchFamily="34" charset="-128"/>
               </a:defRPr>
             </a:lvl1pPr>
@@ -2054,7 +2038,7 @@
                 <a:solidFill>
                   <a:schemeClr val="tx1"/>
                 </a:solidFill>
-                <a:latin typeface="Helvetica" panose="020B0604020202020204" pitchFamily="34" charset="0"/>
+                <a:latin typeface="Helvetica" pitchFamily="34" charset="0"/>
                 <a:ea typeface="MS PGothic" panose="020B0600070205080204" pitchFamily="34" charset="-128"/>
               </a:defRPr>
             </a:lvl2pPr>
@@ -2063,7 +2047,7 @@
                 <a:solidFill>
                   <a:schemeClr val="tx1"/>
                 </a:solidFill>
-                <a:latin typeface="Helvetica" panose="020B0604020202020204" pitchFamily="34" charset="0"/>
+                <a:latin typeface="Helvetica" pitchFamily="34" charset="0"/>
                 <a:ea typeface="MS PGothic" panose="020B0600070205080204" pitchFamily="34" charset="-128"/>
               </a:defRPr>
             </a:lvl3pPr>
@@ -2072,7 +2056,7 @@
                 <a:solidFill>
                   <a:schemeClr val="tx1"/>
                 </a:solidFill>
-                <a:latin typeface="Helvetica" panose="020B0604020202020204" pitchFamily="34" charset="0"/>
+                <a:latin typeface="Helvetica" pitchFamily="34" charset="0"/>
                 <a:ea typeface="MS PGothic" panose="020B0600070205080204" pitchFamily="34" charset="-128"/>
               </a:defRPr>
             </a:lvl4pPr>
@@ -2081,7 +2065,7 @@
                 <a:solidFill>
                   <a:schemeClr val="tx1"/>
                 </a:solidFill>
-                <a:latin typeface="Helvetica" panose="020B0604020202020204" pitchFamily="34" charset="0"/>
+                <a:latin typeface="Helvetica" pitchFamily="34" charset="0"/>
                 <a:ea typeface="MS PGothic" panose="020B0600070205080204" pitchFamily="34" charset="-128"/>
               </a:defRPr>
             </a:lvl5pPr>
@@ -2096,7 +2080,7 @@
                 <a:solidFill>
                   <a:schemeClr val="tx1"/>
                 </a:solidFill>
-                <a:latin typeface="Helvetica" panose="020B0604020202020204" pitchFamily="34" charset="0"/>
+                <a:latin typeface="Helvetica" pitchFamily="34" charset="0"/>
                 <a:ea typeface="MS PGothic" panose="020B0600070205080204" pitchFamily="34" charset="-128"/>
               </a:defRPr>
             </a:lvl6pPr>
@@ -2111,7 +2095,7 @@
                 <a:solidFill>
                   <a:schemeClr val="tx1"/>
                 </a:solidFill>
-                <a:latin typeface="Helvetica" panose="020B0604020202020204" pitchFamily="34" charset="0"/>
+                <a:latin typeface="Helvetica" pitchFamily="34" charset="0"/>
                 <a:ea typeface="MS PGothic" panose="020B0600070205080204" pitchFamily="34" charset="-128"/>
               </a:defRPr>
             </a:lvl7pPr>
@@ -2126,7 +2110,7 @@
                 <a:solidFill>
                   <a:schemeClr val="tx1"/>
                 </a:solidFill>
-                <a:latin typeface="Helvetica" panose="020B0604020202020204" pitchFamily="34" charset="0"/>
+                <a:latin typeface="Helvetica" pitchFamily="34" charset="0"/>
                 <a:ea typeface="MS PGothic" panose="020B0600070205080204" pitchFamily="34" charset="-128"/>
               </a:defRPr>
             </a:lvl8pPr>
@@ -2141,7 +2125,7 @@
                 <a:solidFill>
                   <a:schemeClr val="tx1"/>
                 </a:solidFill>
-                <a:latin typeface="Helvetica" panose="020B0604020202020204" pitchFamily="34" charset="0"/>
+                <a:latin typeface="Helvetica" pitchFamily="34" charset="0"/>
                 <a:ea typeface="MS PGothic" panose="020B0600070205080204" pitchFamily="34" charset="-128"/>
               </a:defRPr>
             </a:lvl9pPr>
@@ -2275,7 +2259,7 @@
                 <a:solidFill>
                   <a:schemeClr val="tx1"/>
                 </a:solidFill>
-                <a:latin typeface="Helvetica" panose="020B0604020202020204" pitchFamily="34" charset="0"/>
+                <a:latin typeface="Helvetica" pitchFamily="34" charset="0"/>
                 <a:ea typeface="MS PGothic" panose="020B0600070205080204" pitchFamily="34" charset="-128"/>
               </a:defRPr>
             </a:lvl1pPr>
@@ -2284,7 +2268,7 @@
                 <a:solidFill>
                   <a:schemeClr val="tx1"/>
                 </a:solidFill>
-                <a:latin typeface="Helvetica" panose="020B0604020202020204" pitchFamily="34" charset="0"/>
+                <a:latin typeface="Helvetica" pitchFamily="34" charset="0"/>
                 <a:ea typeface="MS PGothic" panose="020B0600070205080204" pitchFamily="34" charset="-128"/>
               </a:defRPr>
             </a:lvl2pPr>
@@ -2293,7 +2277,7 @@
                 <a:solidFill>
                   <a:schemeClr val="tx1"/>
                 </a:solidFill>
-                <a:latin typeface="Helvetica" panose="020B0604020202020204" pitchFamily="34" charset="0"/>
+                <a:latin typeface="Helvetica" pitchFamily="34" charset="0"/>
                 <a:ea typeface="MS PGothic" panose="020B0600070205080204" pitchFamily="34" charset="-128"/>
               </a:defRPr>
             </a:lvl3pPr>
@@ -2302,7 +2286,7 @@
                 <a:solidFill>
                   <a:schemeClr val="tx1"/>
                 </a:solidFill>
-                <a:latin typeface="Helvetica" panose="020B0604020202020204" pitchFamily="34" charset="0"/>
+                <a:latin typeface="Helvetica" pitchFamily="34" charset="0"/>
                 <a:ea typeface="MS PGothic" panose="020B0600070205080204" pitchFamily="34" charset="-128"/>
               </a:defRPr>
             </a:lvl4pPr>
@@ -2311,7 +2295,7 @@
                 <a:solidFill>
                   <a:schemeClr val="tx1"/>
                 </a:solidFill>
-                <a:latin typeface="Helvetica" panose="020B0604020202020204" pitchFamily="34" charset="0"/>
+                <a:latin typeface="Helvetica" pitchFamily="34" charset="0"/>
                 <a:ea typeface="MS PGothic" panose="020B0600070205080204" pitchFamily="34" charset="-128"/>
               </a:defRPr>
             </a:lvl5pPr>
@@ -2326,7 +2310,7 @@
                 <a:solidFill>
                   <a:schemeClr val="tx1"/>
                 </a:solidFill>
-                <a:latin typeface="Helvetica" panose="020B0604020202020204" pitchFamily="34" charset="0"/>
+                <a:latin typeface="Helvetica" pitchFamily="34" charset="0"/>
                 <a:ea typeface="MS PGothic" panose="020B0600070205080204" pitchFamily="34" charset="-128"/>
               </a:defRPr>
             </a:lvl6pPr>
@@ -2341,7 +2325,7 @@
                 <a:solidFill>
                   <a:schemeClr val="tx1"/>
                 </a:solidFill>
-                <a:latin typeface="Helvetica" panose="020B0604020202020204" pitchFamily="34" charset="0"/>
+                <a:latin typeface="Helvetica" pitchFamily="34" charset="0"/>
                 <a:ea typeface="MS PGothic" panose="020B0600070205080204" pitchFamily="34" charset="-128"/>
               </a:defRPr>
             </a:lvl7pPr>
@@ -2356,7 +2340,7 @@
                 <a:solidFill>
                   <a:schemeClr val="tx1"/>
                 </a:solidFill>
-                <a:latin typeface="Helvetica" panose="020B0604020202020204" pitchFamily="34" charset="0"/>
+                <a:latin typeface="Helvetica" pitchFamily="34" charset="0"/>
                 <a:ea typeface="MS PGothic" panose="020B0600070205080204" pitchFamily="34" charset="-128"/>
               </a:defRPr>
             </a:lvl8pPr>
@@ -2371,7 +2355,7 @@
                 <a:solidFill>
                   <a:schemeClr val="tx1"/>
                 </a:solidFill>
-                <a:latin typeface="Helvetica" panose="020B0604020202020204" pitchFamily="34" charset="0"/>
+                <a:latin typeface="Helvetica" pitchFamily="34" charset="0"/>
                 <a:ea typeface="MS PGothic" panose="020B0600070205080204" pitchFamily="34" charset="-128"/>
               </a:defRPr>
             </a:lvl9pPr>
@@ -2505,7 +2489,7 @@
                 <a:solidFill>
                   <a:schemeClr val="tx1"/>
                 </a:solidFill>
-                <a:latin typeface="Helvetica" panose="020B0604020202020204" pitchFamily="34" charset="0"/>
+                <a:latin typeface="Helvetica" pitchFamily="34" charset="0"/>
                 <a:ea typeface="MS PGothic" panose="020B0600070205080204" pitchFamily="34" charset="-128"/>
               </a:defRPr>
             </a:lvl1pPr>
@@ -2514,7 +2498,7 @@
                 <a:solidFill>
                   <a:schemeClr val="tx1"/>
                 </a:solidFill>
-                <a:latin typeface="Helvetica" panose="020B0604020202020204" pitchFamily="34" charset="0"/>
+                <a:latin typeface="Helvetica" pitchFamily="34" charset="0"/>
                 <a:ea typeface="MS PGothic" panose="020B0600070205080204" pitchFamily="34" charset="-128"/>
               </a:defRPr>
             </a:lvl2pPr>
@@ -2523,7 +2507,7 @@
                 <a:solidFill>
                   <a:schemeClr val="tx1"/>
                 </a:solidFill>
-                <a:latin typeface="Helvetica" panose="020B0604020202020204" pitchFamily="34" charset="0"/>
+                <a:latin typeface="Helvetica" pitchFamily="34" charset="0"/>
                 <a:ea typeface="MS PGothic" panose="020B0600070205080204" pitchFamily="34" charset="-128"/>
               </a:defRPr>
             </a:lvl3pPr>
@@ -2532,7 +2516,7 @@
                 <a:solidFill>
                   <a:schemeClr val="tx1"/>
                 </a:solidFill>
-                <a:latin typeface="Helvetica" panose="020B0604020202020204" pitchFamily="34" charset="0"/>
+                <a:latin typeface="Helvetica" pitchFamily="34" charset="0"/>
                 <a:ea typeface="MS PGothic" panose="020B0600070205080204" pitchFamily="34" charset="-128"/>
               </a:defRPr>
             </a:lvl4pPr>
@@ -2541,7 +2525,7 @@
                 <a:solidFill>
                   <a:schemeClr val="tx1"/>
                 </a:solidFill>
-                <a:latin typeface="Helvetica" panose="020B0604020202020204" pitchFamily="34" charset="0"/>
+                <a:latin typeface="Helvetica" pitchFamily="34" charset="0"/>
                 <a:ea typeface="MS PGothic" panose="020B0600070205080204" pitchFamily="34" charset="-128"/>
               </a:defRPr>
             </a:lvl5pPr>
@@ -2556,7 +2540,7 @@
                 <a:solidFill>
                   <a:schemeClr val="tx1"/>
                 </a:solidFill>
-                <a:latin typeface="Helvetica" panose="020B0604020202020204" pitchFamily="34" charset="0"/>
+                <a:latin typeface="Helvetica" pitchFamily="34" charset="0"/>
                 <a:ea typeface="MS PGothic" panose="020B0600070205080204" pitchFamily="34" charset="-128"/>
               </a:defRPr>
             </a:lvl6pPr>
@@ -2571,7 +2555,7 @@
                 <a:solidFill>
                   <a:schemeClr val="tx1"/>
                 </a:solidFill>
-                <a:latin typeface="Helvetica" panose="020B0604020202020204" pitchFamily="34" charset="0"/>
+                <a:latin typeface="Helvetica" pitchFamily="34" charset="0"/>
                 <a:ea typeface="MS PGothic" panose="020B0600070205080204" pitchFamily="34" charset="-128"/>
               </a:defRPr>
             </a:lvl7pPr>
@@ -2586,7 +2570,7 @@
                 <a:solidFill>
                   <a:schemeClr val="tx1"/>
                 </a:solidFill>
-                <a:latin typeface="Helvetica" panose="020B0604020202020204" pitchFamily="34" charset="0"/>
+                <a:latin typeface="Helvetica" pitchFamily="34" charset="0"/>
                 <a:ea typeface="MS PGothic" panose="020B0600070205080204" pitchFamily="34" charset="-128"/>
               </a:defRPr>
             </a:lvl8pPr>
@@ -2601,7 +2585,7 @@
                 <a:solidFill>
                   <a:schemeClr val="tx1"/>
                 </a:solidFill>
-                <a:latin typeface="Helvetica" panose="020B0604020202020204" pitchFamily="34" charset="0"/>
+                <a:latin typeface="Helvetica" pitchFamily="34" charset="0"/>
                 <a:ea typeface="MS PGothic" panose="020B0600070205080204" pitchFamily="34" charset="-128"/>
               </a:defRPr>
             </a:lvl9pPr>
@@ -2735,7 +2719,7 @@
                 <a:solidFill>
                   <a:schemeClr val="tx1"/>
                 </a:solidFill>
-                <a:latin typeface="Helvetica" panose="020B0604020202020204" pitchFamily="34" charset="0"/>
+                <a:latin typeface="Helvetica" pitchFamily="34" charset="0"/>
                 <a:ea typeface="MS PGothic" panose="020B0600070205080204" pitchFamily="34" charset="-128"/>
               </a:defRPr>
             </a:lvl1pPr>
@@ -2744,7 +2728,7 @@
                 <a:solidFill>
                   <a:schemeClr val="tx1"/>
                 </a:solidFill>
-                <a:latin typeface="Helvetica" panose="020B0604020202020204" pitchFamily="34" charset="0"/>
+                <a:latin typeface="Helvetica" pitchFamily="34" charset="0"/>
                 <a:ea typeface="MS PGothic" panose="020B0600070205080204" pitchFamily="34" charset="-128"/>
               </a:defRPr>
             </a:lvl2pPr>
@@ -2753,7 +2737,7 @@
                 <a:solidFill>
                   <a:schemeClr val="tx1"/>
                 </a:solidFill>
-                <a:latin typeface="Helvetica" panose="020B0604020202020204" pitchFamily="34" charset="0"/>
+                <a:latin typeface="Helvetica" pitchFamily="34" charset="0"/>
                 <a:ea typeface="MS PGothic" panose="020B0600070205080204" pitchFamily="34" charset="-128"/>
               </a:defRPr>
             </a:lvl3pPr>
@@ -2762,7 +2746,7 @@
                 <a:solidFill>
                   <a:schemeClr val="tx1"/>
                 </a:solidFill>
-                <a:latin typeface="Helvetica" panose="020B0604020202020204" pitchFamily="34" charset="0"/>
+                <a:latin typeface="Helvetica" pitchFamily="34" charset="0"/>
                 <a:ea typeface="MS PGothic" panose="020B0600070205080204" pitchFamily="34" charset="-128"/>
               </a:defRPr>
             </a:lvl4pPr>
@@ -2771,7 +2755,7 @@
                 <a:solidFill>
                   <a:schemeClr val="tx1"/>
                 </a:solidFill>
-                <a:latin typeface="Helvetica" panose="020B0604020202020204" pitchFamily="34" charset="0"/>
+                <a:latin typeface="Helvetica" pitchFamily="34" charset="0"/>
                 <a:ea typeface="MS PGothic" panose="020B0600070205080204" pitchFamily="34" charset="-128"/>
               </a:defRPr>
             </a:lvl5pPr>
@@ -2786,7 +2770,7 @@
                 <a:solidFill>
                   <a:schemeClr val="tx1"/>
                 </a:solidFill>
-                <a:latin typeface="Helvetica" panose="020B0604020202020204" pitchFamily="34" charset="0"/>
+                <a:latin typeface="Helvetica" pitchFamily="34" charset="0"/>
                 <a:ea typeface="MS PGothic" panose="020B0600070205080204" pitchFamily="34" charset="-128"/>
               </a:defRPr>
             </a:lvl6pPr>
@@ -2801,7 +2785,7 @@
                 <a:solidFill>
                   <a:schemeClr val="tx1"/>
                 </a:solidFill>
-                <a:latin typeface="Helvetica" panose="020B0604020202020204" pitchFamily="34" charset="0"/>
+                <a:latin typeface="Helvetica" pitchFamily="34" charset="0"/>
                 <a:ea typeface="MS PGothic" panose="020B0600070205080204" pitchFamily="34" charset="-128"/>
               </a:defRPr>
             </a:lvl7pPr>
@@ -2816,7 +2800,7 @@
                 <a:solidFill>
                   <a:schemeClr val="tx1"/>
                 </a:solidFill>
-                <a:latin typeface="Helvetica" panose="020B0604020202020204" pitchFamily="34" charset="0"/>
+                <a:latin typeface="Helvetica" pitchFamily="34" charset="0"/>
                 <a:ea typeface="MS PGothic" panose="020B0600070205080204" pitchFamily="34" charset="-128"/>
               </a:defRPr>
             </a:lvl8pPr>
@@ -2831,7 +2815,7 @@
                 <a:solidFill>
                   <a:schemeClr val="tx1"/>
                 </a:solidFill>
-                <a:latin typeface="Helvetica" panose="020B0604020202020204" pitchFamily="34" charset="0"/>
+                <a:latin typeface="Helvetica" pitchFamily="34" charset="0"/>
                 <a:ea typeface="MS PGothic" panose="020B0600070205080204" pitchFamily="34" charset="-128"/>
               </a:defRPr>
             </a:lvl9pPr>
@@ -2965,7 +2949,7 @@
                 <a:solidFill>
                   <a:schemeClr val="tx1"/>
                 </a:solidFill>
-                <a:latin typeface="Helvetica" panose="020B0604020202020204" pitchFamily="34" charset="0"/>
+                <a:latin typeface="Helvetica" pitchFamily="34" charset="0"/>
                 <a:ea typeface="MS PGothic" panose="020B0600070205080204" pitchFamily="34" charset="-128"/>
               </a:defRPr>
             </a:lvl1pPr>
@@ -2974,7 +2958,7 @@
                 <a:solidFill>
                   <a:schemeClr val="tx1"/>
                 </a:solidFill>
-                <a:latin typeface="Helvetica" panose="020B0604020202020204" pitchFamily="34" charset="0"/>
+                <a:latin typeface="Helvetica" pitchFamily="34" charset="0"/>
                 <a:ea typeface="MS PGothic" panose="020B0600070205080204" pitchFamily="34" charset="-128"/>
               </a:defRPr>
             </a:lvl2pPr>
@@ -2983,7 +2967,7 @@
                 <a:solidFill>
                   <a:schemeClr val="tx1"/>
                 </a:solidFill>
-                <a:latin typeface="Helvetica" panose="020B0604020202020204" pitchFamily="34" charset="0"/>
+                <a:latin typeface="Helvetica" pitchFamily="34" charset="0"/>
                 <a:ea typeface="MS PGothic" panose="020B0600070205080204" pitchFamily="34" charset="-128"/>
               </a:defRPr>
             </a:lvl3pPr>
@@ -2992,7 +2976,7 @@
                 <a:solidFill>
                   <a:schemeClr val="tx1"/>
                 </a:solidFill>
-                <a:latin typeface="Helvetica" panose="020B0604020202020204" pitchFamily="34" charset="0"/>
+                <a:latin typeface="Helvetica" pitchFamily="34" charset="0"/>
                 <a:ea typeface="MS PGothic" panose="020B0600070205080204" pitchFamily="34" charset="-128"/>
               </a:defRPr>
             </a:lvl4pPr>
@@ -3001,7 +2985,7 @@
                 <a:solidFill>
                   <a:schemeClr val="tx1"/>
                 </a:solidFill>
-                <a:latin typeface="Helvetica" panose="020B0604020202020204" pitchFamily="34" charset="0"/>
+                <a:latin typeface="Helvetica" pitchFamily="34" charset="0"/>
                 <a:ea typeface="MS PGothic" panose="020B0600070205080204" pitchFamily="34" charset="-128"/>
               </a:defRPr>
             </a:lvl5pPr>
@@ -3016,7 +3000,7 @@
                 <a:solidFill>
                   <a:schemeClr val="tx1"/>
                 </a:solidFill>
-                <a:latin typeface="Helvetica" panose="020B0604020202020204" pitchFamily="34" charset="0"/>
+                <a:latin typeface="Helvetica" pitchFamily="34" charset="0"/>
                 <a:ea typeface="MS PGothic" panose="020B0600070205080204" pitchFamily="34" charset="-128"/>
               </a:defRPr>
             </a:lvl6pPr>
@@ -3031,7 +3015,7 @@
                 <a:solidFill>
                   <a:schemeClr val="tx1"/>
                 </a:solidFill>
-                <a:latin typeface="Helvetica" panose="020B0604020202020204" pitchFamily="34" charset="0"/>
+                <a:latin typeface="Helvetica" pitchFamily="34" charset="0"/>
                 <a:ea typeface="MS PGothic" panose="020B0600070205080204" pitchFamily="34" charset="-128"/>
               </a:defRPr>
             </a:lvl7pPr>
@@ -3046,7 +3030,7 @@
                 <a:solidFill>
                   <a:schemeClr val="tx1"/>
                 </a:solidFill>
-                <a:latin typeface="Helvetica" panose="020B0604020202020204" pitchFamily="34" charset="0"/>
+                <a:latin typeface="Helvetica" pitchFamily="34" charset="0"/>
                 <a:ea typeface="MS PGothic" panose="020B0600070205080204" pitchFamily="34" charset="-128"/>
               </a:defRPr>
             </a:lvl8pPr>
@@ -3061,7 +3045,7 @@
                 <a:solidFill>
                   <a:schemeClr val="tx1"/>
                 </a:solidFill>
-                <a:latin typeface="Helvetica" panose="020B0604020202020204" pitchFamily="34" charset="0"/>
+                <a:latin typeface="Helvetica" pitchFamily="34" charset="0"/>
                 <a:ea typeface="MS PGothic" panose="020B0600070205080204" pitchFamily="34" charset="-128"/>
               </a:defRPr>
             </a:lvl9pPr>
@@ -3195,7 +3179,7 @@
                 <a:solidFill>
                   <a:schemeClr val="tx1"/>
                 </a:solidFill>
-                <a:latin typeface="Helvetica" panose="020B0604020202020204" pitchFamily="34" charset="0"/>
+                <a:latin typeface="Helvetica" pitchFamily="34" charset="0"/>
                 <a:ea typeface="MS PGothic" panose="020B0600070205080204" pitchFamily="34" charset="-128"/>
               </a:defRPr>
             </a:lvl1pPr>
@@ -3204,7 +3188,7 @@
                 <a:solidFill>
                   <a:schemeClr val="tx1"/>
                 </a:solidFill>
-                <a:latin typeface="Helvetica" panose="020B0604020202020204" pitchFamily="34" charset="0"/>
+                <a:latin typeface="Helvetica" pitchFamily="34" charset="0"/>
                 <a:ea typeface="MS PGothic" panose="020B0600070205080204" pitchFamily="34" charset="-128"/>
               </a:defRPr>
             </a:lvl2pPr>
@@ -3213,7 +3197,7 @@
                 <a:solidFill>
                   <a:schemeClr val="tx1"/>
                 </a:solidFill>
-                <a:latin typeface="Helvetica" panose="020B0604020202020204" pitchFamily="34" charset="0"/>
+                <a:latin typeface="Helvetica" pitchFamily="34" charset="0"/>
                 <a:ea typeface="MS PGothic" panose="020B0600070205080204" pitchFamily="34" charset="-128"/>
               </a:defRPr>
             </a:lvl3pPr>
@@ -3222,7 +3206,7 @@
                 <a:solidFill>
                   <a:schemeClr val="tx1"/>
                 </a:solidFill>
-                <a:latin typeface="Helvetica" panose="020B0604020202020204" pitchFamily="34" charset="0"/>
+                <a:latin typeface="Helvetica" pitchFamily="34" charset="0"/>
                 <a:ea typeface="MS PGothic" panose="020B0600070205080204" pitchFamily="34" charset="-128"/>
               </a:defRPr>
             </a:lvl4pPr>
@@ -3231,7 +3215,7 @@
                 <a:solidFill>
                   <a:schemeClr val="tx1"/>
                 </a:solidFill>
-                <a:latin typeface="Helvetica" panose="020B0604020202020204" pitchFamily="34" charset="0"/>
+                <a:latin typeface="Helvetica" pitchFamily="34" charset="0"/>
                 <a:ea typeface="MS PGothic" panose="020B0600070205080204" pitchFamily="34" charset="-128"/>
               </a:defRPr>
             </a:lvl5pPr>
@@ -3246,7 +3230,7 @@
                 <a:solidFill>
                   <a:schemeClr val="tx1"/>
                 </a:solidFill>
-                <a:latin typeface="Helvetica" panose="020B0604020202020204" pitchFamily="34" charset="0"/>
+                <a:latin typeface="Helvetica" pitchFamily="34" charset="0"/>
                 <a:ea typeface="MS PGothic" panose="020B0600070205080204" pitchFamily="34" charset="-128"/>
               </a:defRPr>
             </a:lvl6pPr>
@@ -3261,7 +3245,7 @@
                 <a:solidFill>
                   <a:schemeClr val="tx1"/>
                 </a:solidFill>
-                <a:latin typeface="Helvetica" panose="020B0604020202020204" pitchFamily="34" charset="0"/>
+                <a:latin typeface="Helvetica" pitchFamily="34" charset="0"/>
                 <a:ea typeface="MS PGothic" panose="020B0600070205080204" pitchFamily="34" charset="-128"/>
               </a:defRPr>
             </a:lvl7pPr>
@@ -3276,7 +3260,7 @@
                 <a:solidFill>
                   <a:schemeClr val="tx1"/>
                 </a:solidFill>
-                <a:latin typeface="Helvetica" panose="020B0604020202020204" pitchFamily="34" charset="0"/>
+                <a:latin typeface="Helvetica" pitchFamily="34" charset="0"/>
                 <a:ea typeface="MS PGothic" panose="020B0600070205080204" pitchFamily="34" charset="-128"/>
               </a:defRPr>
             </a:lvl8pPr>
@@ -3291,7 +3275,7 @@
                 <a:solidFill>
                   <a:schemeClr val="tx1"/>
                 </a:solidFill>
-                <a:latin typeface="Helvetica" panose="020B0604020202020204" pitchFamily="34" charset="0"/>
+                <a:latin typeface="Helvetica" pitchFamily="34" charset="0"/>
                 <a:ea typeface="MS PGothic" panose="020B0600070205080204" pitchFamily="34" charset="-128"/>
               </a:defRPr>
             </a:lvl9pPr>
@@ -3425,7 +3409,7 @@
                 <a:solidFill>
                   <a:schemeClr val="tx1"/>
                 </a:solidFill>
-                <a:latin typeface="Helvetica" panose="020B0604020202020204" pitchFamily="34" charset="0"/>
+                <a:latin typeface="Helvetica" pitchFamily="34" charset="0"/>
                 <a:ea typeface="MS PGothic" panose="020B0600070205080204" pitchFamily="34" charset="-128"/>
               </a:defRPr>
             </a:lvl1pPr>
@@ -3434,7 +3418,7 @@
                 <a:solidFill>
                   <a:schemeClr val="tx1"/>
                 </a:solidFill>
-                <a:latin typeface="Helvetica" panose="020B0604020202020204" pitchFamily="34" charset="0"/>
+                <a:latin typeface="Helvetica" pitchFamily="34" charset="0"/>
                 <a:ea typeface="MS PGothic" panose="020B0600070205080204" pitchFamily="34" charset="-128"/>
               </a:defRPr>
             </a:lvl2pPr>
@@ -3443,7 +3427,7 @@
                 <a:solidFill>
                   <a:schemeClr val="tx1"/>
                 </a:solidFill>
-                <a:latin typeface="Helvetica" panose="020B0604020202020204" pitchFamily="34" charset="0"/>
+                <a:latin typeface="Helvetica" pitchFamily="34" charset="0"/>
                 <a:ea typeface="MS PGothic" panose="020B0600070205080204" pitchFamily="34" charset="-128"/>
               </a:defRPr>
             </a:lvl3pPr>
@@ -3452,7 +3436,7 @@
                 <a:solidFill>
                   <a:schemeClr val="tx1"/>
                 </a:solidFill>
-                <a:latin typeface="Helvetica" panose="020B0604020202020204" pitchFamily="34" charset="0"/>
+                <a:latin typeface="Helvetica" pitchFamily="34" charset="0"/>
                 <a:ea typeface="MS PGothic" panose="020B0600070205080204" pitchFamily="34" charset="-128"/>
               </a:defRPr>
             </a:lvl4pPr>
@@ -3461,7 +3445,7 @@
                 <a:solidFill>
                   <a:schemeClr val="tx1"/>
                 </a:solidFill>
-                <a:latin typeface="Helvetica" panose="020B0604020202020204" pitchFamily="34" charset="0"/>
+                <a:latin typeface="Helvetica" pitchFamily="34" charset="0"/>
                 <a:ea typeface="MS PGothic" panose="020B0600070205080204" pitchFamily="34" charset="-128"/>
               </a:defRPr>
             </a:lvl5pPr>
@@ -3476,7 +3460,7 @@
                 <a:solidFill>
                   <a:schemeClr val="tx1"/>
                 </a:solidFill>
-                <a:latin typeface="Helvetica" panose="020B0604020202020204" pitchFamily="34" charset="0"/>
+                <a:latin typeface="Helvetica" pitchFamily="34" charset="0"/>
                 <a:ea typeface="MS PGothic" panose="020B0600070205080204" pitchFamily="34" charset="-128"/>
               </a:defRPr>
             </a:lvl6pPr>
@@ -3491,7 +3475,7 @@
                 <a:solidFill>
                   <a:schemeClr val="tx1"/>
                 </a:solidFill>
-                <a:latin typeface="Helvetica" panose="020B0604020202020204" pitchFamily="34" charset="0"/>
+                <a:latin typeface="Helvetica" pitchFamily="34" charset="0"/>
                 <a:ea typeface="MS PGothic" panose="020B0600070205080204" pitchFamily="34" charset="-128"/>
               </a:defRPr>
             </a:lvl7pPr>
@@ -3506,7 +3490,7 @@
                 <a:solidFill>
                   <a:schemeClr val="tx1"/>
                 </a:solidFill>
-                <a:latin typeface="Helvetica" panose="020B0604020202020204" pitchFamily="34" charset="0"/>
+                <a:latin typeface="Helvetica" pitchFamily="34" charset="0"/>
                 <a:ea typeface="MS PGothic" panose="020B0600070205080204" pitchFamily="34" charset="-128"/>
               </a:defRPr>
             </a:lvl8pPr>
@@ -3521,7 +3505,7 @@
                 <a:solidFill>
                   <a:schemeClr val="tx1"/>
                 </a:solidFill>
-                <a:latin typeface="Helvetica" panose="020B0604020202020204" pitchFamily="34" charset="0"/>
+                <a:latin typeface="Helvetica" pitchFamily="34" charset="0"/>
                 <a:ea typeface="MS PGothic" panose="020B0600070205080204" pitchFamily="34" charset="-128"/>
               </a:defRPr>
             </a:lvl9pPr>
@@ -3582,7 +3566,7 @@
                 <a:solidFill>
                   <a:schemeClr val="tx1"/>
                 </a:solidFill>
-                <a:latin typeface="Helvetica" panose="020B0604020202020204" pitchFamily="34" charset="0"/>
+                <a:latin typeface="Helvetica" pitchFamily="34" charset="0"/>
                 <a:ea typeface="MS PGothic" panose="020B0600070205080204" pitchFamily="34" charset="-128"/>
               </a:defRPr>
             </a:lvl1pPr>
@@ -3591,7 +3575,7 @@
                 <a:solidFill>
                   <a:schemeClr val="tx1"/>
                 </a:solidFill>
-                <a:latin typeface="Helvetica" panose="020B0604020202020204" pitchFamily="34" charset="0"/>
+                <a:latin typeface="Helvetica" pitchFamily="34" charset="0"/>
                 <a:ea typeface="MS PGothic" panose="020B0600070205080204" pitchFamily="34" charset="-128"/>
               </a:defRPr>
             </a:lvl2pPr>
@@ -3600,7 +3584,7 @@
                 <a:solidFill>
                   <a:schemeClr val="tx1"/>
                 </a:solidFill>
-                <a:latin typeface="Helvetica" panose="020B0604020202020204" pitchFamily="34" charset="0"/>
+                <a:latin typeface="Helvetica" pitchFamily="34" charset="0"/>
                 <a:ea typeface="MS PGothic" panose="020B0600070205080204" pitchFamily="34" charset="-128"/>
               </a:defRPr>
             </a:lvl3pPr>
@@ -3609,7 +3593,7 @@
                 <a:solidFill>
                   <a:schemeClr val="tx1"/>
                 </a:solidFill>
-                <a:latin typeface="Helvetica" panose="020B0604020202020204" pitchFamily="34" charset="0"/>
+                <a:latin typeface="Helvetica" pitchFamily="34" charset="0"/>
                 <a:ea typeface="MS PGothic" panose="020B0600070205080204" pitchFamily="34" charset="-128"/>
               </a:defRPr>
             </a:lvl4pPr>
@@ -3618,7 +3602,7 @@
                 <a:solidFill>
                   <a:schemeClr val="tx1"/>
                 </a:solidFill>
-                <a:latin typeface="Helvetica" panose="020B0604020202020204" pitchFamily="34" charset="0"/>
+                <a:latin typeface="Helvetica" pitchFamily="34" charset="0"/>
                 <a:ea typeface="MS PGothic" panose="020B0600070205080204" pitchFamily="34" charset="-128"/>
               </a:defRPr>
             </a:lvl5pPr>
@@ -3633,7 +3617,7 @@
                 <a:solidFill>
                   <a:schemeClr val="tx1"/>
                 </a:solidFill>
-                <a:latin typeface="Helvetica" panose="020B0604020202020204" pitchFamily="34" charset="0"/>
+                <a:latin typeface="Helvetica" pitchFamily="34" charset="0"/>
                 <a:ea typeface="MS PGothic" panose="020B0600070205080204" pitchFamily="34" charset="-128"/>
               </a:defRPr>
             </a:lvl6pPr>
@@ -3648,7 +3632,7 @@
                 <a:solidFill>
                   <a:schemeClr val="tx1"/>
                 </a:solidFill>
-                <a:latin typeface="Helvetica" panose="020B0604020202020204" pitchFamily="34" charset="0"/>
+                <a:latin typeface="Helvetica" pitchFamily="34" charset="0"/>
                 <a:ea typeface="MS PGothic" panose="020B0600070205080204" pitchFamily="34" charset="-128"/>
               </a:defRPr>
             </a:lvl7pPr>
@@ -3663,7 +3647,7 @@
                 <a:solidFill>
                   <a:schemeClr val="tx1"/>
                 </a:solidFill>
-                <a:latin typeface="Helvetica" panose="020B0604020202020204" pitchFamily="34" charset="0"/>
+                <a:latin typeface="Helvetica" pitchFamily="34" charset="0"/>
                 <a:ea typeface="MS PGothic" panose="020B0600070205080204" pitchFamily="34" charset="-128"/>
               </a:defRPr>
             </a:lvl8pPr>
@@ -3678,7 +3662,7 @@
                 <a:solidFill>
                   <a:schemeClr val="tx1"/>
                 </a:solidFill>
-                <a:latin typeface="Helvetica" panose="020B0604020202020204" pitchFamily="34" charset="0"/>
+                <a:latin typeface="Helvetica" pitchFamily="34" charset="0"/>
                 <a:ea typeface="MS PGothic" panose="020B0600070205080204" pitchFamily="34" charset="-128"/>
               </a:defRPr>
             </a:lvl9pPr>
@@ -3736,7 +3720,7 @@
                 <a:solidFill>
                   <a:schemeClr val="tx1"/>
                 </a:solidFill>
-                <a:latin typeface="Helvetica" panose="020B0604020202020204" pitchFamily="34" charset="0"/>
+                <a:latin typeface="Helvetica" pitchFamily="34" charset="0"/>
                 <a:ea typeface="MS PGothic" panose="020B0600070205080204" pitchFamily="34" charset="-128"/>
               </a:defRPr>
             </a:lvl1pPr>
@@ -3745,7 +3729,7 @@
                 <a:solidFill>
                   <a:schemeClr val="tx1"/>
                 </a:solidFill>
-                <a:latin typeface="Helvetica" panose="020B0604020202020204" pitchFamily="34" charset="0"/>
+                <a:latin typeface="Helvetica" pitchFamily="34" charset="0"/>
                 <a:ea typeface="MS PGothic" panose="020B0600070205080204" pitchFamily="34" charset="-128"/>
               </a:defRPr>
             </a:lvl2pPr>
@@ -3754,7 +3738,7 @@
                 <a:solidFill>
                   <a:schemeClr val="tx1"/>
                 </a:solidFill>
-                <a:latin typeface="Helvetica" panose="020B0604020202020204" pitchFamily="34" charset="0"/>
+                <a:latin typeface="Helvetica" pitchFamily="34" charset="0"/>
                 <a:ea typeface="MS PGothic" panose="020B0600070205080204" pitchFamily="34" charset="-128"/>
               </a:defRPr>
             </a:lvl3pPr>
@@ -3763,7 +3747,7 @@
                 <a:solidFill>
                   <a:schemeClr val="tx1"/>
                 </a:solidFill>
-                <a:latin typeface="Helvetica" panose="020B0604020202020204" pitchFamily="34" charset="0"/>
+                <a:latin typeface="Helvetica" pitchFamily="34" charset="0"/>
                 <a:ea typeface="MS PGothic" panose="020B0600070205080204" pitchFamily="34" charset="-128"/>
               </a:defRPr>
             </a:lvl4pPr>
@@ -3772,7 +3756,7 @@
                 <a:solidFill>
                   <a:schemeClr val="tx1"/>
                 </a:solidFill>
-                <a:latin typeface="Helvetica" panose="020B0604020202020204" pitchFamily="34" charset="0"/>
+                <a:latin typeface="Helvetica" pitchFamily="34" charset="0"/>
                 <a:ea typeface="MS PGothic" panose="020B0600070205080204" pitchFamily="34" charset="-128"/>
               </a:defRPr>
             </a:lvl5pPr>
@@ -3787,7 +3771,7 @@
                 <a:solidFill>
                   <a:schemeClr val="tx1"/>
                 </a:solidFill>
-                <a:latin typeface="Helvetica" panose="020B0604020202020204" pitchFamily="34" charset="0"/>
+                <a:latin typeface="Helvetica" pitchFamily="34" charset="0"/>
                 <a:ea typeface="MS PGothic" panose="020B0600070205080204" pitchFamily="34" charset="-128"/>
               </a:defRPr>
             </a:lvl6pPr>
@@ -3802,7 +3786,7 @@
                 <a:solidFill>
                   <a:schemeClr val="tx1"/>
                 </a:solidFill>
-                <a:latin typeface="Helvetica" panose="020B0604020202020204" pitchFamily="34" charset="0"/>
+                <a:latin typeface="Helvetica" pitchFamily="34" charset="0"/>
                 <a:ea typeface="MS PGothic" panose="020B0600070205080204" pitchFamily="34" charset="-128"/>
               </a:defRPr>
             </a:lvl7pPr>
@@ -3817,7 +3801,7 @@
                 <a:solidFill>
                   <a:schemeClr val="tx1"/>
                 </a:solidFill>
-                <a:latin typeface="Helvetica" panose="020B0604020202020204" pitchFamily="34" charset="0"/>
+                <a:latin typeface="Helvetica" pitchFamily="34" charset="0"/>
                 <a:ea typeface="MS PGothic" panose="020B0600070205080204" pitchFamily="34" charset="-128"/>
               </a:defRPr>
             </a:lvl8pPr>
@@ -3832,7 +3816,7 @@
                 <a:solidFill>
                   <a:schemeClr val="tx1"/>
                 </a:solidFill>
-                <a:latin typeface="Helvetica" panose="020B0604020202020204" pitchFamily="34" charset="0"/>
+                <a:latin typeface="Helvetica" pitchFamily="34" charset="0"/>
                 <a:ea typeface="MS PGothic" panose="020B0600070205080204" pitchFamily="34" charset="-128"/>
               </a:defRPr>
             </a:lvl9pPr>
@@ -3899,7 +3883,7 @@
                 <a:solidFill>
                   <a:schemeClr val="tx1"/>
                 </a:solidFill>
-                <a:latin typeface="Helvetica" panose="020B0604020202020204" pitchFamily="34" charset="0"/>
+                <a:latin typeface="Helvetica" pitchFamily="34" charset="0"/>
                 <a:ea typeface="MS PGothic" panose="020B0600070205080204" pitchFamily="34" charset="-128"/>
               </a:defRPr>
             </a:lvl1pPr>
@@ -3908,7 +3892,7 @@
                 <a:solidFill>
                   <a:schemeClr val="tx1"/>
                 </a:solidFill>
-                <a:latin typeface="Helvetica" panose="020B0604020202020204" pitchFamily="34" charset="0"/>
+                <a:latin typeface="Helvetica" pitchFamily="34" charset="0"/>
                 <a:ea typeface="MS PGothic" panose="020B0600070205080204" pitchFamily="34" charset="-128"/>
               </a:defRPr>
             </a:lvl2pPr>
@@ -3917,7 +3901,7 @@
                 <a:solidFill>
                   <a:schemeClr val="tx1"/>
                 </a:solidFill>
-                <a:latin typeface="Helvetica" panose="020B0604020202020204" pitchFamily="34" charset="0"/>
+                <a:latin typeface="Helvetica" pitchFamily="34" charset="0"/>
                 <a:ea typeface="MS PGothic" panose="020B0600070205080204" pitchFamily="34" charset="-128"/>
               </a:defRPr>
             </a:lvl3pPr>
@@ -3926,7 +3910,7 @@
                 <a:solidFill>
                   <a:schemeClr val="tx1"/>
                 </a:solidFill>
-                <a:latin typeface="Helvetica" panose="020B0604020202020204" pitchFamily="34" charset="0"/>
+                <a:latin typeface="Helvetica" pitchFamily="34" charset="0"/>
                 <a:ea typeface="MS PGothic" panose="020B0600070205080204" pitchFamily="34" charset="-128"/>
               </a:defRPr>
             </a:lvl4pPr>
@@ -3935,7 +3919,7 @@
                 <a:solidFill>
                   <a:schemeClr val="tx1"/>
                 </a:solidFill>
-                <a:latin typeface="Helvetica" panose="020B0604020202020204" pitchFamily="34" charset="0"/>
+                <a:latin typeface="Helvetica" pitchFamily="34" charset="0"/>
                 <a:ea typeface="MS PGothic" panose="020B0600070205080204" pitchFamily="34" charset="-128"/>
               </a:defRPr>
             </a:lvl5pPr>
@@ -3950,7 +3934,7 @@
                 <a:solidFill>
                   <a:schemeClr val="tx1"/>
                 </a:solidFill>
-                <a:latin typeface="Helvetica" panose="020B0604020202020204" pitchFamily="34" charset="0"/>
+                <a:latin typeface="Helvetica" pitchFamily="34" charset="0"/>
                 <a:ea typeface="MS PGothic" panose="020B0600070205080204" pitchFamily="34" charset="-128"/>
               </a:defRPr>
             </a:lvl6pPr>
@@ -3965,7 +3949,7 @@
                 <a:solidFill>
                   <a:schemeClr val="tx1"/>
                 </a:solidFill>
-                <a:latin typeface="Helvetica" panose="020B0604020202020204" pitchFamily="34" charset="0"/>
+                <a:latin typeface="Helvetica" pitchFamily="34" charset="0"/>
                 <a:ea typeface="MS PGothic" panose="020B0600070205080204" pitchFamily="34" charset="-128"/>
               </a:defRPr>
             </a:lvl7pPr>
@@ -3980,7 +3964,7 @@
                 <a:solidFill>
                   <a:schemeClr val="tx1"/>
                 </a:solidFill>
-                <a:latin typeface="Helvetica" panose="020B0604020202020204" pitchFamily="34" charset="0"/>
+                <a:latin typeface="Helvetica" pitchFamily="34" charset="0"/>
                 <a:ea typeface="MS PGothic" panose="020B0600070205080204" pitchFamily="34" charset="-128"/>
               </a:defRPr>
             </a:lvl8pPr>
@@ -3995,7 +3979,7 @@
                 <a:solidFill>
                   <a:schemeClr val="tx1"/>
                 </a:solidFill>
-                <a:latin typeface="Helvetica" panose="020B0604020202020204" pitchFamily="34" charset="0"/>
+                <a:latin typeface="Helvetica" pitchFamily="34" charset="0"/>
                 <a:ea typeface="MS PGothic" panose="020B0600070205080204" pitchFamily="34" charset="-128"/>
               </a:defRPr>
             </a:lvl9pPr>
@@ -4053,7 +4037,7 @@
                 <a:solidFill>
                   <a:schemeClr val="tx1"/>
                 </a:solidFill>
-                <a:latin typeface="Helvetica" panose="020B0604020202020204" pitchFamily="34" charset="0"/>
+                <a:latin typeface="Helvetica" pitchFamily="34" charset="0"/>
                 <a:ea typeface="MS PGothic" panose="020B0600070205080204" pitchFamily="34" charset="-128"/>
               </a:defRPr>
             </a:lvl1pPr>
@@ -4062,7 +4046,7 @@
                 <a:solidFill>
                   <a:schemeClr val="tx1"/>
                 </a:solidFill>
-                <a:latin typeface="Helvetica" panose="020B0604020202020204" pitchFamily="34" charset="0"/>
+                <a:latin typeface="Helvetica" pitchFamily="34" charset="0"/>
                 <a:ea typeface="MS PGothic" panose="020B0600070205080204" pitchFamily="34" charset="-128"/>
               </a:defRPr>
             </a:lvl2pPr>
@@ -4071,7 +4055,7 @@
                 <a:solidFill>
                   <a:schemeClr val="tx1"/>
                 </a:solidFill>
-                <a:latin typeface="Helvetica" panose="020B0604020202020204" pitchFamily="34" charset="0"/>
+                <a:latin typeface="Helvetica" pitchFamily="34" charset="0"/>
                 <a:ea typeface="MS PGothic" panose="020B0600070205080204" pitchFamily="34" charset="-128"/>
               </a:defRPr>
             </a:lvl3pPr>
@@ -4080,7 +4064,7 @@
                 <a:solidFill>
                   <a:schemeClr val="tx1"/>
                 </a:solidFill>
-                <a:latin typeface="Helvetica" panose="020B0604020202020204" pitchFamily="34" charset="0"/>
+                <a:latin typeface="Helvetica" pitchFamily="34" charset="0"/>
                 <a:ea typeface="MS PGothic" panose="020B0600070205080204" pitchFamily="34" charset="-128"/>
               </a:defRPr>
             </a:lvl4pPr>
@@ -4089,7 +4073,7 @@
                 <a:solidFill>
                   <a:schemeClr val="tx1"/>
                 </a:solidFill>
-                <a:latin typeface="Helvetica" panose="020B0604020202020204" pitchFamily="34" charset="0"/>
+                <a:latin typeface="Helvetica" pitchFamily="34" charset="0"/>
                 <a:ea typeface="MS PGothic" panose="020B0600070205080204" pitchFamily="34" charset="-128"/>
               </a:defRPr>
             </a:lvl5pPr>
@@ -4104,7 +4088,7 @@
                 <a:solidFill>
                   <a:schemeClr val="tx1"/>
                 </a:solidFill>
-                <a:latin typeface="Helvetica" panose="020B0604020202020204" pitchFamily="34" charset="0"/>
+                <a:latin typeface="Helvetica" pitchFamily="34" charset="0"/>
                 <a:ea typeface="MS PGothic" panose="020B0600070205080204" pitchFamily="34" charset="-128"/>
               </a:defRPr>
             </a:lvl6pPr>
@@ -4119,7 +4103,7 @@
                 <a:solidFill>
                   <a:schemeClr val="tx1"/>
                 </a:solidFill>
-                <a:latin typeface="Helvetica" panose="020B0604020202020204" pitchFamily="34" charset="0"/>
+                <a:latin typeface="Helvetica" pitchFamily="34" charset="0"/>
                 <a:ea typeface="MS PGothic" panose="020B0600070205080204" pitchFamily="34" charset="-128"/>
               </a:defRPr>
             </a:lvl7pPr>
@@ -4134,7 +4118,7 @@
                 <a:solidFill>
                   <a:schemeClr val="tx1"/>
                 </a:solidFill>
-                <a:latin typeface="Helvetica" panose="020B0604020202020204" pitchFamily="34" charset="0"/>
+                <a:latin typeface="Helvetica" pitchFamily="34" charset="0"/>
                 <a:ea typeface="MS PGothic" panose="020B0600070205080204" pitchFamily="34" charset="-128"/>
               </a:defRPr>
             </a:lvl8pPr>
@@ -4149,7 +4133,7 @@
                 <a:solidFill>
                   <a:schemeClr val="tx1"/>
                 </a:solidFill>
-                <a:latin typeface="Helvetica" panose="020B0604020202020204" pitchFamily="34" charset="0"/>
+                <a:latin typeface="Helvetica" pitchFamily="34" charset="0"/>
                 <a:ea typeface="MS PGothic" panose="020B0600070205080204" pitchFamily="34" charset="-128"/>
               </a:defRPr>
             </a:lvl9pPr>
@@ -4286,7 +4270,7 @@
                 <a:solidFill>
                   <a:schemeClr val="tx1"/>
                 </a:solidFill>
-                <a:latin typeface="Helvetica" panose="020B0604020202020204" pitchFamily="34" charset="0"/>
+                <a:latin typeface="Helvetica" pitchFamily="34" charset="0"/>
                 <a:ea typeface="MS PGothic" panose="020B0600070205080204" pitchFamily="34" charset="-128"/>
               </a:defRPr>
             </a:lvl1pPr>
@@ -4295,7 +4279,7 @@
                 <a:solidFill>
                   <a:schemeClr val="tx1"/>
                 </a:solidFill>
-                <a:latin typeface="Helvetica" panose="020B0604020202020204" pitchFamily="34" charset="0"/>
+                <a:latin typeface="Helvetica" pitchFamily="34" charset="0"/>
                 <a:ea typeface="MS PGothic" panose="020B0600070205080204" pitchFamily="34" charset="-128"/>
               </a:defRPr>
             </a:lvl2pPr>
@@ -4304,7 +4288,7 @@
                 <a:solidFill>
                   <a:schemeClr val="tx1"/>
                 </a:solidFill>
-                <a:latin typeface="Helvetica" panose="020B0604020202020204" pitchFamily="34" charset="0"/>
+                <a:latin typeface="Helvetica" pitchFamily="34" charset="0"/>
                 <a:ea typeface="MS PGothic" panose="020B0600070205080204" pitchFamily="34" charset="-128"/>
               </a:defRPr>
             </a:lvl3pPr>
@@ -4313,7 +4297,7 @@
                 <a:solidFill>
                   <a:schemeClr val="tx1"/>
                 </a:solidFill>
-                <a:latin typeface="Helvetica" panose="020B0604020202020204" pitchFamily="34" charset="0"/>
+                <a:latin typeface="Helvetica" pitchFamily="34" charset="0"/>
                 <a:ea typeface="MS PGothic" panose="020B0600070205080204" pitchFamily="34" charset="-128"/>
               </a:defRPr>
             </a:lvl4pPr>
@@ -4322,7 +4306,7 @@
                 <a:solidFill>
                   <a:schemeClr val="tx1"/>
                 </a:solidFill>
-                <a:latin typeface="Helvetica" panose="020B0604020202020204" pitchFamily="34" charset="0"/>
+                <a:latin typeface="Helvetica" pitchFamily="34" charset="0"/>
                 <a:ea typeface="MS PGothic" panose="020B0600070205080204" pitchFamily="34" charset="-128"/>
               </a:defRPr>
             </a:lvl5pPr>
@@ -4337,7 +4321,7 @@
                 <a:solidFill>
                   <a:schemeClr val="tx1"/>
                 </a:solidFill>
-                <a:latin typeface="Helvetica" panose="020B0604020202020204" pitchFamily="34" charset="0"/>
+                <a:latin typeface="Helvetica" pitchFamily="34" charset="0"/>
                 <a:ea typeface="MS PGothic" panose="020B0600070205080204" pitchFamily="34" charset="-128"/>
               </a:defRPr>
             </a:lvl6pPr>
@@ -4352,7 +4336,7 @@
                 <a:solidFill>
                   <a:schemeClr val="tx1"/>
                 </a:solidFill>
-                <a:latin typeface="Helvetica" panose="020B0604020202020204" pitchFamily="34" charset="0"/>
+                <a:latin typeface="Helvetica" pitchFamily="34" charset="0"/>
                 <a:ea typeface="MS PGothic" panose="020B0600070205080204" pitchFamily="34" charset="-128"/>
               </a:defRPr>
             </a:lvl7pPr>
@@ -4367,7 +4351,7 @@
                 <a:solidFill>
                   <a:schemeClr val="tx1"/>
                 </a:solidFill>
-                <a:latin typeface="Helvetica" panose="020B0604020202020204" pitchFamily="34" charset="0"/>
+                <a:latin typeface="Helvetica" pitchFamily="34" charset="0"/>
                 <a:ea typeface="MS PGothic" panose="020B0600070205080204" pitchFamily="34" charset="-128"/>
               </a:defRPr>
             </a:lvl8pPr>
@@ -4382,7 +4366,7 @@
                 <a:solidFill>
                   <a:schemeClr val="tx1"/>
                 </a:solidFill>
-                <a:latin typeface="Helvetica" panose="020B0604020202020204" pitchFamily="34" charset="0"/>
+                <a:latin typeface="Helvetica" pitchFamily="34" charset="0"/>
                 <a:ea typeface="MS PGothic" panose="020B0600070205080204" pitchFamily="34" charset="-128"/>
               </a:defRPr>
             </a:lvl9pPr>
@@ -4516,7 +4500,7 @@
                 <a:solidFill>
                   <a:schemeClr val="tx1"/>
                 </a:solidFill>
-                <a:latin typeface="Helvetica" panose="020B0604020202020204" pitchFamily="34" charset="0"/>
+                <a:latin typeface="Helvetica" pitchFamily="34" charset="0"/>
                 <a:ea typeface="MS PGothic" panose="020B0600070205080204" pitchFamily="34" charset="-128"/>
               </a:defRPr>
             </a:lvl1pPr>
@@ -4525,7 +4509,7 @@
                 <a:solidFill>
                   <a:schemeClr val="tx1"/>
                 </a:solidFill>
-                <a:latin typeface="Helvetica" panose="020B0604020202020204" pitchFamily="34" charset="0"/>
+                <a:latin typeface="Helvetica" pitchFamily="34" charset="0"/>
                 <a:ea typeface="MS PGothic" panose="020B0600070205080204" pitchFamily="34" charset="-128"/>
               </a:defRPr>
             </a:lvl2pPr>
@@ -4534,7 +4518,7 @@
                 <a:solidFill>
                   <a:schemeClr val="tx1"/>
                 </a:solidFill>
-                <a:latin typeface="Helvetica" panose="020B0604020202020204" pitchFamily="34" charset="0"/>
+                <a:latin typeface="Helvetica" pitchFamily="34" charset="0"/>
                 <a:ea typeface="MS PGothic" panose="020B0600070205080204" pitchFamily="34" charset="-128"/>
               </a:defRPr>
             </a:lvl3pPr>
@@ -4543,7 +4527,7 @@
                 <a:solidFill>
                   <a:schemeClr val="tx1"/>
                 </a:solidFill>
-                <a:latin typeface="Helvetica" panose="020B0604020202020204" pitchFamily="34" charset="0"/>
+                <a:latin typeface="Helvetica" pitchFamily="34" charset="0"/>
                 <a:ea typeface="MS PGothic" panose="020B0600070205080204" pitchFamily="34" charset="-128"/>
               </a:defRPr>
             </a:lvl4pPr>
@@ -4552,7 +4536,7 @@
                 <a:solidFill>
                   <a:schemeClr val="tx1"/>
                 </a:solidFill>
-                <a:latin typeface="Helvetica" panose="020B0604020202020204" pitchFamily="34" charset="0"/>
+                <a:latin typeface="Helvetica" pitchFamily="34" charset="0"/>
                 <a:ea typeface="MS PGothic" panose="020B0600070205080204" pitchFamily="34" charset="-128"/>
               </a:defRPr>
             </a:lvl5pPr>
@@ -4567,7 +4551,7 @@
                 <a:solidFill>
                   <a:schemeClr val="tx1"/>
                 </a:solidFill>
-                <a:latin typeface="Helvetica" panose="020B0604020202020204" pitchFamily="34" charset="0"/>
+                <a:latin typeface="Helvetica" pitchFamily="34" charset="0"/>
                 <a:ea typeface="MS PGothic" panose="020B0600070205080204" pitchFamily="34" charset="-128"/>
               </a:defRPr>
             </a:lvl6pPr>
@@ -4582,7 +4566,7 @@
                 <a:solidFill>
                   <a:schemeClr val="tx1"/>
                 </a:solidFill>
-                <a:latin typeface="Helvetica" panose="020B0604020202020204" pitchFamily="34" charset="0"/>
+                <a:latin typeface="Helvetica" pitchFamily="34" charset="0"/>
                 <a:ea typeface="MS PGothic" panose="020B0600070205080204" pitchFamily="34" charset="-128"/>
               </a:defRPr>
             </a:lvl7pPr>
@@ -4597,7 +4581,7 @@
                 <a:solidFill>
                   <a:schemeClr val="tx1"/>
                 </a:solidFill>
-                <a:latin typeface="Helvetica" panose="020B0604020202020204" pitchFamily="34" charset="0"/>
+                <a:latin typeface="Helvetica" pitchFamily="34" charset="0"/>
                 <a:ea typeface="MS PGothic" panose="020B0600070205080204" pitchFamily="34" charset="-128"/>
               </a:defRPr>
             </a:lvl8pPr>
@@ -4612,7 +4596,7 @@
                 <a:solidFill>
                   <a:schemeClr val="tx1"/>
                 </a:solidFill>
-                <a:latin typeface="Helvetica" panose="020B0604020202020204" pitchFamily="34" charset="0"/>
+                <a:latin typeface="Helvetica" pitchFamily="34" charset="0"/>
                 <a:ea typeface="MS PGothic" panose="020B0600070205080204" pitchFamily="34" charset="-128"/>
               </a:defRPr>
             </a:lvl9pPr>
@@ -4746,7 +4730,7 @@
                 <a:solidFill>
                   <a:schemeClr val="tx1"/>
                 </a:solidFill>
-                <a:latin typeface="Helvetica" panose="020B0604020202020204" pitchFamily="34" charset="0"/>
+                <a:latin typeface="Helvetica" pitchFamily="34" charset="0"/>
                 <a:ea typeface="MS PGothic" panose="020B0600070205080204" pitchFamily="34" charset="-128"/>
               </a:defRPr>
             </a:lvl1pPr>
@@ -4755,7 +4739,7 @@
                 <a:solidFill>
                   <a:schemeClr val="tx1"/>
                 </a:solidFill>
-                <a:latin typeface="Helvetica" panose="020B0604020202020204" pitchFamily="34" charset="0"/>
+                <a:latin typeface="Helvetica" pitchFamily="34" charset="0"/>
                 <a:ea typeface="MS PGothic" panose="020B0600070205080204" pitchFamily="34" charset="-128"/>
               </a:defRPr>
             </a:lvl2pPr>
@@ -4764,7 +4748,7 @@
                 <a:solidFill>
                   <a:schemeClr val="tx1"/>
                 </a:solidFill>
-                <a:latin typeface="Helvetica" panose="020B0604020202020204" pitchFamily="34" charset="0"/>
+                <a:latin typeface="Helvetica" pitchFamily="34" charset="0"/>
                 <a:ea typeface="MS PGothic" panose="020B0600070205080204" pitchFamily="34" charset="-128"/>
               </a:defRPr>
             </a:lvl3pPr>
@@ -4773,7 +4757,7 @@
                 <a:solidFill>
                   <a:schemeClr val="tx1"/>
                 </a:solidFill>
-                <a:latin typeface="Helvetica" panose="020B0604020202020204" pitchFamily="34" charset="0"/>
+                <a:latin typeface="Helvetica" pitchFamily="34" charset="0"/>
                 <a:ea typeface="MS PGothic" panose="020B0600070205080204" pitchFamily="34" charset="-128"/>
               </a:defRPr>
             </a:lvl4pPr>
@@ -4782,7 +4766,7 @@
                 <a:solidFill>
                   <a:schemeClr val="tx1"/>
                 </a:solidFill>
-                <a:latin typeface="Helvetica" panose="020B0604020202020204" pitchFamily="34" charset="0"/>
+                <a:latin typeface="Helvetica" pitchFamily="34" charset="0"/>
                 <a:ea typeface="MS PGothic" panose="020B0600070205080204" pitchFamily="34" charset="-128"/>
               </a:defRPr>
             </a:lvl5pPr>
@@ -4797,7 +4781,7 @@
                 <a:solidFill>
                   <a:schemeClr val="tx1"/>
                 </a:solidFill>
-                <a:latin typeface="Helvetica" panose="020B0604020202020204" pitchFamily="34" charset="0"/>
+                <a:latin typeface="Helvetica" pitchFamily="34" charset="0"/>
                 <a:ea typeface="MS PGothic" panose="020B0600070205080204" pitchFamily="34" charset="-128"/>
               </a:defRPr>
             </a:lvl6pPr>
@@ -4812,7 +4796,7 @@
                 <a:solidFill>
                   <a:schemeClr val="tx1"/>
                 </a:solidFill>
-                <a:latin typeface="Helvetica" panose="020B0604020202020204" pitchFamily="34" charset="0"/>
+                <a:latin typeface="Helvetica" pitchFamily="34" charset="0"/>
                 <a:ea typeface="MS PGothic" panose="020B0600070205080204" pitchFamily="34" charset="-128"/>
               </a:defRPr>
             </a:lvl7pPr>
@@ -4827,7 +4811,7 @@
                 <a:solidFill>
                   <a:schemeClr val="tx1"/>
                 </a:solidFill>
-                <a:latin typeface="Helvetica" panose="020B0604020202020204" pitchFamily="34" charset="0"/>
+                <a:latin typeface="Helvetica" pitchFamily="34" charset="0"/>
                 <a:ea typeface="MS PGothic" panose="020B0600070205080204" pitchFamily="34" charset="-128"/>
               </a:defRPr>
             </a:lvl8pPr>
@@ -4842,7 +4826,7 @@
                 <a:solidFill>
                   <a:schemeClr val="tx1"/>
                 </a:solidFill>
-                <a:latin typeface="Helvetica" panose="020B0604020202020204" pitchFamily="34" charset="0"/>
+                <a:latin typeface="Helvetica" pitchFamily="34" charset="0"/>
                 <a:ea typeface="MS PGothic" panose="020B0600070205080204" pitchFamily="34" charset="-128"/>
               </a:defRPr>
             </a:lvl9pPr>
@@ -4976,7 +4960,7 @@
                 <a:solidFill>
                   <a:schemeClr val="tx1"/>
                 </a:solidFill>
-                <a:latin typeface="Helvetica" panose="020B0604020202020204" pitchFamily="34" charset="0"/>
+                <a:latin typeface="Helvetica" pitchFamily="34" charset="0"/>
                 <a:ea typeface="MS PGothic" panose="020B0600070205080204" pitchFamily="34" charset="-128"/>
               </a:defRPr>
             </a:lvl1pPr>
@@ -4985,7 +4969,7 @@
                 <a:solidFill>
                   <a:schemeClr val="tx1"/>
                 </a:solidFill>
-                <a:latin typeface="Helvetica" panose="020B0604020202020204" pitchFamily="34" charset="0"/>
+                <a:latin typeface="Helvetica" pitchFamily="34" charset="0"/>
                 <a:ea typeface="MS PGothic" panose="020B0600070205080204" pitchFamily="34" charset="-128"/>
               </a:defRPr>
             </a:lvl2pPr>
@@ -4994,7 +4978,7 @@
                 <a:solidFill>
                   <a:schemeClr val="tx1"/>
                 </a:solidFill>
-                <a:latin typeface="Helvetica" panose="020B0604020202020204" pitchFamily="34" charset="0"/>
+                <a:latin typeface="Helvetica" pitchFamily="34" charset="0"/>
                 <a:ea typeface="MS PGothic" panose="020B0600070205080204" pitchFamily="34" charset="-128"/>
               </a:defRPr>
             </a:lvl3pPr>
@@ -5003,7 +4987,7 @@
                 <a:solidFill>
                   <a:schemeClr val="tx1"/>
                 </a:solidFill>
-                <a:latin typeface="Helvetica" panose="020B0604020202020204" pitchFamily="34" charset="0"/>
+                <a:latin typeface="Helvetica" pitchFamily="34" charset="0"/>
                 <a:ea typeface="MS PGothic" panose="020B0600070205080204" pitchFamily="34" charset="-128"/>
               </a:defRPr>
             </a:lvl4pPr>
@@ -5012,7 +4996,7 @@
                 <a:solidFill>
                   <a:schemeClr val="tx1"/>
                 </a:solidFill>
-                <a:latin typeface="Helvetica" panose="020B0604020202020204" pitchFamily="34" charset="0"/>
+                <a:latin typeface="Helvetica" pitchFamily="34" charset="0"/>
                 <a:ea typeface="MS PGothic" panose="020B0600070205080204" pitchFamily="34" charset="-128"/>
               </a:defRPr>
             </a:lvl5pPr>
@@ -5027,7 +5011,7 @@
                 <a:solidFill>
                   <a:schemeClr val="tx1"/>
                 </a:solidFill>
-                <a:latin typeface="Helvetica" panose="020B0604020202020204" pitchFamily="34" charset="0"/>
+                <a:latin typeface="Helvetica" pitchFamily="34" charset="0"/>
                 <a:ea typeface="MS PGothic" panose="020B0600070205080204" pitchFamily="34" charset="-128"/>
               </a:defRPr>
             </a:lvl6pPr>
@@ -5042,7 +5026,7 @@
                 <a:solidFill>
                   <a:schemeClr val="tx1"/>
                 </a:solidFill>
-                <a:latin typeface="Helvetica" panose="020B0604020202020204" pitchFamily="34" charset="0"/>
+                <a:latin typeface="Helvetica" pitchFamily="34" charset="0"/>
                 <a:ea typeface="MS PGothic" panose="020B0600070205080204" pitchFamily="34" charset="-128"/>
               </a:defRPr>
             </a:lvl7pPr>
@@ -5057,7 +5041,7 @@
                 <a:solidFill>
                   <a:schemeClr val="tx1"/>
                 </a:solidFill>
-                <a:latin typeface="Helvetica" panose="020B0604020202020204" pitchFamily="34" charset="0"/>
+                <a:latin typeface="Helvetica" pitchFamily="34" charset="0"/>
                 <a:ea typeface="MS PGothic" panose="020B0600070205080204" pitchFamily="34" charset="-128"/>
               </a:defRPr>
             </a:lvl8pPr>
@@ -5072,7 +5056,7 @@
                 <a:solidFill>
                   <a:schemeClr val="tx1"/>
                 </a:solidFill>
-                <a:latin typeface="Helvetica" panose="020B0604020202020204" pitchFamily="34" charset="0"/>
+                <a:latin typeface="Helvetica" pitchFamily="34" charset="0"/>
                 <a:ea typeface="MS PGothic" panose="020B0600070205080204" pitchFamily="34" charset="-128"/>
               </a:defRPr>
             </a:lvl9pPr>
@@ -5206,7 +5190,7 @@
                 <a:solidFill>
                   <a:schemeClr val="tx1"/>
                 </a:solidFill>
-                <a:latin typeface="Helvetica" panose="020B0604020202020204" pitchFamily="34" charset="0"/>
+                <a:latin typeface="Helvetica" pitchFamily="34" charset="0"/>
                 <a:ea typeface="MS PGothic" panose="020B0600070205080204" pitchFamily="34" charset="-128"/>
               </a:defRPr>
             </a:lvl1pPr>
@@ -5215,7 +5199,7 @@
                 <a:solidFill>
                   <a:schemeClr val="tx1"/>
                 </a:solidFill>
-                <a:latin typeface="Helvetica" panose="020B0604020202020204" pitchFamily="34" charset="0"/>
+                <a:latin typeface="Helvetica" pitchFamily="34" charset="0"/>
                 <a:ea typeface="MS PGothic" panose="020B0600070205080204" pitchFamily="34" charset="-128"/>
               </a:defRPr>
             </a:lvl2pPr>
@@ -5224,7 +5208,7 @@
                 <a:solidFill>
                   <a:schemeClr val="tx1"/>
                 </a:solidFill>
-                <a:latin typeface="Helvetica" panose="020B0604020202020204" pitchFamily="34" charset="0"/>
+                <a:latin typeface="Helvetica" pitchFamily="34" charset="0"/>
                 <a:ea typeface="MS PGothic" panose="020B0600070205080204" pitchFamily="34" charset="-128"/>
               </a:defRPr>
             </a:lvl3pPr>
@@ -5233,7 +5217,7 @@
                 <a:solidFill>
                   <a:schemeClr val="tx1"/>
                 </a:solidFill>
-                <a:latin typeface="Helvetica" panose="020B0604020202020204" pitchFamily="34" charset="0"/>
+                <a:latin typeface="Helvetica" pitchFamily="34" charset="0"/>
                 <a:ea typeface="MS PGothic" panose="020B0600070205080204" pitchFamily="34" charset="-128"/>
               </a:defRPr>
             </a:lvl4pPr>
@@ -5242,7 +5226,7 @@
                 <a:solidFill>
                   <a:schemeClr val="tx1"/>
                 </a:solidFill>
-                <a:latin typeface="Helvetica" panose="020B0604020202020204" pitchFamily="34" charset="0"/>
+                <a:latin typeface="Helvetica" pitchFamily="34" charset="0"/>
                 <a:ea typeface="MS PGothic" panose="020B0600070205080204" pitchFamily="34" charset="-128"/>
               </a:defRPr>
             </a:lvl5pPr>
@@ -5257,7 +5241,7 @@
                 <a:solidFill>
                   <a:schemeClr val="tx1"/>
                 </a:solidFill>
-                <a:latin typeface="Helvetica" panose="020B0604020202020204" pitchFamily="34" charset="0"/>
+                <a:latin typeface="Helvetica" pitchFamily="34" charset="0"/>
                 <a:ea typeface="MS PGothic" panose="020B0600070205080204" pitchFamily="34" charset="-128"/>
               </a:defRPr>
             </a:lvl6pPr>
@@ -5272,7 +5256,7 @@
                 <a:solidFill>
                   <a:schemeClr val="tx1"/>
                 </a:solidFill>
-                <a:latin typeface="Helvetica" panose="020B0604020202020204" pitchFamily="34" charset="0"/>
+                <a:latin typeface="Helvetica" pitchFamily="34" charset="0"/>
                 <a:ea typeface="MS PGothic" panose="020B0600070205080204" pitchFamily="34" charset="-128"/>
               </a:defRPr>
             </a:lvl7pPr>
@@ -5287,7 +5271,7 @@
                 <a:solidFill>
                   <a:schemeClr val="tx1"/>
                 </a:solidFill>
-                <a:latin typeface="Helvetica" panose="020B0604020202020204" pitchFamily="34" charset="0"/>
+                <a:latin typeface="Helvetica" pitchFamily="34" charset="0"/>
                 <a:ea typeface="MS PGothic" panose="020B0600070205080204" pitchFamily="34" charset="-128"/>
               </a:defRPr>
             </a:lvl8pPr>
@@ -5302,7 +5286,7 @@
                 <a:solidFill>
                   <a:schemeClr val="tx1"/>
                 </a:solidFill>
-                <a:latin typeface="Helvetica" panose="020B0604020202020204" pitchFamily="34" charset="0"/>
+                <a:latin typeface="Helvetica" pitchFamily="34" charset="0"/>
                 <a:ea typeface="MS PGothic" panose="020B0600070205080204" pitchFamily="34" charset="-128"/>
               </a:defRPr>
             </a:lvl9pPr>
@@ -5436,7 +5420,7 @@
                 <a:solidFill>
                   <a:schemeClr val="tx1"/>
                 </a:solidFill>
-                <a:latin typeface="Helvetica" panose="020B0604020202020204" pitchFamily="34" charset="0"/>
+                <a:latin typeface="Helvetica" pitchFamily="34" charset="0"/>
                 <a:ea typeface="MS PGothic" panose="020B0600070205080204" pitchFamily="34" charset="-128"/>
               </a:defRPr>
             </a:lvl1pPr>
@@ -5445,7 +5429,7 @@
                 <a:solidFill>
                   <a:schemeClr val="tx1"/>
                 </a:solidFill>
-                <a:latin typeface="Helvetica" panose="020B0604020202020204" pitchFamily="34" charset="0"/>
+                <a:latin typeface="Helvetica" pitchFamily="34" charset="0"/>
                 <a:ea typeface="MS PGothic" panose="020B0600070205080204" pitchFamily="34" charset="-128"/>
               </a:defRPr>
             </a:lvl2pPr>
@@ -5454,7 +5438,7 @@
                 <a:solidFill>
                   <a:schemeClr val="tx1"/>
                 </a:solidFill>
-                <a:latin typeface="Helvetica" panose="020B0604020202020204" pitchFamily="34" charset="0"/>
+                <a:latin typeface="Helvetica" pitchFamily="34" charset="0"/>
                 <a:ea typeface="MS PGothic" panose="020B0600070205080204" pitchFamily="34" charset="-128"/>
               </a:defRPr>
             </a:lvl3pPr>
@@ -5463,7 +5447,7 @@
                 <a:solidFill>
                   <a:schemeClr val="tx1"/>
                 </a:solidFill>
-                <a:latin typeface="Helvetica" panose="020B0604020202020204" pitchFamily="34" charset="0"/>
+                <a:latin typeface="Helvetica" pitchFamily="34" charset="0"/>
                 <a:ea typeface="MS PGothic" panose="020B0600070205080204" pitchFamily="34" charset="-128"/>
               </a:defRPr>
             </a:lvl4pPr>
@@ -5472,7 +5456,7 @@
                 <a:solidFill>
                   <a:schemeClr val="tx1"/>
                 </a:solidFill>
-                <a:latin typeface="Helvetica" panose="020B0604020202020204" pitchFamily="34" charset="0"/>
+                <a:latin typeface="Helvetica" pitchFamily="34" charset="0"/>
                 <a:ea typeface="MS PGothic" panose="020B0600070205080204" pitchFamily="34" charset="-128"/>
               </a:defRPr>
             </a:lvl5pPr>
@@ -5487,7 +5471,7 @@
                 <a:solidFill>
                   <a:schemeClr val="tx1"/>
                 </a:solidFill>
-                <a:latin typeface="Helvetica" panose="020B0604020202020204" pitchFamily="34" charset="0"/>
+                <a:latin typeface="Helvetica" pitchFamily="34" charset="0"/>
                 <a:ea typeface="MS PGothic" panose="020B0600070205080204" pitchFamily="34" charset="-128"/>
               </a:defRPr>
             </a:lvl6pPr>
@@ -5502,7 +5486,7 @@
                 <a:solidFill>
                   <a:schemeClr val="tx1"/>
                 </a:solidFill>
-                <a:latin typeface="Helvetica" panose="020B0604020202020204" pitchFamily="34" charset="0"/>
+                <a:latin typeface="Helvetica" pitchFamily="34" charset="0"/>
                 <a:ea typeface="MS PGothic" panose="020B0600070205080204" pitchFamily="34" charset="-128"/>
               </a:defRPr>
             </a:lvl7pPr>
@@ -5517,7 +5501,7 @@
                 <a:solidFill>
                   <a:schemeClr val="tx1"/>
                 </a:solidFill>
-                <a:latin typeface="Helvetica" panose="020B0604020202020204" pitchFamily="34" charset="0"/>
+                <a:latin typeface="Helvetica" pitchFamily="34" charset="0"/>
                 <a:ea typeface="MS PGothic" panose="020B0600070205080204" pitchFamily="34" charset="-128"/>
               </a:defRPr>
             </a:lvl8pPr>
@@ -5532,7 +5516,7 @@
                 <a:solidFill>
                   <a:schemeClr val="tx1"/>
                 </a:solidFill>
-                <a:latin typeface="Helvetica" panose="020B0604020202020204" pitchFamily="34" charset="0"/>
+                <a:latin typeface="Helvetica" pitchFamily="34" charset="0"/>
                 <a:ea typeface="MS PGothic" panose="020B0600070205080204" pitchFamily="34" charset="-128"/>
               </a:defRPr>
             </a:lvl9pPr>
@@ -5666,7 +5650,7 @@
                 <a:solidFill>
                   <a:schemeClr val="tx1"/>
                 </a:solidFill>
-                <a:latin typeface="Helvetica" panose="020B0604020202020204" pitchFamily="34" charset="0"/>
+                <a:latin typeface="Helvetica" pitchFamily="34" charset="0"/>
                 <a:ea typeface="MS PGothic" panose="020B0600070205080204" pitchFamily="34" charset="-128"/>
               </a:defRPr>
             </a:lvl1pPr>
@@ -5675,7 +5659,7 @@
                 <a:solidFill>
                   <a:schemeClr val="tx1"/>
                 </a:solidFill>
-                <a:latin typeface="Helvetica" panose="020B0604020202020204" pitchFamily="34" charset="0"/>
+                <a:latin typeface="Helvetica" pitchFamily="34" charset="0"/>
                 <a:ea typeface="MS PGothic" panose="020B0600070205080204" pitchFamily="34" charset="-128"/>
               </a:defRPr>
             </a:lvl2pPr>
@@ -5684,7 +5668,7 @@
                 <a:solidFill>
                   <a:schemeClr val="tx1"/>
                 </a:solidFill>
-                <a:latin typeface="Helvetica" panose="020B0604020202020204" pitchFamily="34" charset="0"/>
+                <a:latin typeface="Helvetica" pitchFamily="34" charset="0"/>
                 <a:ea typeface="MS PGothic" panose="020B0600070205080204" pitchFamily="34" charset="-128"/>
               </a:defRPr>
             </a:lvl3pPr>
@@ -5693,7 +5677,7 @@
                 <a:solidFill>
                   <a:schemeClr val="tx1"/>
                 </a:solidFill>
-                <a:latin typeface="Helvetica" panose="020B0604020202020204" pitchFamily="34" charset="0"/>
+                <a:latin typeface="Helvetica" pitchFamily="34" charset="0"/>
                 <a:ea typeface="MS PGothic" panose="020B0600070205080204" pitchFamily="34" charset="-128"/>
               </a:defRPr>
             </a:lvl4pPr>
@@ -5702,7 +5686,7 @@
                 <a:solidFill>
                   <a:schemeClr val="tx1"/>
                 </a:solidFill>
-                <a:latin typeface="Helvetica" panose="020B0604020202020204" pitchFamily="34" charset="0"/>
+                <a:latin typeface="Helvetica" pitchFamily="34" charset="0"/>
                 <a:ea typeface="MS PGothic" panose="020B0600070205080204" pitchFamily="34" charset="-128"/>
               </a:defRPr>
             </a:lvl5pPr>
@@ -5717,7 +5701,7 @@
                 <a:solidFill>
                   <a:schemeClr val="tx1"/>
                 </a:solidFill>
-                <a:latin typeface="Helvetica" panose="020B0604020202020204" pitchFamily="34" charset="0"/>
+                <a:latin typeface="Helvetica" pitchFamily="34" charset="0"/>
                 <a:ea typeface="MS PGothic" panose="020B0600070205080204" pitchFamily="34" charset="-128"/>
               </a:defRPr>
             </a:lvl6pPr>
@@ -5732,7 +5716,7 @@
                 <a:solidFill>
                   <a:schemeClr val="tx1"/>
                 </a:solidFill>
-                <a:latin typeface="Helvetica" panose="020B0604020202020204" pitchFamily="34" charset="0"/>
+                <a:latin typeface="Helvetica" pitchFamily="34" charset="0"/>
                 <a:ea typeface="MS PGothic" panose="020B0600070205080204" pitchFamily="34" charset="-128"/>
               </a:defRPr>
             </a:lvl7pPr>
@@ -5747,7 +5731,7 @@
                 <a:solidFill>
                   <a:schemeClr val="tx1"/>
                 </a:solidFill>
-                <a:latin typeface="Helvetica" panose="020B0604020202020204" pitchFamily="34" charset="0"/>
+                <a:latin typeface="Helvetica" pitchFamily="34" charset="0"/>
                 <a:ea typeface="MS PGothic" panose="020B0600070205080204" pitchFamily="34" charset="-128"/>
               </a:defRPr>
             </a:lvl8pPr>
@@ -5762,7 +5746,7 @@
                 <a:solidFill>
                   <a:schemeClr val="tx1"/>
                 </a:solidFill>
-                <a:latin typeface="Helvetica" panose="020B0604020202020204" pitchFamily="34" charset="0"/>
+                <a:latin typeface="Helvetica" pitchFamily="34" charset="0"/>
                 <a:ea typeface="MS PGothic" panose="020B0600070205080204" pitchFamily="34" charset="-128"/>
               </a:defRPr>
             </a:lvl9pPr>
@@ -5896,7 +5880,7 @@
                 <a:solidFill>
                   <a:schemeClr val="tx1"/>
                 </a:solidFill>
-                <a:latin typeface="Helvetica" panose="020B0604020202020204" pitchFamily="34" charset="0"/>
+                <a:latin typeface="Helvetica" pitchFamily="34" charset="0"/>
                 <a:ea typeface="MS PGothic" panose="020B0600070205080204" pitchFamily="34" charset="-128"/>
               </a:defRPr>
             </a:lvl1pPr>
@@ -5905,7 +5889,7 @@
                 <a:solidFill>
                   <a:schemeClr val="tx1"/>
                 </a:solidFill>
-                <a:latin typeface="Helvetica" panose="020B0604020202020204" pitchFamily="34" charset="0"/>
+                <a:latin typeface="Helvetica" pitchFamily="34" charset="0"/>
                 <a:ea typeface="MS PGothic" panose="020B0600070205080204" pitchFamily="34" charset="-128"/>
               </a:defRPr>
             </a:lvl2pPr>
@@ -5914,7 +5898,7 @@
                 <a:solidFill>
                   <a:schemeClr val="tx1"/>
                 </a:solidFill>
-                <a:latin typeface="Helvetica" panose="020B0604020202020204" pitchFamily="34" charset="0"/>
+                <a:latin typeface="Helvetica" pitchFamily="34" charset="0"/>
                 <a:ea typeface="MS PGothic" panose="020B0600070205080204" pitchFamily="34" charset="-128"/>
               </a:defRPr>
             </a:lvl3pPr>
@@ -5923,7 +5907,7 @@
                 <a:solidFill>
                   <a:schemeClr val="tx1"/>
                 </a:solidFill>
-                <a:latin typeface="Helvetica" panose="020B0604020202020204" pitchFamily="34" charset="0"/>
+                <a:latin typeface="Helvetica" pitchFamily="34" charset="0"/>
                 <a:ea typeface="MS PGothic" panose="020B0600070205080204" pitchFamily="34" charset="-128"/>
               </a:defRPr>
             </a:lvl4pPr>
@@ -5932,7 +5916,7 @@
                 <a:solidFill>
                   <a:schemeClr val="tx1"/>
                 </a:solidFill>
-                <a:latin typeface="Helvetica" panose="020B0604020202020204" pitchFamily="34" charset="0"/>
+                <a:latin typeface="Helvetica" pitchFamily="34" charset="0"/>
                 <a:ea typeface="MS PGothic" panose="020B0600070205080204" pitchFamily="34" charset="-128"/>
               </a:defRPr>
             </a:lvl5pPr>
@@ -5947,7 +5931,7 @@
                 <a:solidFill>
                   <a:schemeClr val="tx1"/>
                 </a:solidFill>
-                <a:latin typeface="Helvetica" panose="020B0604020202020204" pitchFamily="34" charset="0"/>
+                <a:latin typeface="Helvetica" pitchFamily="34" charset="0"/>
                 <a:ea typeface="MS PGothic" panose="020B0600070205080204" pitchFamily="34" charset="-128"/>
               </a:defRPr>
             </a:lvl6pPr>
@@ -5962,7 +5946,7 @@
                 <a:solidFill>
                   <a:schemeClr val="tx1"/>
                 </a:solidFill>
-                <a:latin typeface="Helvetica" panose="020B0604020202020204" pitchFamily="34" charset="0"/>
+                <a:latin typeface="Helvetica" pitchFamily="34" charset="0"/>
                 <a:ea typeface="MS PGothic" panose="020B0600070205080204" pitchFamily="34" charset="-128"/>
               </a:defRPr>
             </a:lvl7pPr>
@@ -5977,7 +5961,7 @@
                 <a:solidFill>
                   <a:schemeClr val="tx1"/>
                 </a:solidFill>
-                <a:latin typeface="Helvetica" panose="020B0604020202020204" pitchFamily="34" charset="0"/>
+                <a:latin typeface="Helvetica" pitchFamily="34" charset="0"/>
                 <a:ea typeface="MS PGothic" panose="020B0600070205080204" pitchFamily="34" charset="-128"/>
               </a:defRPr>
             </a:lvl8pPr>
@@ -5992,7 +5976,7 @@
                 <a:solidFill>
                   <a:schemeClr val="tx1"/>
                 </a:solidFill>
-                <a:latin typeface="Helvetica" panose="020B0604020202020204" pitchFamily="34" charset="0"/>
+                <a:latin typeface="Helvetica" pitchFamily="34" charset="0"/>
                 <a:ea typeface="MS PGothic" panose="020B0600070205080204" pitchFamily="34" charset="-128"/>
               </a:defRPr>
             </a:lvl9pPr>
@@ -6126,7 +6110,7 @@
                 <a:solidFill>
                   <a:schemeClr val="tx1"/>
                 </a:solidFill>
-                <a:latin typeface="Helvetica" panose="020B0604020202020204" pitchFamily="34" charset="0"/>
+                <a:latin typeface="Helvetica" pitchFamily="34" charset="0"/>
                 <a:ea typeface="MS PGothic" panose="020B0600070205080204" pitchFamily="34" charset="-128"/>
               </a:defRPr>
             </a:lvl1pPr>
@@ -6135,7 +6119,7 @@
                 <a:solidFill>
                   <a:schemeClr val="tx1"/>
                 </a:solidFill>
-                <a:latin typeface="Helvetica" panose="020B0604020202020204" pitchFamily="34" charset="0"/>
+                <a:latin typeface="Helvetica" pitchFamily="34" charset="0"/>
                 <a:ea typeface="MS PGothic" panose="020B0600070205080204" pitchFamily="34" charset="-128"/>
               </a:defRPr>
             </a:lvl2pPr>
@@ -6144,7 +6128,7 @@
                 <a:solidFill>
                   <a:schemeClr val="tx1"/>
                 </a:solidFill>
-                <a:latin typeface="Helvetica" panose="020B0604020202020204" pitchFamily="34" charset="0"/>
+                <a:latin typeface="Helvetica" pitchFamily="34" charset="0"/>
                 <a:ea typeface="MS PGothic" panose="020B0600070205080204" pitchFamily="34" charset="-128"/>
               </a:defRPr>
             </a:lvl3pPr>
@@ -6153,7 +6137,7 @@
                 <a:solidFill>
                   <a:schemeClr val="tx1"/>
                 </a:solidFill>
-                <a:latin typeface="Helvetica" panose="020B0604020202020204" pitchFamily="34" charset="0"/>
+                <a:latin typeface="Helvetica" pitchFamily="34" charset="0"/>
                 <a:ea typeface="MS PGothic" panose="020B0600070205080204" pitchFamily="34" charset="-128"/>
               </a:defRPr>
             </a:lvl4pPr>
@@ -6162,7 +6146,7 @@
                 <a:solidFill>
                   <a:schemeClr val="tx1"/>
                 </a:solidFill>
-                <a:latin typeface="Helvetica" panose="020B0604020202020204" pitchFamily="34" charset="0"/>
+                <a:latin typeface="Helvetica" pitchFamily="34" charset="0"/>
                 <a:ea typeface="MS PGothic" panose="020B0600070205080204" pitchFamily="34" charset="-128"/>
               </a:defRPr>
             </a:lvl5pPr>
@@ -6177,7 +6161,7 @@
                 <a:solidFill>
                   <a:schemeClr val="tx1"/>
                 </a:solidFill>
-                <a:latin typeface="Helvetica" panose="020B0604020202020204" pitchFamily="34" charset="0"/>
+                <a:latin typeface="Helvetica" pitchFamily="34" charset="0"/>
                 <a:ea typeface="MS PGothic" panose="020B0600070205080204" pitchFamily="34" charset="-128"/>
               </a:defRPr>
             </a:lvl6pPr>
@@ -6192,7 +6176,7 @@
                 <a:solidFill>
                   <a:schemeClr val="tx1"/>
                 </a:solidFill>
-                <a:latin typeface="Helvetica" panose="020B0604020202020204" pitchFamily="34" charset="0"/>
+                <a:latin typeface="Helvetica" pitchFamily="34" charset="0"/>
                 <a:ea typeface="MS PGothic" panose="020B0600070205080204" pitchFamily="34" charset="-128"/>
               </a:defRPr>
             </a:lvl7pPr>
@@ -6207,7 +6191,7 @@
                 <a:solidFill>
                   <a:schemeClr val="tx1"/>
                 </a:solidFill>
-                <a:latin typeface="Helvetica" panose="020B0604020202020204" pitchFamily="34" charset="0"/>
+                <a:latin typeface="Helvetica" pitchFamily="34" charset="0"/>
                 <a:ea typeface="MS PGothic" panose="020B0600070205080204" pitchFamily="34" charset="-128"/>
               </a:defRPr>
             </a:lvl8pPr>
@@ -6222,7 +6206,7 @@
                 <a:solidFill>
                   <a:schemeClr val="tx1"/>
                 </a:solidFill>
-                <a:latin typeface="Helvetica" panose="020B0604020202020204" pitchFamily="34" charset="0"/>
+                <a:latin typeface="Helvetica" pitchFamily="34" charset="0"/>
                 <a:ea typeface="MS PGothic" panose="020B0600070205080204" pitchFamily="34" charset="-128"/>
               </a:defRPr>
             </a:lvl9pPr>
@@ -6356,7 +6340,7 @@
                 <a:solidFill>
                   <a:schemeClr val="tx1"/>
                 </a:solidFill>
-                <a:latin typeface="Helvetica" panose="020B0604020202020204" pitchFamily="34" charset="0"/>
+                <a:latin typeface="Helvetica" pitchFamily="34" charset="0"/>
                 <a:ea typeface="MS PGothic" panose="020B0600070205080204" pitchFamily="34" charset="-128"/>
               </a:defRPr>
             </a:lvl1pPr>
@@ -6365,7 +6349,7 @@
                 <a:solidFill>
                   <a:schemeClr val="tx1"/>
                 </a:solidFill>
-                <a:latin typeface="Helvetica" panose="020B0604020202020204" pitchFamily="34" charset="0"/>
+                <a:latin typeface="Helvetica" pitchFamily="34" charset="0"/>
                 <a:ea typeface="MS PGothic" panose="020B0600070205080204" pitchFamily="34" charset="-128"/>
               </a:defRPr>
             </a:lvl2pPr>
@@ -6374,7 +6358,7 @@
                 <a:solidFill>
                   <a:schemeClr val="tx1"/>
                 </a:solidFill>
-                <a:latin typeface="Helvetica" panose="020B0604020202020204" pitchFamily="34" charset="0"/>
+                <a:latin typeface="Helvetica" pitchFamily="34" charset="0"/>
                 <a:ea typeface="MS PGothic" panose="020B0600070205080204" pitchFamily="34" charset="-128"/>
               </a:defRPr>
             </a:lvl3pPr>
@@ -6383,7 +6367,7 @@
                 <a:solidFill>
                   <a:schemeClr val="tx1"/>
                 </a:solidFill>
-                <a:latin typeface="Helvetica" panose="020B0604020202020204" pitchFamily="34" charset="0"/>
+                <a:latin typeface="Helvetica" pitchFamily="34" charset="0"/>
                 <a:ea typeface="MS PGothic" panose="020B0600070205080204" pitchFamily="34" charset="-128"/>
               </a:defRPr>
             </a:lvl4pPr>
@@ -6392,7 +6376,7 @@
                 <a:solidFill>
                   <a:schemeClr val="tx1"/>
                 </a:solidFill>
-                <a:latin typeface="Helvetica" panose="020B0604020202020204" pitchFamily="34" charset="0"/>
+                <a:latin typeface="Helvetica" pitchFamily="34" charset="0"/>
                 <a:ea typeface="MS PGothic" panose="020B0600070205080204" pitchFamily="34" charset="-128"/>
               </a:defRPr>
             </a:lvl5pPr>
@@ -6407,7 +6391,7 @@
                 <a:solidFill>
                   <a:schemeClr val="tx1"/>
                 </a:solidFill>
-                <a:latin typeface="Helvetica" panose="020B0604020202020204" pitchFamily="34" charset="0"/>
+                <a:latin typeface="Helvetica" pitchFamily="34" charset="0"/>
                 <a:ea typeface="MS PGothic" panose="020B0600070205080204" pitchFamily="34" charset="-128"/>
               </a:defRPr>
             </a:lvl6pPr>
@@ -6422,7 +6406,7 @@
                 <a:solidFill>
                   <a:schemeClr val="tx1"/>
                 </a:solidFill>
-                <a:latin typeface="Helvetica" panose="020B0604020202020204" pitchFamily="34" charset="0"/>
+                <a:latin typeface="Helvetica" pitchFamily="34" charset="0"/>
                 <a:ea typeface="MS PGothic" panose="020B0600070205080204" pitchFamily="34" charset="-128"/>
               </a:defRPr>
             </a:lvl7pPr>
@@ -6437,7 +6421,7 @@
                 <a:solidFill>
                   <a:schemeClr val="tx1"/>
                 </a:solidFill>
-                <a:latin typeface="Helvetica" panose="020B0604020202020204" pitchFamily="34" charset="0"/>
+                <a:latin typeface="Helvetica" pitchFamily="34" charset="0"/>
                 <a:ea typeface="MS PGothic" panose="020B0600070205080204" pitchFamily="34" charset="-128"/>
               </a:defRPr>
             </a:lvl8pPr>
@@ -6452,7 +6436,7 @@
                 <a:solidFill>
                   <a:schemeClr val="tx1"/>
                 </a:solidFill>
-                <a:latin typeface="Helvetica" panose="020B0604020202020204" pitchFamily="34" charset="0"/>
+                <a:latin typeface="Helvetica" pitchFamily="34" charset="0"/>
                 <a:ea typeface="MS PGothic" panose="020B0600070205080204" pitchFamily="34" charset="-128"/>
               </a:defRPr>
             </a:lvl9pPr>
@@ -6584,7 +6568,7 @@
                 <a:solidFill>
                   <a:schemeClr val="tx1"/>
                 </a:solidFill>
-                <a:latin typeface="Helvetica" panose="020B0604020202020204" pitchFamily="34" charset="0"/>
+                <a:latin typeface="Helvetica" pitchFamily="34" charset="0"/>
                 <a:ea typeface="MS PGothic" panose="020B0600070205080204" pitchFamily="34" charset="-128"/>
               </a:defRPr>
             </a:lvl1pPr>
@@ -6593,7 +6577,7 @@
                 <a:solidFill>
                   <a:schemeClr val="tx1"/>
                 </a:solidFill>
-                <a:latin typeface="Helvetica" panose="020B0604020202020204" pitchFamily="34" charset="0"/>
+                <a:latin typeface="Helvetica" pitchFamily="34" charset="0"/>
                 <a:ea typeface="MS PGothic" panose="020B0600070205080204" pitchFamily="34" charset="-128"/>
               </a:defRPr>
             </a:lvl2pPr>
@@ -6602,7 +6586,7 @@
                 <a:solidFill>
                   <a:schemeClr val="tx1"/>
                 </a:solidFill>
-                <a:latin typeface="Helvetica" panose="020B0604020202020204" pitchFamily="34" charset="0"/>
+                <a:latin typeface="Helvetica" pitchFamily="34" charset="0"/>
                 <a:ea typeface="MS PGothic" panose="020B0600070205080204" pitchFamily="34" charset="-128"/>
               </a:defRPr>
             </a:lvl3pPr>
@@ -6611,7 +6595,7 @@
                 <a:solidFill>
                   <a:schemeClr val="tx1"/>
                 </a:solidFill>
-                <a:latin typeface="Helvetica" panose="020B0604020202020204" pitchFamily="34" charset="0"/>
+                <a:latin typeface="Helvetica" pitchFamily="34" charset="0"/>
                 <a:ea typeface="MS PGothic" panose="020B0600070205080204" pitchFamily="34" charset="-128"/>
               </a:defRPr>
             </a:lvl4pPr>
@@ -6620,7 +6604,7 @@
                 <a:solidFill>
                   <a:schemeClr val="tx1"/>
                 </a:solidFill>
-                <a:latin typeface="Helvetica" panose="020B0604020202020204" pitchFamily="34" charset="0"/>
+                <a:latin typeface="Helvetica" pitchFamily="34" charset="0"/>
                 <a:ea typeface="MS PGothic" panose="020B0600070205080204" pitchFamily="34" charset="-128"/>
               </a:defRPr>
             </a:lvl5pPr>
@@ -6635,7 +6619,7 @@
                 <a:solidFill>
                   <a:schemeClr val="tx1"/>
                 </a:solidFill>
-                <a:latin typeface="Helvetica" panose="020B0604020202020204" pitchFamily="34" charset="0"/>
+                <a:latin typeface="Helvetica" pitchFamily="34" charset="0"/>
                 <a:ea typeface="MS PGothic" panose="020B0600070205080204" pitchFamily="34" charset="-128"/>
               </a:defRPr>
             </a:lvl6pPr>
@@ -6650,7 +6634,7 @@
                 <a:solidFill>
                   <a:schemeClr val="tx1"/>
                 </a:solidFill>
-                <a:latin typeface="Helvetica" panose="020B0604020202020204" pitchFamily="34" charset="0"/>
+                <a:latin typeface="Helvetica" pitchFamily="34" charset="0"/>
                 <a:ea typeface="MS PGothic" panose="020B0600070205080204" pitchFamily="34" charset="-128"/>
               </a:defRPr>
             </a:lvl7pPr>
@@ -6665,7 +6649,7 @@
                 <a:solidFill>
                   <a:schemeClr val="tx1"/>
                 </a:solidFill>
-                <a:latin typeface="Helvetica" panose="020B0604020202020204" pitchFamily="34" charset="0"/>
+                <a:latin typeface="Helvetica" pitchFamily="34" charset="0"/>
                 <a:ea typeface="MS PGothic" panose="020B0600070205080204" pitchFamily="34" charset="-128"/>
               </a:defRPr>
             </a:lvl8pPr>
@@ -6680,7 +6664,7 @@
                 <a:solidFill>
                   <a:schemeClr val="tx1"/>
                 </a:solidFill>
-                <a:latin typeface="Helvetica" panose="020B0604020202020204" pitchFamily="34" charset="0"/>
+                <a:latin typeface="Helvetica" pitchFamily="34" charset="0"/>
                 <a:ea typeface="MS PGothic" panose="020B0600070205080204" pitchFamily="34" charset="-128"/>
               </a:defRPr>
             </a:lvl9pPr>
@@ -6741,7 +6725,7 @@
                 <a:solidFill>
                   <a:schemeClr val="tx1"/>
                 </a:solidFill>
-                <a:latin typeface="Helvetica" panose="020B0604020202020204" pitchFamily="34" charset="0"/>
+                <a:latin typeface="Helvetica" pitchFamily="34" charset="0"/>
                 <a:ea typeface="MS PGothic" panose="020B0600070205080204" pitchFamily="34" charset="-128"/>
               </a:defRPr>
             </a:lvl1pPr>
@@ -6750,7 +6734,7 @@
                 <a:solidFill>
                   <a:schemeClr val="tx1"/>
                 </a:solidFill>
-                <a:latin typeface="Helvetica" panose="020B0604020202020204" pitchFamily="34" charset="0"/>
+                <a:latin typeface="Helvetica" pitchFamily="34" charset="0"/>
                 <a:ea typeface="MS PGothic" panose="020B0600070205080204" pitchFamily="34" charset="-128"/>
               </a:defRPr>
             </a:lvl2pPr>
@@ -6759,7 +6743,7 @@
                 <a:solidFill>
                   <a:schemeClr val="tx1"/>
                 </a:solidFill>
-                <a:latin typeface="Helvetica" panose="020B0604020202020204" pitchFamily="34" charset="0"/>
+                <a:latin typeface="Helvetica" pitchFamily="34" charset="0"/>
                 <a:ea typeface="MS PGothic" panose="020B0600070205080204" pitchFamily="34" charset="-128"/>
               </a:defRPr>
             </a:lvl3pPr>
@@ -6768,7 +6752,7 @@
                 <a:solidFill>
                   <a:schemeClr val="tx1"/>
                 </a:solidFill>
-                <a:latin typeface="Helvetica" panose="020B0604020202020204" pitchFamily="34" charset="0"/>
+                <a:latin typeface="Helvetica" pitchFamily="34" charset="0"/>
                 <a:ea typeface="MS PGothic" panose="020B0600070205080204" pitchFamily="34" charset="-128"/>
               </a:defRPr>
             </a:lvl4pPr>
@@ -6777,7 +6761,7 @@
                 <a:solidFill>
                   <a:schemeClr val="tx1"/>
                 </a:solidFill>
-                <a:latin typeface="Helvetica" panose="020B0604020202020204" pitchFamily="34" charset="0"/>
+                <a:latin typeface="Helvetica" pitchFamily="34" charset="0"/>
                 <a:ea typeface="MS PGothic" panose="020B0600070205080204" pitchFamily="34" charset="-128"/>
               </a:defRPr>
             </a:lvl5pPr>
@@ -6792,7 +6776,7 @@
                 <a:solidFill>
                   <a:schemeClr val="tx1"/>
                 </a:solidFill>
-                <a:latin typeface="Helvetica" panose="020B0604020202020204" pitchFamily="34" charset="0"/>
+                <a:latin typeface="Helvetica" pitchFamily="34" charset="0"/>
                 <a:ea typeface="MS PGothic" panose="020B0600070205080204" pitchFamily="34" charset="-128"/>
               </a:defRPr>
             </a:lvl6pPr>
@@ -6807,7 +6791,7 @@
                 <a:solidFill>
                   <a:schemeClr val="tx1"/>
                 </a:solidFill>
-                <a:latin typeface="Helvetica" panose="020B0604020202020204" pitchFamily="34" charset="0"/>
+                <a:latin typeface="Helvetica" pitchFamily="34" charset="0"/>
                 <a:ea typeface="MS PGothic" panose="020B0600070205080204" pitchFamily="34" charset="-128"/>
               </a:defRPr>
             </a:lvl7pPr>
@@ -6822,7 +6806,7 @@
                 <a:solidFill>
                   <a:schemeClr val="tx1"/>
                 </a:solidFill>
-                <a:latin typeface="Helvetica" panose="020B0604020202020204" pitchFamily="34" charset="0"/>
+                <a:latin typeface="Helvetica" pitchFamily="34" charset="0"/>
                 <a:ea typeface="MS PGothic" panose="020B0600070205080204" pitchFamily="34" charset="-128"/>
               </a:defRPr>
             </a:lvl8pPr>
@@ -6837,7 +6821,7 @@
                 <a:solidFill>
                   <a:schemeClr val="tx1"/>
                 </a:solidFill>
-                <a:latin typeface="Helvetica" panose="020B0604020202020204" pitchFamily="34" charset="0"/>
+                <a:latin typeface="Helvetica" pitchFamily="34" charset="0"/>
                 <a:ea typeface="MS PGothic" panose="020B0600070205080204" pitchFamily="34" charset="-128"/>
               </a:defRPr>
             </a:lvl9pPr>
@@ -6895,7 +6879,7 @@
                 <a:solidFill>
                   <a:schemeClr val="tx1"/>
                 </a:solidFill>
-                <a:latin typeface="Helvetica" panose="020B0604020202020204" pitchFamily="34" charset="0"/>
+                <a:latin typeface="Helvetica" pitchFamily="34" charset="0"/>
                 <a:ea typeface="MS PGothic" panose="020B0600070205080204" pitchFamily="34" charset="-128"/>
               </a:defRPr>
             </a:lvl1pPr>
@@ -6904,7 +6888,7 @@
                 <a:solidFill>
                   <a:schemeClr val="tx1"/>
                 </a:solidFill>
-                <a:latin typeface="Helvetica" panose="020B0604020202020204" pitchFamily="34" charset="0"/>
+                <a:latin typeface="Helvetica" pitchFamily="34" charset="0"/>
                 <a:ea typeface="MS PGothic" panose="020B0600070205080204" pitchFamily="34" charset="-128"/>
               </a:defRPr>
             </a:lvl2pPr>
@@ -6913,7 +6897,7 @@
                 <a:solidFill>
                   <a:schemeClr val="tx1"/>
                 </a:solidFill>
-                <a:latin typeface="Helvetica" panose="020B0604020202020204" pitchFamily="34" charset="0"/>
+                <a:latin typeface="Helvetica" pitchFamily="34" charset="0"/>
                 <a:ea typeface="MS PGothic" panose="020B0600070205080204" pitchFamily="34" charset="-128"/>
               </a:defRPr>
             </a:lvl3pPr>
@@ -6922,7 +6906,7 @@
                 <a:solidFill>
                   <a:schemeClr val="tx1"/>
                 </a:solidFill>
-                <a:latin typeface="Helvetica" panose="020B0604020202020204" pitchFamily="34" charset="0"/>
+                <a:latin typeface="Helvetica" pitchFamily="34" charset="0"/>
                 <a:ea typeface="MS PGothic" panose="020B0600070205080204" pitchFamily="34" charset="-128"/>
               </a:defRPr>
             </a:lvl4pPr>
@@ -6931,7 +6915,7 @@
                 <a:solidFill>
                   <a:schemeClr val="tx1"/>
                 </a:solidFill>
-                <a:latin typeface="Helvetica" panose="020B0604020202020204" pitchFamily="34" charset="0"/>
+                <a:latin typeface="Helvetica" pitchFamily="34" charset="0"/>
                 <a:ea typeface="MS PGothic" panose="020B0600070205080204" pitchFamily="34" charset="-128"/>
               </a:defRPr>
             </a:lvl5pPr>
@@ -6946,7 +6930,7 @@
                 <a:solidFill>
                   <a:schemeClr val="tx1"/>
                 </a:solidFill>
-                <a:latin typeface="Helvetica" panose="020B0604020202020204" pitchFamily="34" charset="0"/>
+                <a:latin typeface="Helvetica" pitchFamily="34" charset="0"/>
                 <a:ea typeface="MS PGothic" panose="020B0600070205080204" pitchFamily="34" charset="-128"/>
               </a:defRPr>
             </a:lvl6pPr>
@@ -6961,7 +6945,7 @@
                 <a:solidFill>
                   <a:schemeClr val="tx1"/>
                 </a:solidFill>
-                <a:latin typeface="Helvetica" panose="020B0604020202020204" pitchFamily="34" charset="0"/>
+                <a:latin typeface="Helvetica" pitchFamily="34" charset="0"/>
                 <a:ea typeface="MS PGothic" panose="020B0600070205080204" pitchFamily="34" charset="-128"/>
               </a:defRPr>
             </a:lvl7pPr>
@@ -6976,7 +6960,7 @@
                 <a:solidFill>
                   <a:schemeClr val="tx1"/>
                 </a:solidFill>
-                <a:latin typeface="Helvetica" panose="020B0604020202020204" pitchFamily="34" charset="0"/>
+                <a:latin typeface="Helvetica" pitchFamily="34" charset="0"/>
                 <a:ea typeface="MS PGothic" panose="020B0600070205080204" pitchFamily="34" charset="-128"/>
               </a:defRPr>
             </a:lvl8pPr>
@@ -6991,7 +6975,7 @@
                 <a:solidFill>
                   <a:schemeClr val="tx1"/>
                 </a:solidFill>
-                <a:latin typeface="Helvetica" panose="020B0604020202020204" pitchFamily="34" charset="0"/>
+                <a:latin typeface="Helvetica" pitchFamily="34" charset="0"/>
                 <a:ea typeface="MS PGothic" panose="020B0600070205080204" pitchFamily="34" charset="-128"/>
               </a:defRPr>
             </a:lvl9pPr>
@@ -7058,7 +7042,7 @@
                 <a:solidFill>
                   <a:schemeClr val="tx1"/>
                 </a:solidFill>
-                <a:latin typeface="Helvetica" panose="020B0604020202020204" pitchFamily="34" charset="0"/>
+                <a:latin typeface="Helvetica" pitchFamily="34" charset="0"/>
                 <a:ea typeface="MS PGothic" panose="020B0600070205080204" pitchFamily="34" charset="-128"/>
               </a:defRPr>
             </a:lvl1pPr>
@@ -7067,7 +7051,7 @@
                 <a:solidFill>
                   <a:schemeClr val="tx1"/>
                 </a:solidFill>
-                <a:latin typeface="Helvetica" panose="020B0604020202020204" pitchFamily="34" charset="0"/>
+                <a:latin typeface="Helvetica" pitchFamily="34" charset="0"/>
                 <a:ea typeface="MS PGothic" panose="020B0600070205080204" pitchFamily="34" charset="-128"/>
               </a:defRPr>
             </a:lvl2pPr>
@@ -7076,7 +7060,7 @@
                 <a:solidFill>
                   <a:schemeClr val="tx1"/>
                 </a:solidFill>
-                <a:latin typeface="Helvetica" panose="020B0604020202020204" pitchFamily="34" charset="0"/>
+                <a:latin typeface="Helvetica" pitchFamily="34" charset="0"/>
                 <a:ea typeface="MS PGothic" panose="020B0600070205080204" pitchFamily="34" charset="-128"/>
               </a:defRPr>
             </a:lvl3pPr>
@@ -7085,7 +7069,7 @@
                 <a:solidFill>
                   <a:schemeClr val="tx1"/>
                 </a:solidFill>
-                <a:latin typeface="Helvetica" panose="020B0604020202020204" pitchFamily="34" charset="0"/>
+                <a:latin typeface="Helvetica" pitchFamily="34" charset="0"/>
                 <a:ea typeface="MS PGothic" panose="020B0600070205080204" pitchFamily="34" charset="-128"/>
               </a:defRPr>
             </a:lvl4pPr>
@@ -7094,7 +7078,7 @@
                 <a:solidFill>
                   <a:schemeClr val="tx1"/>
                 </a:solidFill>
-                <a:latin typeface="Helvetica" panose="020B0604020202020204" pitchFamily="34" charset="0"/>
+                <a:latin typeface="Helvetica" pitchFamily="34" charset="0"/>
                 <a:ea typeface="MS PGothic" panose="020B0600070205080204" pitchFamily="34" charset="-128"/>
               </a:defRPr>
             </a:lvl5pPr>
@@ -7109,7 +7093,7 @@
                 <a:solidFill>
                   <a:schemeClr val="tx1"/>
                 </a:solidFill>
-                <a:latin typeface="Helvetica" panose="020B0604020202020204" pitchFamily="34" charset="0"/>
+                <a:latin typeface="Helvetica" pitchFamily="34" charset="0"/>
                 <a:ea typeface="MS PGothic" panose="020B0600070205080204" pitchFamily="34" charset="-128"/>
               </a:defRPr>
             </a:lvl6pPr>
@@ -7124,7 +7108,7 @@
                 <a:solidFill>
                   <a:schemeClr val="tx1"/>
                 </a:solidFill>
-                <a:latin typeface="Helvetica" panose="020B0604020202020204" pitchFamily="34" charset="0"/>
+                <a:latin typeface="Helvetica" pitchFamily="34" charset="0"/>
                 <a:ea typeface="MS PGothic" panose="020B0600070205080204" pitchFamily="34" charset="-128"/>
               </a:defRPr>
             </a:lvl7pPr>
@@ -7139,7 +7123,7 @@
                 <a:solidFill>
                   <a:schemeClr val="tx1"/>
                 </a:solidFill>
-                <a:latin typeface="Helvetica" panose="020B0604020202020204" pitchFamily="34" charset="0"/>
+                <a:latin typeface="Helvetica" pitchFamily="34" charset="0"/>
                 <a:ea typeface="MS PGothic" panose="020B0600070205080204" pitchFamily="34" charset="-128"/>
               </a:defRPr>
             </a:lvl8pPr>
@@ -7154,7 +7138,7 @@
                 <a:solidFill>
                   <a:schemeClr val="tx1"/>
                 </a:solidFill>
-                <a:latin typeface="Helvetica" panose="020B0604020202020204" pitchFamily="34" charset="0"/>
+                <a:latin typeface="Helvetica" pitchFamily="34" charset="0"/>
                 <a:ea typeface="MS PGothic" panose="020B0600070205080204" pitchFamily="34" charset="-128"/>
               </a:defRPr>
             </a:lvl9pPr>
@@ -7212,7 +7196,7 @@
                 <a:solidFill>
                   <a:schemeClr val="tx1"/>
                 </a:solidFill>
-                <a:latin typeface="Helvetica" panose="020B0604020202020204" pitchFamily="34" charset="0"/>
+                <a:latin typeface="Helvetica" pitchFamily="34" charset="0"/>
                 <a:ea typeface="MS PGothic" panose="020B0600070205080204" pitchFamily="34" charset="-128"/>
               </a:defRPr>
             </a:lvl1pPr>
@@ -7221,7 +7205,7 @@
                 <a:solidFill>
                   <a:schemeClr val="tx1"/>
                 </a:solidFill>
-                <a:latin typeface="Helvetica" panose="020B0604020202020204" pitchFamily="34" charset="0"/>
+                <a:latin typeface="Helvetica" pitchFamily="34" charset="0"/>
                 <a:ea typeface="MS PGothic" panose="020B0600070205080204" pitchFamily="34" charset="-128"/>
               </a:defRPr>
             </a:lvl2pPr>
@@ -7230,7 +7214,7 @@
                 <a:solidFill>
                   <a:schemeClr val="tx1"/>
                 </a:solidFill>
-                <a:latin typeface="Helvetica" panose="020B0604020202020204" pitchFamily="34" charset="0"/>
+                <a:latin typeface="Helvetica" pitchFamily="34" charset="0"/>
                 <a:ea typeface="MS PGothic" panose="020B0600070205080204" pitchFamily="34" charset="-128"/>
               </a:defRPr>
             </a:lvl3pPr>
@@ -7239,7 +7223,7 @@
                 <a:solidFill>
                   <a:schemeClr val="tx1"/>
                 </a:solidFill>
-                <a:latin typeface="Helvetica" panose="020B0604020202020204" pitchFamily="34" charset="0"/>
+                <a:latin typeface="Helvetica" pitchFamily="34" charset="0"/>
                 <a:ea typeface="MS PGothic" panose="020B0600070205080204" pitchFamily="34" charset="-128"/>
               </a:defRPr>
             </a:lvl4pPr>
@@ -7248,7 +7232,7 @@
                 <a:solidFill>
                   <a:schemeClr val="tx1"/>
                 </a:solidFill>
-                <a:latin typeface="Helvetica" panose="020B0604020202020204" pitchFamily="34" charset="0"/>
+                <a:latin typeface="Helvetica" pitchFamily="34" charset="0"/>
                 <a:ea typeface="MS PGothic" panose="020B0600070205080204" pitchFamily="34" charset="-128"/>
               </a:defRPr>
             </a:lvl5pPr>
@@ -7263,7 +7247,7 @@
                 <a:solidFill>
                   <a:schemeClr val="tx1"/>
                 </a:solidFill>
-                <a:latin typeface="Helvetica" panose="020B0604020202020204" pitchFamily="34" charset="0"/>
+                <a:latin typeface="Helvetica" pitchFamily="34" charset="0"/>
                 <a:ea typeface="MS PGothic" panose="020B0600070205080204" pitchFamily="34" charset="-128"/>
               </a:defRPr>
             </a:lvl6pPr>
@@ -7278,7 +7262,7 @@
                 <a:solidFill>
                   <a:schemeClr val="tx1"/>
                 </a:solidFill>
-                <a:latin typeface="Helvetica" panose="020B0604020202020204" pitchFamily="34" charset="0"/>
+                <a:latin typeface="Helvetica" pitchFamily="34" charset="0"/>
                 <a:ea typeface="MS PGothic" panose="020B0600070205080204" pitchFamily="34" charset="-128"/>
               </a:defRPr>
             </a:lvl7pPr>
@@ -7293,7 +7277,7 @@
                 <a:solidFill>
                   <a:schemeClr val="tx1"/>
                 </a:solidFill>
-                <a:latin typeface="Helvetica" panose="020B0604020202020204" pitchFamily="34" charset="0"/>
+                <a:latin typeface="Helvetica" pitchFamily="34" charset="0"/>
                 <a:ea typeface="MS PGothic" panose="020B0600070205080204" pitchFamily="34" charset="-128"/>
               </a:defRPr>
             </a:lvl8pPr>
@@ -7308,7 +7292,7 @@
                 <a:solidFill>
                   <a:schemeClr val="tx1"/>
                 </a:solidFill>
-                <a:latin typeface="Helvetica" panose="020B0604020202020204" pitchFamily="34" charset="0"/>
+                <a:latin typeface="Helvetica" pitchFamily="34" charset="0"/>
                 <a:ea typeface="MS PGothic" panose="020B0600070205080204" pitchFamily="34" charset="-128"/>
               </a:defRPr>
             </a:lvl9pPr>
@@ -7445,7 +7429,7 @@
                 <a:solidFill>
                   <a:schemeClr val="tx1"/>
                 </a:solidFill>
-                <a:latin typeface="Helvetica" panose="020B0604020202020204" pitchFamily="34" charset="0"/>
+                <a:latin typeface="Helvetica" pitchFamily="34" charset="0"/>
                 <a:ea typeface="MS PGothic" panose="020B0600070205080204" pitchFamily="34" charset="-128"/>
               </a:defRPr>
             </a:lvl1pPr>
@@ -7454,7 +7438,7 @@
                 <a:solidFill>
                   <a:schemeClr val="tx1"/>
                 </a:solidFill>
-                <a:latin typeface="Helvetica" panose="020B0604020202020204" pitchFamily="34" charset="0"/>
+                <a:latin typeface="Helvetica" pitchFamily="34" charset="0"/>
                 <a:ea typeface="MS PGothic" panose="020B0600070205080204" pitchFamily="34" charset="-128"/>
               </a:defRPr>
             </a:lvl2pPr>
@@ -7463,7 +7447,7 @@
                 <a:solidFill>
                   <a:schemeClr val="tx1"/>
                 </a:solidFill>
-                <a:latin typeface="Helvetica" panose="020B0604020202020204" pitchFamily="34" charset="0"/>
+                <a:latin typeface="Helvetica" pitchFamily="34" charset="0"/>
                 <a:ea typeface="MS PGothic" panose="020B0600070205080204" pitchFamily="34" charset="-128"/>
               </a:defRPr>
             </a:lvl3pPr>
@@ -7472,7 +7456,7 @@
                 <a:solidFill>
                   <a:schemeClr val="tx1"/>
                 </a:solidFill>
-                <a:latin typeface="Helvetica" panose="020B0604020202020204" pitchFamily="34" charset="0"/>
+                <a:latin typeface="Helvetica" pitchFamily="34" charset="0"/>
                 <a:ea typeface="MS PGothic" panose="020B0600070205080204" pitchFamily="34" charset="-128"/>
               </a:defRPr>
             </a:lvl4pPr>
@@ -7481,7 +7465,7 @@
                 <a:solidFill>
                   <a:schemeClr val="tx1"/>
                 </a:solidFill>
-                <a:latin typeface="Helvetica" panose="020B0604020202020204" pitchFamily="34" charset="0"/>
+                <a:latin typeface="Helvetica" pitchFamily="34" charset="0"/>
                 <a:ea typeface="MS PGothic" panose="020B0600070205080204" pitchFamily="34" charset="-128"/>
               </a:defRPr>
             </a:lvl5pPr>
@@ -7496,7 +7480,7 @@
                 <a:solidFill>
                   <a:schemeClr val="tx1"/>
                 </a:solidFill>
-                <a:latin typeface="Helvetica" panose="020B0604020202020204" pitchFamily="34" charset="0"/>
+                <a:latin typeface="Helvetica" pitchFamily="34" charset="0"/>
                 <a:ea typeface="MS PGothic" panose="020B0600070205080204" pitchFamily="34" charset="-128"/>
               </a:defRPr>
             </a:lvl6pPr>
@@ -7511,7 +7495,7 @@
                 <a:solidFill>
                   <a:schemeClr val="tx1"/>
                 </a:solidFill>
-                <a:latin typeface="Helvetica" panose="020B0604020202020204" pitchFamily="34" charset="0"/>
+                <a:latin typeface="Helvetica" pitchFamily="34" charset="0"/>
                 <a:ea typeface="MS PGothic" panose="020B0600070205080204" pitchFamily="34" charset="-128"/>
               </a:defRPr>
             </a:lvl7pPr>
@@ -7526,7 +7510,7 @@
                 <a:solidFill>
                   <a:schemeClr val="tx1"/>
                 </a:solidFill>
-                <a:latin typeface="Helvetica" panose="020B0604020202020204" pitchFamily="34" charset="0"/>
+                <a:latin typeface="Helvetica" pitchFamily="34" charset="0"/>
                 <a:ea typeface="MS PGothic" panose="020B0600070205080204" pitchFamily="34" charset="-128"/>
               </a:defRPr>
             </a:lvl8pPr>
@@ -7541,7 +7525,7 @@
                 <a:solidFill>
                   <a:schemeClr val="tx1"/>
                 </a:solidFill>
-                <a:latin typeface="Helvetica" panose="020B0604020202020204" pitchFamily="34" charset="0"/>
+                <a:latin typeface="Helvetica" pitchFamily="34" charset="0"/>
                 <a:ea typeface="MS PGothic" panose="020B0600070205080204" pitchFamily="34" charset="-128"/>
               </a:defRPr>
             </a:lvl9pPr>
@@ -7673,7 +7657,7 @@
                 <a:solidFill>
                   <a:schemeClr val="tx1"/>
                 </a:solidFill>
-                <a:latin typeface="Helvetica" panose="020B0604020202020204" pitchFamily="34" charset="0"/>
+                <a:latin typeface="Helvetica" pitchFamily="34" charset="0"/>
                 <a:ea typeface="MS PGothic" panose="020B0600070205080204" pitchFamily="34" charset="-128"/>
               </a:defRPr>
             </a:lvl1pPr>
@@ -7682,7 +7666,7 @@
                 <a:solidFill>
                   <a:schemeClr val="tx1"/>
                 </a:solidFill>
-                <a:latin typeface="Helvetica" panose="020B0604020202020204" pitchFamily="34" charset="0"/>
+                <a:latin typeface="Helvetica" pitchFamily="34" charset="0"/>
                 <a:ea typeface="MS PGothic" panose="020B0600070205080204" pitchFamily="34" charset="-128"/>
               </a:defRPr>
             </a:lvl2pPr>
@@ -7691,7 +7675,7 @@
                 <a:solidFill>
                   <a:schemeClr val="tx1"/>
                 </a:solidFill>
-                <a:latin typeface="Helvetica" panose="020B0604020202020204" pitchFamily="34" charset="0"/>
+                <a:latin typeface="Helvetica" pitchFamily="34" charset="0"/>
                 <a:ea typeface="MS PGothic" panose="020B0600070205080204" pitchFamily="34" charset="-128"/>
               </a:defRPr>
             </a:lvl3pPr>
@@ -7700,7 +7684,7 @@
                 <a:solidFill>
                   <a:schemeClr val="tx1"/>
                 </a:solidFill>
-                <a:latin typeface="Helvetica" panose="020B0604020202020204" pitchFamily="34" charset="0"/>
+                <a:latin typeface="Helvetica" pitchFamily="34" charset="0"/>
                 <a:ea typeface="MS PGothic" panose="020B0600070205080204" pitchFamily="34" charset="-128"/>
               </a:defRPr>
             </a:lvl4pPr>
@@ -7709,7 +7693,7 @@
                 <a:solidFill>
                   <a:schemeClr val="tx1"/>
                 </a:solidFill>
-                <a:latin typeface="Helvetica" panose="020B0604020202020204" pitchFamily="34" charset="0"/>
+                <a:latin typeface="Helvetica" pitchFamily="34" charset="0"/>
                 <a:ea typeface="MS PGothic" panose="020B0600070205080204" pitchFamily="34" charset="-128"/>
               </a:defRPr>
             </a:lvl5pPr>
@@ -7724,7 +7708,7 @@
                 <a:solidFill>
                   <a:schemeClr val="tx1"/>
                 </a:solidFill>
-                <a:latin typeface="Helvetica" panose="020B0604020202020204" pitchFamily="34" charset="0"/>
+                <a:latin typeface="Helvetica" pitchFamily="34" charset="0"/>
                 <a:ea typeface="MS PGothic" panose="020B0600070205080204" pitchFamily="34" charset="-128"/>
               </a:defRPr>
             </a:lvl6pPr>
@@ -7739,7 +7723,7 @@
                 <a:solidFill>
                   <a:schemeClr val="tx1"/>
                 </a:solidFill>
-                <a:latin typeface="Helvetica" panose="020B0604020202020204" pitchFamily="34" charset="0"/>
+                <a:latin typeface="Helvetica" pitchFamily="34" charset="0"/>
                 <a:ea typeface="MS PGothic" panose="020B0600070205080204" pitchFamily="34" charset="-128"/>
               </a:defRPr>
             </a:lvl7pPr>
@@ -7754,7 +7738,7 @@
                 <a:solidFill>
                   <a:schemeClr val="tx1"/>
                 </a:solidFill>
-                <a:latin typeface="Helvetica" panose="020B0604020202020204" pitchFamily="34" charset="0"/>
+                <a:latin typeface="Helvetica" pitchFamily="34" charset="0"/>
                 <a:ea typeface="MS PGothic" panose="020B0600070205080204" pitchFamily="34" charset="-128"/>
               </a:defRPr>
             </a:lvl8pPr>
@@ -7769,7 +7753,7 @@
                 <a:solidFill>
                   <a:schemeClr val="tx1"/>
                 </a:solidFill>
-                <a:latin typeface="Helvetica" panose="020B0604020202020204" pitchFamily="34" charset="0"/>
+                <a:latin typeface="Helvetica" pitchFamily="34" charset="0"/>
                 <a:ea typeface="MS PGothic" panose="020B0600070205080204" pitchFamily="34" charset="-128"/>
               </a:defRPr>
             </a:lvl9pPr>
@@ -7901,7 +7885,7 @@
                 <a:solidFill>
                   <a:schemeClr val="tx1"/>
                 </a:solidFill>
-                <a:latin typeface="Helvetica" panose="020B0604020202020204" pitchFamily="34" charset="0"/>
+                <a:latin typeface="Helvetica" pitchFamily="34" charset="0"/>
                 <a:ea typeface="MS PGothic" panose="020B0600070205080204" pitchFamily="34" charset="-128"/>
               </a:defRPr>
             </a:lvl1pPr>
@@ -7910,7 +7894,7 @@
                 <a:solidFill>
                   <a:schemeClr val="tx1"/>
                 </a:solidFill>
-                <a:latin typeface="Helvetica" panose="020B0604020202020204" pitchFamily="34" charset="0"/>
+                <a:latin typeface="Helvetica" pitchFamily="34" charset="0"/>
                 <a:ea typeface="MS PGothic" panose="020B0600070205080204" pitchFamily="34" charset="-128"/>
               </a:defRPr>
             </a:lvl2pPr>
@@ -7919,7 +7903,7 @@
                 <a:solidFill>
                   <a:schemeClr val="tx1"/>
                 </a:solidFill>
-                <a:latin typeface="Helvetica" panose="020B0604020202020204" pitchFamily="34" charset="0"/>
+                <a:latin typeface="Helvetica" pitchFamily="34" charset="0"/>
                 <a:ea typeface="MS PGothic" panose="020B0600070205080204" pitchFamily="34" charset="-128"/>
               </a:defRPr>
             </a:lvl3pPr>
@@ -7928,7 +7912,7 @@
                 <a:solidFill>
                   <a:schemeClr val="tx1"/>
                 </a:solidFill>
-                <a:latin typeface="Helvetica" panose="020B0604020202020204" pitchFamily="34" charset="0"/>
+                <a:latin typeface="Helvetica" pitchFamily="34" charset="0"/>
                 <a:ea typeface="MS PGothic" panose="020B0600070205080204" pitchFamily="34" charset="-128"/>
               </a:defRPr>
             </a:lvl4pPr>
@@ -7937,7 +7921,7 @@
                 <a:solidFill>
                   <a:schemeClr val="tx1"/>
                 </a:solidFill>
-                <a:latin typeface="Helvetica" panose="020B0604020202020204" pitchFamily="34" charset="0"/>
+                <a:latin typeface="Helvetica" pitchFamily="34" charset="0"/>
                 <a:ea typeface="MS PGothic" panose="020B0600070205080204" pitchFamily="34" charset="-128"/>
               </a:defRPr>
             </a:lvl5pPr>
@@ -7952,7 +7936,7 @@
                 <a:solidFill>
                   <a:schemeClr val="tx1"/>
                 </a:solidFill>
-                <a:latin typeface="Helvetica" panose="020B0604020202020204" pitchFamily="34" charset="0"/>
+                <a:latin typeface="Helvetica" pitchFamily="34" charset="0"/>
                 <a:ea typeface="MS PGothic" panose="020B0600070205080204" pitchFamily="34" charset="-128"/>
               </a:defRPr>
             </a:lvl6pPr>
@@ -7967,7 +7951,7 @@
                 <a:solidFill>
                   <a:schemeClr val="tx1"/>
                 </a:solidFill>
-                <a:latin typeface="Helvetica" panose="020B0604020202020204" pitchFamily="34" charset="0"/>
+                <a:latin typeface="Helvetica" pitchFamily="34" charset="0"/>
                 <a:ea typeface="MS PGothic" panose="020B0600070205080204" pitchFamily="34" charset="-128"/>
               </a:defRPr>
             </a:lvl7pPr>
@@ -7982,7 +7966,7 @@
                 <a:solidFill>
                   <a:schemeClr val="tx1"/>
                 </a:solidFill>
-                <a:latin typeface="Helvetica" panose="020B0604020202020204" pitchFamily="34" charset="0"/>
+                <a:latin typeface="Helvetica" pitchFamily="34" charset="0"/>
                 <a:ea typeface="MS PGothic" panose="020B0600070205080204" pitchFamily="34" charset="-128"/>
               </a:defRPr>
             </a:lvl8pPr>
@@ -7997,7 +7981,7 @@
                 <a:solidFill>
                   <a:schemeClr val="tx1"/>
                 </a:solidFill>
-                <a:latin typeface="Helvetica" panose="020B0604020202020204" pitchFamily="34" charset="0"/>
+                <a:latin typeface="Helvetica" pitchFamily="34" charset="0"/>
                 <a:ea typeface="MS PGothic" panose="020B0600070205080204" pitchFamily="34" charset="-128"/>
               </a:defRPr>
             </a:lvl9pPr>
@@ -8129,7 +8113,7 @@
                 <a:solidFill>
                   <a:schemeClr val="tx1"/>
                 </a:solidFill>
-                <a:latin typeface="Helvetica" panose="020B0604020202020204" pitchFamily="34" charset="0"/>
+                <a:latin typeface="Helvetica" pitchFamily="34" charset="0"/>
                 <a:ea typeface="MS PGothic" panose="020B0600070205080204" pitchFamily="34" charset="-128"/>
               </a:defRPr>
             </a:lvl1pPr>
@@ -8138,7 +8122,7 @@
                 <a:solidFill>
                   <a:schemeClr val="tx1"/>
                 </a:solidFill>
-                <a:latin typeface="Helvetica" panose="020B0604020202020204" pitchFamily="34" charset="0"/>
+                <a:latin typeface="Helvetica" pitchFamily="34" charset="0"/>
                 <a:ea typeface="MS PGothic" panose="020B0600070205080204" pitchFamily="34" charset="-128"/>
               </a:defRPr>
             </a:lvl2pPr>
@@ -8147,7 +8131,7 @@
                 <a:solidFill>
                   <a:schemeClr val="tx1"/>
                 </a:solidFill>
-                <a:latin typeface="Helvetica" panose="020B0604020202020204" pitchFamily="34" charset="0"/>
+                <a:latin typeface="Helvetica" pitchFamily="34" charset="0"/>
                 <a:ea typeface="MS PGothic" panose="020B0600070205080204" pitchFamily="34" charset="-128"/>
               </a:defRPr>
             </a:lvl3pPr>
@@ -8156,7 +8140,7 @@
                 <a:solidFill>
                   <a:schemeClr val="tx1"/>
                 </a:solidFill>
-                <a:latin typeface="Helvetica" panose="020B0604020202020204" pitchFamily="34" charset="0"/>
+                <a:latin typeface="Helvetica" pitchFamily="34" charset="0"/>
                 <a:ea typeface="MS PGothic" panose="020B0600070205080204" pitchFamily="34" charset="-128"/>
               </a:defRPr>
             </a:lvl4pPr>
@@ -8165,7 +8149,7 @@
                 <a:solidFill>
                   <a:schemeClr val="tx1"/>
                 </a:solidFill>
-                <a:latin typeface="Helvetica" panose="020B0604020202020204" pitchFamily="34" charset="0"/>
+                <a:latin typeface="Helvetica" pitchFamily="34" charset="0"/>
                 <a:ea typeface="MS PGothic" panose="020B0600070205080204" pitchFamily="34" charset="-128"/>
               </a:defRPr>
             </a:lvl5pPr>
@@ -8180,7 +8164,7 @@
                 <a:solidFill>
                   <a:schemeClr val="tx1"/>
                 </a:solidFill>
-                <a:latin typeface="Helvetica" panose="020B0604020202020204" pitchFamily="34" charset="0"/>
+                <a:latin typeface="Helvetica" pitchFamily="34" charset="0"/>
                 <a:ea typeface="MS PGothic" panose="020B0600070205080204" pitchFamily="34" charset="-128"/>
               </a:defRPr>
             </a:lvl6pPr>
@@ -8195,7 +8179,7 @@
                 <a:solidFill>
                   <a:schemeClr val="tx1"/>
                 </a:solidFill>
-                <a:latin typeface="Helvetica" panose="020B0604020202020204" pitchFamily="34" charset="0"/>
+                <a:latin typeface="Helvetica" pitchFamily="34" charset="0"/>
                 <a:ea typeface="MS PGothic" panose="020B0600070205080204" pitchFamily="34" charset="-128"/>
               </a:defRPr>
             </a:lvl7pPr>
@@ -8210,7 +8194,7 @@
                 <a:solidFill>
                   <a:schemeClr val="tx1"/>
                 </a:solidFill>
-                <a:latin typeface="Helvetica" panose="020B0604020202020204" pitchFamily="34" charset="0"/>
+                <a:latin typeface="Helvetica" pitchFamily="34" charset="0"/>
                 <a:ea typeface="MS PGothic" panose="020B0600070205080204" pitchFamily="34" charset="-128"/>
               </a:defRPr>
             </a:lvl8pPr>
@@ -8225,7 +8209,7 @@
                 <a:solidFill>
                   <a:schemeClr val="tx1"/>
                 </a:solidFill>
-                <a:latin typeface="Helvetica" panose="020B0604020202020204" pitchFamily="34" charset="0"/>
+                <a:latin typeface="Helvetica" pitchFamily="34" charset="0"/>
                 <a:ea typeface="MS PGothic" panose="020B0600070205080204" pitchFamily="34" charset="-128"/>
               </a:defRPr>
             </a:lvl9pPr>
@@ -8357,7 +8341,7 @@
                 <a:solidFill>
                   <a:schemeClr val="tx1"/>
                 </a:solidFill>
-                <a:latin typeface="Helvetica" panose="020B0604020202020204" pitchFamily="34" charset="0"/>
+                <a:latin typeface="Helvetica" pitchFamily="34" charset="0"/>
                 <a:ea typeface="MS PGothic" panose="020B0600070205080204" pitchFamily="34" charset="-128"/>
               </a:defRPr>
             </a:lvl1pPr>
@@ -8366,7 +8350,7 @@
                 <a:solidFill>
                   <a:schemeClr val="tx1"/>
                 </a:solidFill>
-                <a:latin typeface="Helvetica" panose="020B0604020202020204" pitchFamily="34" charset="0"/>
+                <a:latin typeface="Helvetica" pitchFamily="34" charset="0"/>
                 <a:ea typeface="MS PGothic" panose="020B0600070205080204" pitchFamily="34" charset="-128"/>
               </a:defRPr>
             </a:lvl2pPr>
@@ -8375,7 +8359,7 @@
                 <a:solidFill>
                   <a:schemeClr val="tx1"/>
                 </a:solidFill>
-                <a:latin typeface="Helvetica" panose="020B0604020202020204" pitchFamily="34" charset="0"/>
+                <a:latin typeface="Helvetica" pitchFamily="34" charset="0"/>
                 <a:ea typeface="MS PGothic" panose="020B0600070205080204" pitchFamily="34" charset="-128"/>
               </a:defRPr>
             </a:lvl3pPr>
@@ -8384,7 +8368,7 @@
                 <a:solidFill>
                   <a:schemeClr val="tx1"/>
                 </a:solidFill>
-                <a:latin typeface="Helvetica" panose="020B0604020202020204" pitchFamily="34" charset="0"/>
+                <a:latin typeface="Helvetica" pitchFamily="34" charset="0"/>
                 <a:ea typeface="MS PGothic" panose="020B0600070205080204" pitchFamily="34" charset="-128"/>
               </a:defRPr>
             </a:lvl4pPr>
@@ -8393,7 +8377,7 @@
                 <a:solidFill>
                   <a:schemeClr val="tx1"/>
                 </a:solidFill>
-                <a:latin typeface="Helvetica" panose="020B0604020202020204" pitchFamily="34" charset="0"/>
+                <a:latin typeface="Helvetica" pitchFamily="34" charset="0"/>
                 <a:ea typeface="MS PGothic" panose="020B0600070205080204" pitchFamily="34" charset="-128"/>
               </a:defRPr>
             </a:lvl5pPr>
@@ -8408,7 +8392,7 @@
                 <a:solidFill>
                   <a:schemeClr val="tx1"/>
                 </a:solidFill>
-                <a:latin typeface="Helvetica" panose="020B0604020202020204" pitchFamily="34" charset="0"/>
+                <a:latin typeface="Helvetica" pitchFamily="34" charset="0"/>
                 <a:ea typeface="MS PGothic" panose="020B0600070205080204" pitchFamily="34" charset="-128"/>
               </a:defRPr>
             </a:lvl6pPr>
@@ -8423,7 +8407,7 @@
                 <a:solidFill>
                   <a:schemeClr val="tx1"/>
                 </a:solidFill>
-                <a:latin typeface="Helvetica" panose="020B0604020202020204" pitchFamily="34" charset="0"/>
+                <a:latin typeface="Helvetica" pitchFamily="34" charset="0"/>
                 <a:ea typeface="MS PGothic" panose="020B0600070205080204" pitchFamily="34" charset="-128"/>
               </a:defRPr>
             </a:lvl7pPr>
@@ -8438,7 +8422,7 @@
                 <a:solidFill>
                   <a:schemeClr val="tx1"/>
                 </a:solidFill>
-                <a:latin typeface="Helvetica" panose="020B0604020202020204" pitchFamily="34" charset="0"/>
+                <a:latin typeface="Helvetica" pitchFamily="34" charset="0"/>
                 <a:ea typeface="MS PGothic" panose="020B0600070205080204" pitchFamily="34" charset="-128"/>
               </a:defRPr>
             </a:lvl8pPr>
@@ -8453,7 +8437,7 @@
                 <a:solidFill>
                   <a:schemeClr val="tx1"/>
                 </a:solidFill>
-                <a:latin typeface="Helvetica" panose="020B0604020202020204" pitchFamily="34" charset="0"/>
+                <a:latin typeface="Helvetica" pitchFamily="34" charset="0"/>
                 <a:ea typeface="MS PGothic" panose="020B0600070205080204" pitchFamily="34" charset="-128"/>
               </a:defRPr>
             </a:lvl9pPr>
@@ -8576,7 +8560,7 @@
                 <a:solidFill>
                   <a:schemeClr val="tx1"/>
                 </a:solidFill>
-                <a:latin typeface="Helvetica" panose="020B0604020202020204" pitchFamily="34" charset="0"/>
+                <a:latin typeface="Helvetica" pitchFamily="34" charset="0"/>
                 <a:ea typeface="MS PGothic" panose="020B0600070205080204" pitchFamily="34" charset="-128"/>
               </a:defRPr>
             </a:lvl1pPr>
@@ -8585,7 +8569,7 @@
                 <a:solidFill>
                   <a:schemeClr val="tx1"/>
                 </a:solidFill>
-                <a:latin typeface="Helvetica" panose="020B0604020202020204" pitchFamily="34" charset="0"/>
+                <a:latin typeface="Helvetica" pitchFamily="34" charset="0"/>
                 <a:ea typeface="MS PGothic" panose="020B0600070205080204" pitchFamily="34" charset="-128"/>
               </a:defRPr>
             </a:lvl2pPr>
@@ -8594,7 +8578,7 @@
                 <a:solidFill>
                   <a:schemeClr val="tx1"/>
                 </a:solidFill>
-                <a:latin typeface="Helvetica" panose="020B0604020202020204" pitchFamily="34" charset="0"/>
+                <a:latin typeface="Helvetica" pitchFamily="34" charset="0"/>
                 <a:ea typeface="MS PGothic" panose="020B0600070205080204" pitchFamily="34" charset="-128"/>
               </a:defRPr>
             </a:lvl3pPr>
@@ -8603,7 +8587,7 @@
                 <a:solidFill>
                   <a:schemeClr val="tx1"/>
                 </a:solidFill>
-                <a:latin typeface="Helvetica" panose="020B0604020202020204" pitchFamily="34" charset="0"/>
+                <a:latin typeface="Helvetica" pitchFamily="34" charset="0"/>
                 <a:ea typeface="MS PGothic" panose="020B0600070205080204" pitchFamily="34" charset="-128"/>
               </a:defRPr>
             </a:lvl4pPr>
@@ -8612,7 +8596,7 @@
                 <a:solidFill>
                   <a:schemeClr val="tx1"/>
                 </a:solidFill>
-                <a:latin typeface="Helvetica" panose="020B0604020202020204" pitchFamily="34" charset="0"/>
+                <a:latin typeface="Helvetica" pitchFamily="34" charset="0"/>
                 <a:ea typeface="MS PGothic" panose="020B0600070205080204" pitchFamily="34" charset="-128"/>
               </a:defRPr>
             </a:lvl5pPr>
@@ -8627,7 +8611,7 @@
                 <a:solidFill>
                   <a:schemeClr val="tx1"/>
                 </a:solidFill>
-                <a:latin typeface="Helvetica" panose="020B0604020202020204" pitchFamily="34" charset="0"/>
+                <a:latin typeface="Helvetica" pitchFamily="34" charset="0"/>
                 <a:ea typeface="MS PGothic" panose="020B0600070205080204" pitchFamily="34" charset="-128"/>
               </a:defRPr>
             </a:lvl6pPr>
@@ -8642,7 +8626,7 @@
                 <a:solidFill>
                   <a:schemeClr val="tx1"/>
                 </a:solidFill>
-                <a:latin typeface="Helvetica" panose="020B0604020202020204" pitchFamily="34" charset="0"/>
+                <a:latin typeface="Helvetica" pitchFamily="34" charset="0"/>
                 <a:ea typeface="MS PGothic" panose="020B0600070205080204" pitchFamily="34" charset="-128"/>
               </a:defRPr>
             </a:lvl7pPr>
@@ -8657,7 +8641,7 @@
                 <a:solidFill>
                   <a:schemeClr val="tx1"/>
                 </a:solidFill>
-                <a:latin typeface="Helvetica" panose="020B0604020202020204" pitchFamily="34" charset="0"/>
+                <a:latin typeface="Helvetica" pitchFamily="34" charset="0"/>
                 <a:ea typeface="MS PGothic" panose="020B0600070205080204" pitchFamily="34" charset="-128"/>
               </a:defRPr>
             </a:lvl8pPr>
@@ -8672,7 +8656,7 @@
                 <a:solidFill>
                   <a:schemeClr val="tx1"/>
                 </a:solidFill>
-                <a:latin typeface="Helvetica" panose="020B0604020202020204" pitchFamily="34" charset="0"/>
+                <a:latin typeface="Helvetica" pitchFamily="34" charset="0"/>
                 <a:ea typeface="MS PGothic" panose="020B0600070205080204" pitchFamily="34" charset="-128"/>
               </a:defRPr>
             </a:lvl9pPr>
@@ -11110,7 +11094,7 @@
                 <a:solidFill>
                   <a:schemeClr val="tx1"/>
                 </a:solidFill>
-                <a:latin typeface="Helvetica" panose="020B0604020202020204" pitchFamily="34" charset="0"/>
+                <a:latin typeface="Helvetica" pitchFamily="34" charset="0"/>
                 <a:ea typeface="MS PGothic" panose="020B0600070205080204" pitchFamily="34" charset="-128"/>
                 <a:cs typeface="MS PGothic" panose="020B0600070205080204" pitchFamily="34" charset="-128"/>
               </a:defRPr>
@@ -11120,7 +11104,7 @@
                 <a:solidFill>
                   <a:schemeClr val="tx1"/>
                 </a:solidFill>
-                <a:latin typeface="Helvetica" panose="020B0604020202020204" pitchFamily="34" charset="0"/>
+                <a:latin typeface="Helvetica" pitchFamily="34" charset="0"/>
                 <a:ea typeface="MS PGothic" panose="020B0600070205080204" pitchFamily="34" charset="-128"/>
               </a:defRPr>
             </a:lvl2pPr>
@@ -11129,7 +11113,7 @@
                 <a:solidFill>
                   <a:schemeClr val="tx1"/>
                 </a:solidFill>
-                <a:latin typeface="Helvetica" panose="020B0604020202020204" pitchFamily="34" charset="0"/>
+                <a:latin typeface="Helvetica" pitchFamily="34" charset="0"/>
                 <a:ea typeface="MS PGothic" panose="020B0600070205080204" pitchFamily="34" charset="-128"/>
               </a:defRPr>
             </a:lvl3pPr>
@@ -11138,7 +11122,7 @@
                 <a:solidFill>
                   <a:schemeClr val="tx1"/>
                 </a:solidFill>
-                <a:latin typeface="Helvetica" panose="020B0604020202020204" pitchFamily="34" charset="0"/>
+                <a:latin typeface="Helvetica" pitchFamily="34" charset="0"/>
                 <a:ea typeface="MS PGothic" panose="020B0600070205080204" pitchFamily="34" charset="-128"/>
               </a:defRPr>
             </a:lvl4pPr>
@@ -11147,7 +11131,7 @@
                 <a:solidFill>
                   <a:schemeClr val="tx1"/>
                 </a:solidFill>
-                <a:latin typeface="Helvetica" panose="020B0604020202020204" pitchFamily="34" charset="0"/>
+                <a:latin typeface="Helvetica" pitchFamily="34" charset="0"/>
                 <a:ea typeface="MS PGothic" panose="020B0600070205080204" pitchFamily="34" charset="-128"/>
               </a:defRPr>
             </a:lvl5pPr>
@@ -11162,7 +11146,7 @@
                 <a:solidFill>
                   <a:schemeClr val="tx1"/>
                 </a:solidFill>
-                <a:latin typeface="Helvetica" panose="020B0604020202020204" pitchFamily="34" charset="0"/>
+                <a:latin typeface="Helvetica" pitchFamily="34" charset="0"/>
                 <a:ea typeface="MS PGothic" panose="020B0600070205080204" pitchFamily="34" charset="-128"/>
               </a:defRPr>
             </a:lvl6pPr>
@@ -11177,7 +11161,7 @@
                 <a:solidFill>
                   <a:schemeClr val="tx1"/>
                 </a:solidFill>
-                <a:latin typeface="Helvetica" panose="020B0604020202020204" pitchFamily="34" charset="0"/>
+                <a:latin typeface="Helvetica" pitchFamily="34" charset="0"/>
                 <a:ea typeface="MS PGothic" panose="020B0600070205080204" pitchFamily="34" charset="-128"/>
               </a:defRPr>
             </a:lvl7pPr>
@@ -11192,7 +11176,7 @@
                 <a:solidFill>
                   <a:schemeClr val="tx1"/>
                 </a:solidFill>
-                <a:latin typeface="Helvetica" panose="020B0604020202020204" pitchFamily="34" charset="0"/>
+                <a:latin typeface="Helvetica" pitchFamily="34" charset="0"/>
                 <a:ea typeface="MS PGothic" panose="020B0600070205080204" pitchFamily="34" charset="-128"/>
               </a:defRPr>
             </a:lvl8pPr>
@@ -11207,7 +11191,7 @@
                 <a:solidFill>
                   <a:schemeClr val="tx1"/>
                 </a:solidFill>
-                <a:latin typeface="Helvetica" panose="020B0604020202020204" pitchFamily="34" charset="0"/>
+                <a:latin typeface="Helvetica" pitchFamily="34" charset="0"/>
                 <a:ea typeface="MS PGothic" panose="020B0600070205080204" pitchFamily="34" charset="-128"/>
               </a:defRPr>
             </a:lvl9pPr>
@@ -11932,7 +11916,7 @@
               <a:srgbClr val="DDDDDD"/>
             </a:outerShdw>
           </a:effectLst>
-          <a:latin typeface="Helvetica" panose="020B0604020202020204" pitchFamily="34" charset="0"/>
+          <a:latin typeface="Helvetica" pitchFamily="34" charset="0"/>
           <a:ea typeface="MS PGothic" panose="020B0600070205080204" pitchFamily="34" charset="-128"/>
           <a:cs typeface="MS PGothic" panose="020B0600070205080204" pitchFamily="34" charset="-128"/>
         </a:defRPr>
@@ -11953,7 +11937,7 @@
               <a:srgbClr val="DDDDDD"/>
             </a:outerShdw>
           </a:effectLst>
-          <a:latin typeface="Helvetica" panose="020B0604020202020204" pitchFamily="34" charset="0"/>
+          <a:latin typeface="Helvetica" pitchFamily="34" charset="0"/>
           <a:ea typeface="MS PGothic" panose="020B0600070205080204" pitchFamily="34" charset="-128"/>
           <a:cs typeface="MS PGothic" panose="020B0600070205080204" pitchFamily="34" charset="-128"/>
         </a:defRPr>
@@ -11974,7 +11958,7 @@
               <a:srgbClr val="DDDDDD"/>
             </a:outerShdw>
           </a:effectLst>
-          <a:latin typeface="Helvetica" panose="020B0604020202020204" pitchFamily="34" charset="0"/>
+          <a:latin typeface="Helvetica" pitchFamily="34" charset="0"/>
           <a:ea typeface="MS PGothic" panose="020B0600070205080204" pitchFamily="34" charset="-128"/>
           <a:cs typeface="MS PGothic" panose="020B0600070205080204" pitchFamily="34" charset="-128"/>
         </a:defRPr>
@@ -11995,7 +11979,7 @@
               <a:srgbClr val="DDDDDD"/>
             </a:outerShdw>
           </a:effectLst>
-          <a:latin typeface="Helvetica" panose="020B0604020202020204" pitchFamily="34" charset="0"/>
+          <a:latin typeface="Helvetica" pitchFamily="34" charset="0"/>
           <a:ea typeface="MS PGothic" panose="020B0600070205080204" pitchFamily="34" charset="-128"/>
           <a:cs typeface="MS PGothic" panose="020B0600070205080204" pitchFamily="34" charset="-128"/>
         </a:defRPr>
@@ -12016,7 +12000,7 @@
               <a:srgbClr val="DDDDDD"/>
             </a:outerShdw>
           </a:effectLst>
-          <a:latin typeface="Helvetica" panose="020B0604020202020204" pitchFamily="34" charset="0"/>
+          <a:latin typeface="Helvetica" pitchFamily="34" charset="0"/>
         </a:defRPr>
       </a:lvl6pPr>
       <a:lvl7pPr marL="914400" algn="ctr" rtl="0" eaLnBrk="0" fontAlgn="base" hangingPunct="0">
@@ -12035,7 +12019,7 @@
               <a:srgbClr val="DDDDDD"/>
             </a:outerShdw>
           </a:effectLst>
-          <a:latin typeface="Helvetica" panose="020B0604020202020204" pitchFamily="34" charset="0"/>
+          <a:latin typeface="Helvetica" pitchFamily="34" charset="0"/>
         </a:defRPr>
       </a:lvl7pPr>
       <a:lvl8pPr marL="1371600" algn="ctr" rtl="0" eaLnBrk="0" fontAlgn="base" hangingPunct="0">
@@ -12054,7 +12038,7 @@
               <a:srgbClr val="DDDDDD"/>
             </a:outerShdw>
           </a:effectLst>
-          <a:latin typeface="Helvetica" panose="020B0604020202020204" pitchFamily="34" charset="0"/>
+          <a:latin typeface="Helvetica" pitchFamily="34" charset="0"/>
         </a:defRPr>
       </a:lvl8pPr>
       <a:lvl9pPr marL="1828800" algn="ctr" rtl="0" eaLnBrk="0" fontAlgn="base" hangingPunct="0">
@@ -12073,7 +12057,7 @@
               <a:srgbClr val="DDDDDD"/>
             </a:outerShdw>
           </a:effectLst>
-          <a:latin typeface="Helvetica" panose="020B0604020202020204" pitchFamily="34" charset="0"/>
+          <a:latin typeface="Helvetica" pitchFamily="34" charset="0"/>
         </a:defRPr>
       </a:lvl9pPr>
     </p:titleStyle>
@@ -14217,7 +14201,7 @@
           <a:p>
             <a:r>
               <a:rPr lang="en-US" altLang="en-US" sz="1700" dirty="0"/>
-              <a:t>Consider  the query -- Find the names of all instructors in the Physics department.</a:t>
+              <a:t>Consider  the query - Find the names of all instructors in the Physics department.</a:t>
             </a:r>
             <a:endParaRPr lang="en-US" altLang="en-US" sz="1700" dirty="0"/>
           </a:p>
@@ -16767,6 +16751,134 @@
   <p:clrMapOvr>
     <a:masterClrMapping/>
   </p:clrMapOvr>
+  <p:timing>
+    <p:tnLst>
+      <p:par>
+        <p:cTn id="1" dur="indefinite" restart="never" nodeType="tmRoot">
+          <p:childTnLst>
+            <p:seq concurrent="1" nextAc="seek">
+              <p:cTn id="2" dur="indefinite" nodeType="mainSeq">
+                <p:childTnLst>
+                  <p:par>
+                    <p:cTn id="3" fill="hold">
+                      <p:stCondLst>
+                        <p:cond delay="indefinite"/>
+                      </p:stCondLst>
+                      <p:childTnLst>
+                        <p:par>
+                          <p:cTn id="4" fill="hold">
+                            <p:stCondLst>
+                              <p:cond delay="0"/>
+                            </p:stCondLst>
+                            <p:childTnLst>
+                              <p:par>
+                                <p:cTn id="5" presetID="1" presetClass="entr" presetSubtype="0" fill="hold" grpId="0" nodeType="clickEffect">
+                                  <p:stCondLst>
+                                    <p:cond delay="0"/>
+                                  </p:stCondLst>
+                                  <p:childTnLst>
+                                    <p:set>
+                                      <p:cBhvr>
+                                        <p:cTn id="6" dur="1" fill="hold">
+                                          <p:stCondLst>
+                                            <p:cond delay="0"/>
+                                          </p:stCondLst>
+                                        </p:cTn>
+                                        <p:tgtEl>
+                                          <p:spTgt spid="9218">
+                                            <p:txEl>
+                                              <p:pRg st="0" end="0"/>
+                                            </p:txEl>
+                                          </p:spTgt>
+                                        </p:tgtEl>
+                                        <p:attrNameLst>
+                                          <p:attrName>style.visibility</p:attrName>
+                                        </p:attrNameLst>
+                                      </p:cBhvr>
+                                      <p:to>
+                                        <p:strVal val="visible"/>
+                                      </p:to>
+                                    </p:set>
+                                  </p:childTnLst>
+                                </p:cTn>
+                              </p:par>
+                            </p:childTnLst>
+                          </p:cTn>
+                        </p:par>
+                      </p:childTnLst>
+                    </p:cTn>
+                  </p:par>
+                  <p:par>
+                    <p:cTn id="7" fill="hold">
+                      <p:stCondLst>
+                        <p:cond delay="indefinite"/>
+                      </p:stCondLst>
+                      <p:childTnLst>
+                        <p:par>
+                          <p:cTn id="8" fill="hold">
+                            <p:stCondLst>
+                              <p:cond delay="0"/>
+                            </p:stCondLst>
+                            <p:childTnLst>
+                              <p:par>
+                                <p:cTn id="9" presetID="1" presetClass="entr" presetSubtype="0" fill="hold" nodeType="clickEffect">
+                                  <p:stCondLst>
+                                    <p:cond delay="0"/>
+                                  </p:stCondLst>
+                                  <p:childTnLst>
+                                    <p:set>
+                                      <p:cBhvr>
+                                        <p:cTn id="10" dur="1" fill="hold">
+                                          <p:stCondLst>
+                                            <p:cond delay="0"/>
+                                          </p:stCondLst>
+                                        </p:cTn>
+                                        <p:tgtEl>
+                                          <p:spTgt spid="2"/>
+                                        </p:tgtEl>
+                                        <p:attrNameLst>
+                                          <p:attrName>style.visibility</p:attrName>
+                                        </p:attrNameLst>
+                                      </p:cBhvr>
+                                      <p:to>
+                                        <p:strVal val="visible"/>
+                                      </p:to>
+                                    </p:set>
+                                  </p:childTnLst>
+                                </p:cTn>
+                              </p:par>
+                            </p:childTnLst>
+                          </p:cTn>
+                        </p:par>
+                      </p:childTnLst>
+                    </p:cTn>
+                  </p:par>
+                </p:childTnLst>
+              </p:cTn>
+              <p:prevCondLst>
+                <p:cond evt="onPrev" delay="0">
+                  <p:tgtEl>
+                    <p:sldTgt/>
+                  </p:tgtEl>
+                </p:cond>
+              </p:prevCondLst>
+              <p:nextCondLst>
+                <p:cond evt="onNext" delay="0">
+                  <p:tgtEl>
+                    <p:sldTgt/>
+                  </p:tgtEl>
+                </p:cond>
+              </p:nextCondLst>
+            </p:seq>
+          </p:childTnLst>
+        </p:cTn>
+      </p:par>
+    </p:tnLst>
+    <p:bldLst>
+      <p:bldP spid="9218" grpId="0" build="p"/>
+      <p:bldP spid="9218" grpId="1" build="p"/>
+    </p:bldLst>
+  </p:timing>
 </p:sld>
 </file>
 
@@ -17201,6 +17313,472 @@
   <p:clrMapOvr>
     <a:masterClrMapping/>
   </p:clrMapOvr>
+  <p:timing>
+    <p:tnLst>
+      <p:par>
+        <p:cTn id="1" dur="indefinite" restart="never" nodeType="tmRoot">
+          <p:childTnLst>
+            <p:seq concurrent="1" nextAc="seek">
+              <p:cTn id="2" dur="indefinite" nodeType="mainSeq">
+                <p:childTnLst>
+                  <p:par>
+                    <p:cTn id="3" fill="hold">
+                      <p:stCondLst>
+                        <p:cond delay="indefinite"/>
+                      </p:stCondLst>
+                      <p:childTnLst>
+                        <p:par>
+                          <p:cTn id="4" fill="hold">
+                            <p:stCondLst>
+                              <p:cond delay="0"/>
+                            </p:stCondLst>
+                            <p:childTnLst>
+                              <p:par>
+                                <p:cTn id="5" presetID="1" presetClass="entr" presetSubtype="0" fill="hold" grpId="0" nodeType="clickEffect">
+                                  <p:stCondLst>
+                                    <p:cond delay="0"/>
+                                  </p:stCondLst>
+                                  <p:childTnLst>
+                                    <p:set>
+                                      <p:cBhvr>
+                                        <p:cTn id="6" dur="1" fill="hold">
+                                          <p:stCondLst>
+                                            <p:cond delay="0"/>
+                                          </p:stCondLst>
+                                        </p:cTn>
+                                        <p:tgtEl>
+                                          <p:spTgt spid="11266">
+                                            <p:txEl>
+                                              <p:pRg st="0" end="0"/>
+                                            </p:txEl>
+                                          </p:spTgt>
+                                        </p:tgtEl>
+                                        <p:attrNameLst>
+                                          <p:attrName>style.visibility</p:attrName>
+                                        </p:attrNameLst>
+                                      </p:cBhvr>
+                                      <p:to>
+                                        <p:strVal val="visible"/>
+                                      </p:to>
+                                    </p:set>
+                                  </p:childTnLst>
+                                </p:cTn>
+                              </p:par>
+                            </p:childTnLst>
+                          </p:cTn>
+                        </p:par>
+                      </p:childTnLst>
+                    </p:cTn>
+                  </p:par>
+                  <p:par>
+                    <p:cTn id="7" fill="hold">
+                      <p:stCondLst>
+                        <p:cond delay="indefinite"/>
+                      </p:stCondLst>
+                      <p:childTnLst>
+                        <p:par>
+                          <p:cTn id="8" fill="hold">
+                            <p:stCondLst>
+                              <p:cond delay="0"/>
+                            </p:stCondLst>
+                            <p:childTnLst>
+                              <p:par>
+                                <p:cTn id="9" presetID="1" presetClass="entr" presetSubtype="0" fill="hold" grpId="0" nodeType="clickEffect">
+                                  <p:stCondLst>
+                                    <p:cond delay="0"/>
+                                  </p:stCondLst>
+                                  <p:childTnLst>
+                                    <p:set>
+                                      <p:cBhvr>
+                                        <p:cTn id="10" dur="1" fill="hold">
+                                          <p:stCondLst>
+                                            <p:cond delay="0"/>
+                                          </p:stCondLst>
+                                        </p:cTn>
+                                        <p:tgtEl>
+                                          <p:spTgt spid="11266">
+                                            <p:txEl>
+                                              <p:pRg st="1" end="1"/>
+                                            </p:txEl>
+                                          </p:spTgt>
+                                        </p:tgtEl>
+                                        <p:attrNameLst>
+                                          <p:attrName>style.visibility</p:attrName>
+                                        </p:attrNameLst>
+                                      </p:cBhvr>
+                                      <p:to>
+                                        <p:strVal val="visible"/>
+                                      </p:to>
+                                    </p:set>
+                                  </p:childTnLst>
+                                </p:cTn>
+                              </p:par>
+                            </p:childTnLst>
+                          </p:cTn>
+                        </p:par>
+                      </p:childTnLst>
+                    </p:cTn>
+                  </p:par>
+                  <p:par>
+                    <p:cTn id="11" fill="hold">
+                      <p:stCondLst>
+                        <p:cond delay="indefinite"/>
+                      </p:stCondLst>
+                      <p:childTnLst>
+                        <p:par>
+                          <p:cTn id="12" fill="hold">
+                            <p:stCondLst>
+                              <p:cond delay="0"/>
+                            </p:stCondLst>
+                            <p:childTnLst>
+                              <p:par>
+                                <p:cTn id="13" presetID="1" presetClass="entr" presetSubtype="0" fill="hold" grpId="0" nodeType="clickEffect">
+                                  <p:stCondLst>
+                                    <p:cond delay="0"/>
+                                  </p:stCondLst>
+                                  <p:childTnLst>
+                                    <p:set>
+                                      <p:cBhvr>
+                                        <p:cTn id="14" dur="1" fill="hold">
+                                          <p:stCondLst>
+                                            <p:cond delay="0"/>
+                                          </p:stCondLst>
+                                        </p:cTn>
+                                        <p:tgtEl>
+                                          <p:spTgt spid="11266">
+                                            <p:txEl>
+                                              <p:pRg st="2" end="2"/>
+                                            </p:txEl>
+                                          </p:spTgt>
+                                        </p:tgtEl>
+                                        <p:attrNameLst>
+                                          <p:attrName>style.visibility</p:attrName>
+                                        </p:attrNameLst>
+                                      </p:cBhvr>
+                                      <p:to>
+                                        <p:strVal val="visible"/>
+                                      </p:to>
+                                    </p:set>
+                                  </p:childTnLst>
+                                </p:cTn>
+                              </p:par>
+                              <p:par>
+                                <p:cTn id="15" presetID="1" presetClass="entr" presetSubtype="0" fill="hold" grpId="0" nodeType="withEffect">
+                                  <p:stCondLst>
+                                    <p:cond delay="0"/>
+                                  </p:stCondLst>
+                                  <p:childTnLst>
+                                    <p:set>
+                                      <p:cBhvr>
+                                        <p:cTn id="16" dur="1" fill="hold">
+                                          <p:stCondLst>
+                                            <p:cond delay="0"/>
+                                          </p:stCondLst>
+                                        </p:cTn>
+                                        <p:tgtEl>
+                                          <p:spTgt spid="11266">
+                                            <p:txEl>
+                                              <p:pRg st="3" end="3"/>
+                                            </p:txEl>
+                                          </p:spTgt>
+                                        </p:tgtEl>
+                                        <p:attrNameLst>
+                                          <p:attrName>style.visibility</p:attrName>
+                                        </p:attrNameLst>
+                                      </p:cBhvr>
+                                      <p:to>
+                                        <p:strVal val="visible"/>
+                                      </p:to>
+                                    </p:set>
+                                  </p:childTnLst>
+                                </p:cTn>
+                              </p:par>
+                              <p:par>
+                                <p:cTn id="17" presetID="1" presetClass="entr" presetSubtype="0" fill="hold" grpId="0" nodeType="withEffect">
+                                  <p:stCondLst>
+                                    <p:cond delay="0"/>
+                                  </p:stCondLst>
+                                  <p:childTnLst>
+                                    <p:set>
+                                      <p:cBhvr>
+                                        <p:cTn id="18" dur="1" fill="hold">
+                                          <p:stCondLst>
+                                            <p:cond delay="0"/>
+                                          </p:stCondLst>
+                                        </p:cTn>
+                                        <p:tgtEl>
+                                          <p:spTgt spid="11266">
+                                            <p:txEl>
+                                              <p:pRg st="4" end="4"/>
+                                            </p:txEl>
+                                          </p:spTgt>
+                                        </p:tgtEl>
+                                        <p:attrNameLst>
+                                          <p:attrName>style.visibility</p:attrName>
+                                        </p:attrNameLst>
+                                      </p:cBhvr>
+                                      <p:to>
+                                        <p:strVal val="visible"/>
+                                      </p:to>
+                                    </p:set>
+                                  </p:childTnLst>
+                                </p:cTn>
+                              </p:par>
+                            </p:childTnLst>
+                          </p:cTn>
+                        </p:par>
+                      </p:childTnLst>
+                    </p:cTn>
+                  </p:par>
+                  <p:par>
+                    <p:cTn id="19" fill="hold">
+                      <p:stCondLst>
+                        <p:cond delay="indefinite"/>
+                      </p:stCondLst>
+                      <p:childTnLst>
+                        <p:par>
+                          <p:cTn id="20" fill="hold">
+                            <p:stCondLst>
+                              <p:cond delay="0"/>
+                            </p:stCondLst>
+                            <p:childTnLst>
+                              <p:par>
+                                <p:cTn id="21" presetID="1" presetClass="entr" presetSubtype="0" fill="hold" grpId="0" nodeType="clickEffect">
+                                  <p:stCondLst>
+                                    <p:cond delay="0"/>
+                                  </p:stCondLst>
+                                  <p:childTnLst>
+                                    <p:set>
+                                      <p:cBhvr>
+                                        <p:cTn id="22" dur="1" fill="hold">
+                                          <p:stCondLst>
+                                            <p:cond delay="0"/>
+                                          </p:stCondLst>
+                                        </p:cTn>
+                                        <p:tgtEl>
+                                          <p:spTgt spid="11266">
+                                            <p:txEl>
+                                              <p:pRg st="5" end="5"/>
+                                            </p:txEl>
+                                          </p:spTgt>
+                                        </p:tgtEl>
+                                        <p:attrNameLst>
+                                          <p:attrName>style.visibility</p:attrName>
+                                        </p:attrNameLst>
+                                      </p:cBhvr>
+                                      <p:to>
+                                        <p:strVal val="visible"/>
+                                      </p:to>
+                                    </p:set>
+                                  </p:childTnLst>
+                                </p:cTn>
+                              </p:par>
+                            </p:childTnLst>
+                          </p:cTn>
+                        </p:par>
+                      </p:childTnLst>
+                    </p:cTn>
+                  </p:par>
+                  <p:par>
+                    <p:cTn id="23" fill="hold">
+                      <p:stCondLst>
+                        <p:cond delay="indefinite"/>
+                      </p:stCondLst>
+                      <p:childTnLst>
+                        <p:par>
+                          <p:cTn id="24" fill="hold">
+                            <p:stCondLst>
+                              <p:cond delay="0"/>
+                            </p:stCondLst>
+                            <p:childTnLst>
+                              <p:par>
+                                <p:cTn id="25" presetID="1" presetClass="entr" presetSubtype="0" fill="hold" grpId="0" nodeType="clickEffect">
+                                  <p:stCondLst>
+                                    <p:cond delay="0"/>
+                                  </p:stCondLst>
+                                  <p:childTnLst>
+                                    <p:set>
+                                      <p:cBhvr>
+                                        <p:cTn id="26" dur="1" fill="hold">
+                                          <p:stCondLst>
+                                            <p:cond delay="0"/>
+                                          </p:stCondLst>
+                                        </p:cTn>
+                                        <p:tgtEl>
+                                          <p:spTgt spid="11266">
+                                            <p:txEl>
+                                              <p:pRg st="6" end="6"/>
+                                            </p:txEl>
+                                          </p:spTgt>
+                                        </p:tgtEl>
+                                        <p:attrNameLst>
+                                          <p:attrName>style.visibility</p:attrName>
+                                        </p:attrNameLst>
+                                      </p:cBhvr>
+                                      <p:to>
+                                        <p:strVal val="visible"/>
+                                      </p:to>
+                                    </p:set>
+                                  </p:childTnLst>
+                                </p:cTn>
+                              </p:par>
+                            </p:childTnLst>
+                          </p:cTn>
+                        </p:par>
+                      </p:childTnLst>
+                    </p:cTn>
+                  </p:par>
+                  <p:par>
+                    <p:cTn id="27" fill="hold">
+                      <p:stCondLst>
+                        <p:cond delay="indefinite"/>
+                      </p:stCondLst>
+                      <p:childTnLst>
+                        <p:par>
+                          <p:cTn id="28" fill="hold">
+                            <p:stCondLst>
+                              <p:cond delay="0"/>
+                            </p:stCondLst>
+                            <p:childTnLst>
+                              <p:par>
+                                <p:cTn id="29" presetID="1" presetClass="entr" presetSubtype="0" fill="hold" grpId="0" nodeType="clickEffect">
+                                  <p:stCondLst>
+                                    <p:cond delay="0"/>
+                                  </p:stCondLst>
+                                  <p:childTnLst>
+                                    <p:set>
+                                      <p:cBhvr>
+                                        <p:cTn id="30" dur="1" fill="hold">
+                                          <p:stCondLst>
+                                            <p:cond delay="0"/>
+                                          </p:stCondLst>
+                                        </p:cTn>
+                                        <p:tgtEl>
+                                          <p:spTgt spid="11266">
+                                            <p:txEl>
+                                              <p:pRg st="7" end="7"/>
+                                            </p:txEl>
+                                          </p:spTgt>
+                                        </p:tgtEl>
+                                        <p:attrNameLst>
+                                          <p:attrName>style.visibility</p:attrName>
+                                        </p:attrNameLst>
+                                      </p:cBhvr>
+                                      <p:to>
+                                        <p:strVal val="visible"/>
+                                      </p:to>
+                                    </p:set>
+                                  </p:childTnLst>
+                                </p:cTn>
+                              </p:par>
+                              <p:par>
+                                <p:cTn id="31" presetID="1" presetClass="entr" presetSubtype="0" fill="hold" grpId="0" nodeType="withEffect">
+                                  <p:stCondLst>
+                                    <p:cond delay="0"/>
+                                  </p:stCondLst>
+                                  <p:childTnLst>
+                                    <p:set>
+                                      <p:cBhvr>
+                                        <p:cTn id="32" dur="1" fill="hold">
+                                          <p:stCondLst>
+                                            <p:cond delay="0"/>
+                                          </p:stCondLst>
+                                        </p:cTn>
+                                        <p:tgtEl>
+                                          <p:spTgt spid="11266">
+                                            <p:txEl>
+                                              <p:pRg st="8" end="8"/>
+                                            </p:txEl>
+                                          </p:spTgt>
+                                        </p:tgtEl>
+                                        <p:attrNameLst>
+                                          <p:attrName>style.visibility</p:attrName>
+                                        </p:attrNameLst>
+                                      </p:cBhvr>
+                                      <p:to>
+                                        <p:strVal val="visible"/>
+                                      </p:to>
+                                    </p:set>
+                                  </p:childTnLst>
+                                </p:cTn>
+                              </p:par>
+                            </p:childTnLst>
+                          </p:cTn>
+                        </p:par>
+                      </p:childTnLst>
+                    </p:cTn>
+                  </p:par>
+                  <p:par>
+                    <p:cTn id="33" fill="hold">
+                      <p:stCondLst>
+                        <p:cond delay="indefinite"/>
+                      </p:stCondLst>
+                      <p:childTnLst>
+                        <p:par>
+                          <p:cTn id="34" fill="hold">
+                            <p:stCondLst>
+                              <p:cond delay="0"/>
+                            </p:stCondLst>
+                            <p:childTnLst>
+                              <p:par>
+                                <p:cTn id="35" presetID="1" presetClass="entr" presetSubtype="0" fill="hold" nodeType="clickEffect">
+                                  <p:stCondLst>
+                                    <p:cond delay="0"/>
+                                  </p:stCondLst>
+                                  <p:childTnLst>
+                                    <p:set>
+                                      <p:cBhvr>
+                                        <p:cTn id="36" dur="1" fill="hold">
+                                          <p:stCondLst>
+                                            <p:cond delay="0"/>
+                                          </p:stCondLst>
+                                        </p:cTn>
+                                        <p:tgtEl>
+                                          <p:spTgt spid="2"/>
+                                        </p:tgtEl>
+                                        <p:attrNameLst>
+                                          <p:attrName>style.visibility</p:attrName>
+                                        </p:attrNameLst>
+                                      </p:cBhvr>
+                                      <p:to>
+                                        <p:strVal val="visible"/>
+                                      </p:to>
+                                    </p:set>
+                                  </p:childTnLst>
+                                </p:cTn>
+                              </p:par>
+                            </p:childTnLst>
+                          </p:cTn>
+                        </p:par>
+                      </p:childTnLst>
+                    </p:cTn>
+                  </p:par>
+                </p:childTnLst>
+              </p:cTn>
+              <p:prevCondLst>
+                <p:cond evt="onPrev" delay="0">
+                  <p:tgtEl>
+                    <p:sldTgt/>
+                  </p:tgtEl>
+                </p:cond>
+              </p:prevCondLst>
+              <p:nextCondLst>
+                <p:cond evt="onNext" delay="0">
+                  <p:tgtEl>
+                    <p:sldTgt/>
+                  </p:tgtEl>
+                </p:cond>
+              </p:nextCondLst>
+            </p:seq>
+          </p:childTnLst>
+        </p:cTn>
+      </p:par>
+    </p:tnLst>
+    <p:bldLst>
+      <p:bldP spid="11266" grpId="0" build="p"/>
+      <p:bldP spid="11266" grpId="1" build="p"/>
+    </p:bldLst>
+  </p:timing>
 </p:sld>
 </file>
 
@@ -17636,6 +18214,343 @@
   <p:clrMapOvr>
     <a:masterClrMapping/>
   </p:clrMapOvr>
+  <p:timing>
+    <p:tnLst>
+      <p:par>
+        <p:cTn id="1" dur="indefinite" restart="never" nodeType="tmRoot">
+          <p:childTnLst>
+            <p:seq concurrent="1" nextAc="seek">
+              <p:cTn id="2" dur="indefinite" nodeType="mainSeq">
+                <p:childTnLst>
+                  <p:par>
+                    <p:cTn id="3" fill="hold">
+                      <p:stCondLst>
+                        <p:cond delay="indefinite"/>
+                      </p:stCondLst>
+                      <p:childTnLst>
+                        <p:par>
+                          <p:cTn id="4" fill="hold">
+                            <p:stCondLst>
+                              <p:cond delay="0"/>
+                            </p:stCondLst>
+                            <p:childTnLst>
+                              <p:par>
+                                <p:cTn id="5" presetID="1" presetClass="entr" presetSubtype="0" fill="hold" grpId="0" nodeType="clickEffect">
+                                  <p:stCondLst>
+                                    <p:cond delay="0"/>
+                                  </p:stCondLst>
+                                  <p:childTnLst>
+                                    <p:set>
+                                      <p:cBhvr>
+                                        <p:cTn id="6" dur="1" fill="hold">
+                                          <p:stCondLst>
+                                            <p:cond delay="0"/>
+                                          </p:stCondLst>
+                                        </p:cTn>
+                                        <p:tgtEl>
+                                          <p:spTgt spid="10242">
+                                            <p:txEl>
+                                              <p:pRg st="0" end="0"/>
+                                            </p:txEl>
+                                          </p:spTgt>
+                                        </p:tgtEl>
+                                        <p:attrNameLst>
+                                          <p:attrName>style.visibility</p:attrName>
+                                        </p:attrNameLst>
+                                      </p:cBhvr>
+                                      <p:to>
+                                        <p:strVal val="visible"/>
+                                      </p:to>
+                                    </p:set>
+                                  </p:childTnLst>
+                                </p:cTn>
+                              </p:par>
+                            </p:childTnLst>
+                          </p:cTn>
+                        </p:par>
+                      </p:childTnLst>
+                    </p:cTn>
+                  </p:par>
+                  <p:par>
+                    <p:cTn id="7" fill="hold">
+                      <p:stCondLst>
+                        <p:cond delay="indefinite"/>
+                      </p:stCondLst>
+                      <p:childTnLst>
+                        <p:par>
+                          <p:cTn id="8" fill="hold">
+                            <p:stCondLst>
+                              <p:cond delay="0"/>
+                            </p:stCondLst>
+                            <p:childTnLst>
+                              <p:par>
+                                <p:cTn id="9" presetID="1" presetClass="entr" presetSubtype="0" fill="hold" grpId="0" nodeType="clickEffect">
+                                  <p:stCondLst>
+                                    <p:cond delay="0"/>
+                                  </p:stCondLst>
+                                  <p:childTnLst>
+                                    <p:set>
+                                      <p:cBhvr>
+                                        <p:cTn id="10" dur="1" fill="hold">
+                                          <p:stCondLst>
+                                            <p:cond delay="0"/>
+                                          </p:stCondLst>
+                                        </p:cTn>
+                                        <p:tgtEl>
+                                          <p:spTgt spid="10242">
+                                            <p:txEl>
+                                              <p:pRg st="1" end="1"/>
+                                            </p:txEl>
+                                          </p:spTgt>
+                                        </p:tgtEl>
+                                        <p:attrNameLst>
+                                          <p:attrName>style.visibility</p:attrName>
+                                        </p:attrNameLst>
+                                      </p:cBhvr>
+                                      <p:to>
+                                        <p:strVal val="visible"/>
+                                      </p:to>
+                                    </p:set>
+                                  </p:childTnLst>
+                                </p:cTn>
+                              </p:par>
+                            </p:childTnLst>
+                          </p:cTn>
+                        </p:par>
+                      </p:childTnLst>
+                    </p:cTn>
+                  </p:par>
+                  <p:par>
+                    <p:cTn id="11" fill="hold">
+                      <p:stCondLst>
+                        <p:cond delay="indefinite"/>
+                      </p:stCondLst>
+                      <p:childTnLst>
+                        <p:par>
+                          <p:cTn id="12" fill="hold">
+                            <p:stCondLst>
+                              <p:cond delay="0"/>
+                            </p:stCondLst>
+                            <p:childTnLst>
+                              <p:par>
+                                <p:cTn id="13" presetID="1" presetClass="entr" presetSubtype="0" fill="hold" grpId="0" nodeType="clickEffect">
+                                  <p:stCondLst>
+                                    <p:cond delay="0"/>
+                                  </p:stCondLst>
+                                  <p:childTnLst>
+                                    <p:set>
+                                      <p:cBhvr>
+                                        <p:cTn id="14" dur="1" fill="hold">
+                                          <p:stCondLst>
+                                            <p:cond delay="0"/>
+                                          </p:stCondLst>
+                                        </p:cTn>
+                                        <p:tgtEl>
+                                          <p:spTgt spid="10242">
+                                            <p:txEl>
+                                              <p:pRg st="2" end="2"/>
+                                            </p:txEl>
+                                          </p:spTgt>
+                                        </p:tgtEl>
+                                        <p:attrNameLst>
+                                          <p:attrName>style.visibility</p:attrName>
+                                        </p:attrNameLst>
+                                      </p:cBhvr>
+                                      <p:to>
+                                        <p:strVal val="visible"/>
+                                      </p:to>
+                                    </p:set>
+                                  </p:childTnLst>
+                                </p:cTn>
+                              </p:par>
+                              <p:par>
+                                <p:cTn id="15" presetID="1" presetClass="entr" presetSubtype="0" fill="hold" grpId="0" nodeType="withEffect">
+                                  <p:stCondLst>
+                                    <p:cond delay="0"/>
+                                  </p:stCondLst>
+                                  <p:childTnLst>
+                                    <p:set>
+                                      <p:cBhvr>
+                                        <p:cTn id="16" dur="1" fill="hold">
+                                          <p:stCondLst>
+                                            <p:cond delay="0"/>
+                                          </p:stCondLst>
+                                        </p:cTn>
+                                        <p:tgtEl>
+                                          <p:spTgt spid="10242">
+                                            <p:txEl>
+                                              <p:pRg st="3" end="3"/>
+                                            </p:txEl>
+                                          </p:spTgt>
+                                        </p:tgtEl>
+                                        <p:attrNameLst>
+                                          <p:attrName>style.visibility</p:attrName>
+                                        </p:attrNameLst>
+                                      </p:cBhvr>
+                                      <p:to>
+                                        <p:strVal val="visible"/>
+                                      </p:to>
+                                    </p:set>
+                                  </p:childTnLst>
+                                </p:cTn>
+                              </p:par>
+                              <p:par>
+                                <p:cTn id="17" presetID="1" presetClass="entr" presetSubtype="0" fill="hold" grpId="0" nodeType="withEffect">
+                                  <p:stCondLst>
+                                    <p:cond delay="0"/>
+                                  </p:stCondLst>
+                                  <p:childTnLst>
+                                    <p:set>
+                                      <p:cBhvr>
+                                        <p:cTn id="18" dur="1" fill="hold">
+                                          <p:stCondLst>
+                                            <p:cond delay="0"/>
+                                          </p:stCondLst>
+                                        </p:cTn>
+                                        <p:tgtEl>
+                                          <p:spTgt spid="10242">
+                                            <p:txEl>
+                                              <p:pRg st="4" end="4"/>
+                                            </p:txEl>
+                                          </p:spTgt>
+                                        </p:tgtEl>
+                                        <p:attrNameLst>
+                                          <p:attrName>style.visibility</p:attrName>
+                                        </p:attrNameLst>
+                                      </p:cBhvr>
+                                      <p:to>
+                                        <p:strVal val="visible"/>
+                                      </p:to>
+                                    </p:set>
+                                  </p:childTnLst>
+                                </p:cTn>
+                              </p:par>
+                            </p:childTnLst>
+                          </p:cTn>
+                        </p:par>
+                      </p:childTnLst>
+                    </p:cTn>
+                  </p:par>
+                  <p:par>
+                    <p:cTn id="19" fill="hold">
+                      <p:stCondLst>
+                        <p:cond delay="indefinite"/>
+                      </p:stCondLst>
+                      <p:childTnLst>
+                        <p:par>
+                          <p:cTn id="20" fill="hold">
+                            <p:stCondLst>
+                              <p:cond delay="0"/>
+                            </p:stCondLst>
+                            <p:childTnLst>
+                              <p:par>
+                                <p:cTn id="21" presetID="1" presetClass="entr" presetSubtype="0" fill="hold" grpId="0" nodeType="clickEffect">
+                                  <p:stCondLst>
+                                    <p:cond delay="0"/>
+                                  </p:stCondLst>
+                                  <p:childTnLst>
+                                    <p:set>
+                                      <p:cBhvr>
+                                        <p:cTn id="22" dur="1" fill="hold">
+                                          <p:stCondLst>
+                                            <p:cond delay="0"/>
+                                          </p:stCondLst>
+                                        </p:cTn>
+                                        <p:tgtEl>
+                                          <p:spTgt spid="10242">
+                                            <p:txEl>
+                                              <p:pRg st="5" end="5"/>
+                                            </p:txEl>
+                                          </p:spTgt>
+                                        </p:tgtEl>
+                                        <p:attrNameLst>
+                                          <p:attrName>style.visibility</p:attrName>
+                                        </p:attrNameLst>
+                                      </p:cBhvr>
+                                      <p:to>
+                                        <p:strVal val="visible"/>
+                                      </p:to>
+                                    </p:set>
+                                  </p:childTnLst>
+                                </p:cTn>
+                              </p:par>
+                            </p:childTnLst>
+                          </p:cTn>
+                        </p:par>
+                      </p:childTnLst>
+                    </p:cTn>
+                  </p:par>
+                  <p:par>
+                    <p:cTn id="23" fill="hold">
+                      <p:stCondLst>
+                        <p:cond delay="indefinite"/>
+                      </p:stCondLst>
+                      <p:childTnLst>
+                        <p:par>
+                          <p:cTn id="24" fill="hold">
+                            <p:stCondLst>
+                              <p:cond delay="0"/>
+                            </p:stCondLst>
+                            <p:childTnLst>
+                              <p:par>
+                                <p:cTn id="25" presetID="1" presetClass="entr" presetSubtype="0" fill="hold" nodeType="clickEffect">
+                                  <p:stCondLst>
+                                    <p:cond delay="0"/>
+                                  </p:stCondLst>
+                                  <p:childTnLst>
+                                    <p:set>
+                                      <p:cBhvr>
+                                        <p:cTn id="26" dur="1" fill="hold">
+                                          <p:stCondLst>
+                                            <p:cond delay="0"/>
+                                          </p:stCondLst>
+                                        </p:cTn>
+                                        <p:tgtEl>
+                                          <p:spTgt spid="4"/>
+                                        </p:tgtEl>
+                                        <p:attrNameLst>
+                                          <p:attrName>style.visibility</p:attrName>
+                                        </p:attrNameLst>
+                                      </p:cBhvr>
+                                      <p:to>
+                                        <p:strVal val="visible"/>
+                                      </p:to>
+                                    </p:set>
+                                  </p:childTnLst>
+                                </p:cTn>
+                              </p:par>
+                            </p:childTnLst>
+                          </p:cTn>
+                        </p:par>
+                      </p:childTnLst>
+                    </p:cTn>
+                  </p:par>
+                </p:childTnLst>
+              </p:cTn>
+              <p:prevCondLst>
+                <p:cond evt="onPrev" delay="0">
+                  <p:tgtEl>
+                    <p:sldTgt/>
+                  </p:tgtEl>
+                </p:cond>
+              </p:prevCondLst>
+              <p:nextCondLst>
+                <p:cond evt="onNext" delay="0">
+                  <p:tgtEl>
+                    <p:sldTgt/>
+                  </p:tgtEl>
+                </p:cond>
+              </p:nextCondLst>
+            </p:seq>
+          </p:childTnLst>
+        </p:cTn>
+      </p:par>
+    </p:tnLst>
+    <p:bldLst>
+      <p:bldP spid="10242" grpId="0" build="p"/>
+      <p:bldP spid="10242" grpId="1" build="p"/>
+    </p:bldLst>
+  </p:timing>
 </p:sld>
 </file>
 
@@ -20938,7 +21853,7 @@
               <a:schemeClr val="tx1"/>
             </a:solidFill>
             <a:effectLst/>
-            <a:latin typeface="Helvetica" panose="020B0604020202020204" pitchFamily="34" charset="0"/>
+            <a:latin typeface="Helvetica" pitchFamily="34" charset="0"/>
           </a:defRPr>
         </a:defPPr>
       </a:lstStyle>
@@ -20994,7 +21909,7 @@
               <a:schemeClr val="tx1"/>
             </a:solidFill>
             <a:effectLst/>
-            <a:latin typeface="Helvetica" panose="020B0604020202020204" pitchFamily="34" charset="0"/>
+            <a:latin typeface="Helvetica" pitchFamily="34" charset="0"/>
           </a:defRPr>
         </a:defPPr>
       </a:lstStyle>
